--- a/Coding for System Administrators.pptx
+++ b/Coding for System Administrators.pptx
@@ -2,10 +2,10 @@
 <file path=ppt/presentation.xml><?xml version="1.0" encoding="utf-8"?>
 <p:presentation xmlns:a="http://schemas.openxmlformats.org/drawingml/2006/main" xmlns:r="http://schemas.openxmlformats.org/officeDocument/2006/relationships" xmlns:p="http://schemas.openxmlformats.org/presentationml/2006/main" saveSubsetFonts="1" autoCompressPictures="0">
   <p:sldMasterIdLst>
-    <p:sldMasterId id="2147483648" r:id="rId1"/>
+    <p:sldMasterId id="2147483669" r:id="rId1"/>
   </p:sldMasterIdLst>
   <p:notesMasterIdLst>
-    <p:notesMasterId r:id="rId29"/>
+    <p:notesMasterId r:id="rId32"/>
   </p:notesMasterIdLst>
   <p:sldIdLst>
     <p:sldId id="256" r:id="rId2"/>
@@ -29,12 +29,15 @@
     <p:sldId id="265" r:id="rId20"/>
     <p:sldId id="266" r:id="rId21"/>
     <p:sldId id="280" r:id="rId22"/>
-    <p:sldId id="267" r:id="rId23"/>
-    <p:sldId id="273" r:id="rId24"/>
-    <p:sldId id="279" r:id="rId25"/>
-    <p:sldId id="281" r:id="rId26"/>
-    <p:sldId id="282" r:id="rId27"/>
-    <p:sldId id="263" r:id="rId28"/>
+    <p:sldId id="283" r:id="rId23"/>
+    <p:sldId id="267" r:id="rId24"/>
+    <p:sldId id="273" r:id="rId25"/>
+    <p:sldId id="279" r:id="rId26"/>
+    <p:sldId id="281" r:id="rId27"/>
+    <p:sldId id="282" r:id="rId28"/>
+    <p:sldId id="284" r:id="rId29"/>
+    <p:sldId id="285" r:id="rId30"/>
+    <p:sldId id="263" r:id="rId31"/>
   </p:sldIdLst>
   <p:sldSz cx="12192000" cy="6858000"/>
   <p:notesSz cx="6858000" cy="9144000"/>
@@ -223,7 +226,7 @@
           <a:p>
             <a:fld id="{D0CE96AB-AC37-C642-B900-1F3A8C385AD1}" type="datetimeFigureOut">
               <a:rPr lang="en-US" smtClean="0"/>
-              <a:t>5/9/2017</a:t>
+              <a:t>5/10/2017</a:t>
             </a:fld>
             <a:endParaRPr lang="en-US"/>
           </a:p>
@@ -518,6 +521,13 @@
         <p:blipFill>
           <a:blip r:embed="rId2">
             <a:alphaModFix amt="30000"/>
+            <a:duotone>
+              <a:prstClr val="black"/>
+              <a:schemeClr val="tx2">
+                <a:tint val="45000"/>
+                <a:satMod val="400000"/>
+              </a:schemeClr>
+            </a:duotone>
             <a:extLst>
               <a:ext uri="{28A0092B-C50C-407E-A947-70E740481C1C}">
                 <a14:useLocalDpi xmlns:a14="http://schemas.microsoft.com/office/drawing/2010/main" val="0"/>
@@ -540,7 +550,7 @@
           <a:noFill/>
           <a:extLst>
             <a:ext uri="{909E8E84-426E-40dd-AFC4-6F175D3DCCD1}">
-              <a14:hiddenFill xmlns="" xmlns:a14="http://schemas.microsoft.com/office/drawing/2010/main">
+              <a14:hiddenFill xmlns:a14="http://schemas.microsoft.com/office/drawing/2010/main" xmlns="">
                 <a:solidFill>
                   <a:srgbClr val="FFFFFF"/>
                 </a:solidFill>
@@ -568,9 +578,8 @@
                 <a:schemeClr val="tx2"/>
               </a:gs>
               <a:gs pos="100000">
-                <a:schemeClr val="bg2">
-                  <a:lumMod val="60000"/>
-                  <a:lumOff val="40000"/>
+                <a:schemeClr val="tx2">
+                  <a:lumMod val="50000"/>
                 </a:schemeClr>
               </a:gs>
             </a:gsLst>
@@ -600,7 +609,7 @@
             </a:ln>
             <a:extLst>
               <a:ext uri="{91240B29-F687-4f45-9708-019B960494DF}">
-                <a14:hiddenLine xmlns="" xmlns:a14="http://schemas.microsoft.com/office/drawing/2010/main" w="9525">
+                <a14:hiddenLine xmlns:a14="http://schemas.microsoft.com/office/drawing/2010/main" xmlns="" w="9525">
                   <a:solidFill>
                     <a:srgbClr val="000000"/>
                   </a:solidFill>
@@ -690,7 +699,7 @@
             </a:ln>
             <a:extLst>
               <a:ext uri="{91240B29-F687-4f45-9708-019B960494DF}">
-                <a14:hiddenLine xmlns="" xmlns:a14="http://schemas.microsoft.com/office/drawing/2010/main" w="9525">
+                <a14:hiddenLine xmlns:a14="http://schemas.microsoft.com/office/drawing/2010/main" xmlns="" w="9525">
                   <a:solidFill>
                     <a:srgbClr val="000000"/>
                   </a:solidFill>
@@ -780,7 +789,7 @@
             </a:ln>
             <a:extLst>
               <a:ext uri="{91240B29-F687-4f45-9708-019B960494DF}">
-                <a14:hiddenLine xmlns="" xmlns:a14="http://schemas.microsoft.com/office/drawing/2010/main" w="9525">
+                <a14:hiddenLine xmlns:a14="http://schemas.microsoft.com/office/drawing/2010/main" xmlns="" w="9525">
                   <a:solidFill>
                     <a:srgbClr val="000000"/>
                   </a:solidFill>
@@ -814,7 +823,7 @@
             </a:ln>
             <a:extLst>
               <a:ext uri="{91240B29-F687-4f45-9708-019B960494DF}">
-                <a14:hiddenLine xmlns="" xmlns:a14="http://schemas.microsoft.com/office/drawing/2010/main" w="9525">
+                <a14:hiddenLine xmlns:a14="http://schemas.microsoft.com/office/drawing/2010/main" xmlns="" w="9525">
                   <a:solidFill>
                     <a:srgbClr val="000000"/>
                   </a:solidFill>
@@ -904,7 +913,7 @@
             </a:ln>
             <a:extLst>
               <a:ext uri="{91240B29-F687-4f45-9708-019B960494DF}">
-                <a14:hiddenLine xmlns="" xmlns:a14="http://schemas.microsoft.com/office/drawing/2010/main" w="9525">
+                <a14:hiddenLine xmlns:a14="http://schemas.microsoft.com/office/drawing/2010/main" xmlns="" w="9525">
                   <a:solidFill>
                     <a:srgbClr val="000000"/>
                   </a:solidFill>
@@ -966,7 +975,7 @@
             </a:ln>
             <a:extLst>
               <a:ext uri="{91240B29-F687-4f45-9708-019B960494DF}">
-                <a14:hiddenLine xmlns="" xmlns:a14="http://schemas.microsoft.com/office/drawing/2010/main" w="9525">
+                <a14:hiddenLine xmlns:a14="http://schemas.microsoft.com/office/drawing/2010/main" xmlns="" w="9525">
                   <a:solidFill>
                     <a:srgbClr val="000000"/>
                   </a:solidFill>
@@ -1028,7 +1037,7 @@
             </a:ln>
             <a:extLst>
               <a:ext uri="{91240B29-F687-4f45-9708-019B960494DF}">
-                <a14:hiddenLine xmlns="" xmlns:a14="http://schemas.microsoft.com/office/drawing/2010/main" w="9525">
+                <a14:hiddenLine xmlns:a14="http://schemas.microsoft.com/office/drawing/2010/main" xmlns="" w="9525">
                   <a:solidFill>
                     <a:srgbClr val="000000"/>
                   </a:solidFill>
@@ -1118,7 +1127,7 @@
             </a:ln>
             <a:extLst>
               <a:ext uri="{91240B29-F687-4f45-9708-019B960494DF}">
-                <a14:hiddenLine xmlns="" xmlns:a14="http://schemas.microsoft.com/office/drawing/2010/main" w="9525">
+                <a14:hiddenLine xmlns:a14="http://schemas.microsoft.com/office/drawing/2010/main" xmlns="" w="9525">
                   <a:solidFill>
                     <a:srgbClr val="000000"/>
                   </a:solidFill>
@@ -1180,7 +1189,7 @@
             </a:ln>
             <a:extLst>
               <a:ext uri="{91240B29-F687-4f45-9708-019B960494DF}">
-                <a14:hiddenLine xmlns="" xmlns:a14="http://schemas.microsoft.com/office/drawing/2010/main" w="9525">
+                <a14:hiddenLine xmlns:a14="http://schemas.microsoft.com/office/drawing/2010/main" xmlns="" w="9525">
                   <a:solidFill>
                     <a:srgbClr val="000000"/>
                   </a:solidFill>
@@ -1242,7 +1251,7 @@
             </a:ln>
             <a:extLst>
               <a:ext uri="{91240B29-F687-4f45-9708-019B960494DF}">
-                <a14:hiddenLine xmlns="" xmlns:a14="http://schemas.microsoft.com/office/drawing/2010/main" w="9525">
+                <a14:hiddenLine xmlns:a14="http://schemas.microsoft.com/office/drawing/2010/main" xmlns="" w="9525">
                   <a:solidFill>
                     <a:srgbClr val="000000"/>
                   </a:solidFill>
@@ -1332,7 +1341,7 @@
             </a:ln>
             <a:extLst>
               <a:ext uri="{91240B29-F687-4f45-9708-019B960494DF}">
-                <a14:hiddenLine xmlns="" xmlns:a14="http://schemas.microsoft.com/office/drawing/2010/main" w="9525">
+                <a14:hiddenLine xmlns:a14="http://schemas.microsoft.com/office/drawing/2010/main" xmlns="" w="9525">
                   <a:solidFill>
                     <a:srgbClr val="000000"/>
                   </a:solidFill>
@@ -1422,7 +1431,7 @@
             </a:ln>
             <a:extLst>
               <a:ext uri="{91240B29-F687-4f45-9708-019B960494DF}">
-                <a14:hiddenLine xmlns="" xmlns:a14="http://schemas.microsoft.com/office/drawing/2010/main" w="9525">
+                <a14:hiddenLine xmlns:a14="http://schemas.microsoft.com/office/drawing/2010/main" xmlns="" w="9525">
                   <a:solidFill>
                     <a:srgbClr val="000000"/>
                   </a:solidFill>
@@ -1484,7 +1493,7 @@
             </a:ln>
             <a:extLst>
               <a:ext uri="{91240B29-F687-4f45-9708-019B960494DF}">
-                <a14:hiddenLine xmlns="" xmlns:a14="http://schemas.microsoft.com/office/drawing/2010/main" w="9525">
+                <a14:hiddenLine xmlns:a14="http://schemas.microsoft.com/office/drawing/2010/main" xmlns="" w="9525">
                   <a:solidFill>
                     <a:srgbClr val="000000"/>
                   </a:solidFill>
@@ -1594,7 +1603,7 @@
             </a:ln>
             <a:extLst>
               <a:ext uri="{91240B29-F687-4f45-9708-019B960494DF}">
-                <a14:hiddenLine xmlns="" xmlns:a14="http://schemas.microsoft.com/office/drawing/2010/main" w="9525">
+                <a14:hiddenLine xmlns:a14="http://schemas.microsoft.com/office/drawing/2010/main" xmlns="" w="9525">
                   <a:solidFill>
                     <a:srgbClr val="000000"/>
                   </a:solidFill>
@@ -1656,7 +1665,7 @@
             </a:ln>
             <a:extLst>
               <a:ext uri="{91240B29-F687-4f45-9708-019B960494DF}">
-                <a14:hiddenLine xmlns="" xmlns:a14="http://schemas.microsoft.com/office/drawing/2010/main" w="9525">
+                <a14:hiddenLine xmlns:a14="http://schemas.microsoft.com/office/drawing/2010/main" xmlns="" w="9525">
                   <a:solidFill>
                     <a:srgbClr val="000000"/>
                   </a:solidFill>
@@ -1746,7 +1755,7 @@
             </a:ln>
             <a:extLst>
               <a:ext uri="{91240B29-F687-4f45-9708-019B960494DF}">
-                <a14:hiddenLine xmlns="" xmlns:a14="http://schemas.microsoft.com/office/drawing/2010/main" w="9525">
+                <a14:hiddenLine xmlns:a14="http://schemas.microsoft.com/office/drawing/2010/main" xmlns="" w="9525">
                   <a:solidFill>
                     <a:srgbClr val="000000"/>
                   </a:solidFill>
@@ -1836,7 +1845,7 @@
             </a:ln>
             <a:extLst>
               <a:ext uri="{91240B29-F687-4f45-9708-019B960494DF}">
-                <a14:hiddenLine xmlns="" xmlns:a14="http://schemas.microsoft.com/office/drawing/2010/main" w="9525">
+                <a14:hiddenLine xmlns:a14="http://schemas.microsoft.com/office/drawing/2010/main" xmlns="" w="9525">
                   <a:solidFill>
                     <a:srgbClr val="000000"/>
                   </a:solidFill>
@@ -1898,7 +1907,7 @@
             </a:ln>
             <a:extLst>
               <a:ext uri="{91240B29-F687-4f45-9708-019B960494DF}">
-                <a14:hiddenLine xmlns="" xmlns:a14="http://schemas.microsoft.com/office/drawing/2010/main" w="9525">
+                <a14:hiddenLine xmlns:a14="http://schemas.microsoft.com/office/drawing/2010/main" xmlns="" w="9525">
                   <a:solidFill>
                     <a:srgbClr val="000000"/>
                   </a:solidFill>
@@ -1988,7 +1997,7 @@
             </a:ln>
             <a:extLst>
               <a:ext uri="{91240B29-F687-4f45-9708-019B960494DF}">
-                <a14:hiddenLine xmlns="" xmlns:a14="http://schemas.microsoft.com/office/drawing/2010/main" w="9525">
+                <a14:hiddenLine xmlns:a14="http://schemas.microsoft.com/office/drawing/2010/main" xmlns="" w="9525">
                   <a:solidFill>
                     <a:srgbClr val="000000"/>
                   </a:solidFill>
@@ -2078,7 +2087,7 @@
             </a:ln>
             <a:extLst>
               <a:ext uri="{91240B29-F687-4f45-9708-019B960494DF}">
-                <a14:hiddenLine xmlns="" xmlns:a14="http://schemas.microsoft.com/office/drawing/2010/main" w="9525">
+                <a14:hiddenLine xmlns:a14="http://schemas.microsoft.com/office/drawing/2010/main" xmlns="" w="9525">
                   <a:solidFill>
                     <a:srgbClr val="000000"/>
                   </a:solidFill>
@@ -2134,7 +2143,7 @@
             </a:ln>
             <a:extLst>
               <a:ext uri="{91240B29-F687-4f45-9708-019B960494DF}">
-                <a14:hiddenLine xmlns="" xmlns:a14="http://schemas.microsoft.com/office/drawing/2010/main" w="9525">
+                <a14:hiddenLine xmlns:a14="http://schemas.microsoft.com/office/drawing/2010/main" xmlns="" w="9525">
                   <a:solidFill>
                     <a:srgbClr val="000000"/>
                   </a:solidFill>
@@ -2224,7 +2233,7 @@
             </a:ln>
             <a:extLst>
               <a:ext uri="{91240B29-F687-4f45-9708-019B960494DF}">
-                <a14:hiddenLine xmlns="" xmlns:a14="http://schemas.microsoft.com/office/drawing/2010/main" w="9525">
+                <a14:hiddenLine xmlns:a14="http://schemas.microsoft.com/office/drawing/2010/main" xmlns="" w="9525">
                   <a:solidFill>
                     <a:srgbClr val="000000"/>
                   </a:solidFill>
@@ -2280,7 +2289,7 @@
             </a:ln>
             <a:extLst>
               <a:ext uri="{91240B29-F687-4f45-9708-019B960494DF}">
-                <a14:hiddenLine xmlns="" xmlns:a14="http://schemas.microsoft.com/office/drawing/2010/main" w="9525">
+                <a14:hiddenLine xmlns:a14="http://schemas.microsoft.com/office/drawing/2010/main" xmlns="" w="9525">
                   <a:solidFill>
                     <a:srgbClr val="000000"/>
                   </a:solidFill>
@@ -2370,7 +2379,7 @@
             </a:ln>
             <a:extLst>
               <a:ext uri="{91240B29-F687-4f45-9708-019B960494DF}">
-                <a14:hiddenLine xmlns="" xmlns:a14="http://schemas.microsoft.com/office/drawing/2010/main" w="9525">
+                <a14:hiddenLine xmlns:a14="http://schemas.microsoft.com/office/drawing/2010/main" xmlns="" w="9525">
                   <a:solidFill>
                     <a:srgbClr val="000000"/>
                   </a:solidFill>
@@ -2438,7 +2447,7 @@
             </a:ln>
             <a:extLst>
               <a:ext uri="{91240B29-F687-4f45-9708-019B960494DF}">
-                <a14:hiddenLine xmlns="" xmlns:a14="http://schemas.microsoft.com/office/drawing/2010/main" w="9525">
+                <a14:hiddenLine xmlns:a14="http://schemas.microsoft.com/office/drawing/2010/main" xmlns="" w="9525">
                   <a:solidFill>
                     <a:srgbClr val="000000"/>
                   </a:solidFill>
@@ -2528,7 +2537,7 @@
             </a:ln>
             <a:extLst>
               <a:ext uri="{91240B29-F687-4f45-9708-019B960494DF}">
-                <a14:hiddenLine xmlns="" xmlns:a14="http://schemas.microsoft.com/office/drawing/2010/main" w="9525">
+                <a14:hiddenLine xmlns:a14="http://schemas.microsoft.com/office/drawing/2010/main" xmlns="" w="9525">
                   <a:solidFill>
                     <a:srgbClr val="000000"/>
                   </a:solidFill>
@@ -2596,7 +2605,7 @@
             </a:ln>
             <a:extLst>
               <a:ext uri="{91240B29-F687-4f45-9708-019B960494DF}">
-                <a14:hiddenLine xmlns="" xmlns:a14="http://schemas.microsoft.com/office/drawing/2010/main" w="9525">
+                <a14:hiddenLine xmlns:a14="http://schemas.microsoft.com/office/drawing/2010/main" xmlns="" w="9525">
                   <a:solidFill>
                     <a:srgbClr val="000000"/>
                   </a:solidFill>
@@ -2686,7 +2695,7 @@
             </a:ln>
             <a:extLst>
               <a:ext uri="{91240B29-F687-4f45-9708-019B960494DF}">
-                <a14:hiddenLine xmlns="" xmlns:a14="http://schemas.microsoft.com/office/drawing/2010/main" w="9525">
+                <a14:hiddenLine xmlns:a14="http://schemas.microsoft.com/office/drawing/2010/main" xmlns="" w="9525">
                   <a:solidFill>
                     <a:srgbClr val="000000"/>
                   </a:solidFill>
@@ -2720,7 +2729,7 @@
             </a:ln>
             <a:extLst>
               <a:ext uri="{91240B29-F687-4f45-9708-019B960494DF}">
-                <a14:hiddenLine xmlns="" xmlns:a14="http://schemas.microsoft.com/office/drawing/2010/main" w="9525">
+                <a14:hiddenLine xmlns:a14="http://schemas.microsoft.com/office/drawing/2010/main" xmlns="" w="9525">
                   <a:solidFill>
                     <a:srgbClr val="000000"/>
                   </a:solidFill>
@@ -2810,7 +2819,7 @@
             </a:ln>
             <a:extLst>
               <a:ext uri="{91240B29-F687-4f45-9708-019B960494DF}">
-                <a14:hiddenLine xmlns="" xmlns:a14="http://schemas.microsoft.com/office/drawing/2010/main" w="9525">
+                <a14:hiddenLine xmlns:a14="http://schemas.microsoft.com/office/drawing/2010/main" xmlns="" w="9525">
                   <a:solidFill>
                     <a:srgbClr val="000000"/>
                   </a:solidFill>
@@ -2872,7 +2881,7 @@
             </a:ln>
             <a:extLst>
               <a:ext uri="{91240B29-F687-4f45-9708-019B960494DF}">
-                <a14:hiddenLine xmlns="" xmlns:a14="http://schemas.microsoft.com/office/drawing/2010/main" w="9525">
+                <a14:hiddenLine xmlns:a14="http://schemas.microsoft.com/office/drawing/2010/main" xmlns="" w="9525">
                   <a:solidFill>
                     <a:srgbClr val="000000"/>
                   </a:solidFill>
@@ -2934,7 +2943,7 @@
             </a:ln>
             <a:extLst>
               <a:ext uri="{91240B29-F687-4f45-9708-019B960494DF}">
-                <a14:hiddenLine xmlns="" xmlns:a14="http://schemas.microsoft.com/office/drawing/2010/main" w="9525">
+                <a14:hiddenLine xmlns:a14="http://schemas.microsoft.com/office/drawing/2010/main" xmlns="" w="9525">
                   <a:solidFill>
                     <a:srgbClr val="000000"/>
                   </a:solidFill>
@@ -3024,7 +3033,7 @@
             </a:ln>
             <a:extLst>
               <a:ext uri="{91240B29-F687-4f45-9708-019B960494DF}">
-                <a14:hiddenLine xmlns="" xmlns:a14="http://schemas.microsoft.com/office/drawing/2010/main" w="9525">
+                <a14:hiddenLine xmlns:a14="http://schemas.microsoft.com/office/drawing/2010/main" xmlns="" w="9525">
                   <a:solidFill>
                     <a:srgbClr val="000000"/>
                   </a:solidFill>
@@ -3092,7 +3101,7 @@
             </a:ln>
             <a:extLst>
               <a:ext uri="{91240B29-F687-4f45-9708-019B960494DF}">
-                <a14:hiddenLine xmlns="" xmlns:a14="http://schemas.microsoft.com/office/drawing/2010/main" w="9525">
+                <a14:hiddenLine xmlns:a14="http://schemas.microsoft.com/office/drawing/2010/main" xmlns="" w="9525">
                   <a:solidFill>
                     <a:srgbClr val="000000"/>
                   </a:solidFill>
@@ -3154,7 +3163,7 @@
             </a:ln>
             <a:extLst>
               <a:ext uri="{91240B29-F687-4f45-9708-019B960494DF}">
-                <a14:hiddenLine xmlns="" xmlns:a14="http://schemas.microsoft.com/office/drawing/2010/main" w="9525">
+                <a14:hiddenLine xmlns:a14="http://schemas.microsoft.com/office/drawing/2010/main" xmlns="" w="9525">
                   <a:solidFill>
                     <a:srgbClr val="000000"/>
                   </a:solidFill>
@@ -3244,7 +3253,7 @@
             </a:ln>
             <a:extLst>
               <a:ext uri="{91240B29-F687-4f45-9708-019B960494DF}">
-                <a14:hiddenLine xmlns="" xmlns:a14="http://schemas.microsoft.com/office/drawing/2010/main" w="9525">
+                <a14:hiddenLine xmlns:a14="http://schemas.microsoft.com/office/drawing/2010/main" xmlns="" w="9525">
                   <a:solidFill>
                     <a:srgbClr val="000000"/>
                   </a:solidFill>
@@ -3306,7 +3315,7 @@
             </a:ln>
             <a:extLst>
               <a:ext uri="{91240B29-F687-4f45-9708-019B960494DF}">
-                <a14:hiddenLine xmlns="" xmlns:a14="http://schemas.microsoft.com/office/drawing/2010/main" w="9525">
+                <a14:hiddenLine xmlns:a14="http://schemas.microsoft.com/office/drawing/2010/main" xmlns="" w="9525">
                   <a:solidFill>
                     <a:srgbClr val="000000"/>
                   </a:solidFill>
@@ -3396,7 +3405,7 @@
             </a:ln>
             <a:extLst>
               <a:ext uri="{91240B29-F687-4f45-9708-019B960494DF}">
-                <a14:hiddenLine xmlns="" xmlns:a14="http://schemas.microsoft.com/office/drawing/2010/main" w="9525">
+                <a14:hiddenLine xmlns:a14="http://schemas.microsoft.com/office/drawing/2010/main" xmlns="" w="9525">
                   <a:solidFill>
                     <a:srgbClr val="000000"/>
                   </a:solidFill>
@@ -3458,7 +3467,7 @@
             </a:ln>
             <a:extLst>
               <a:ext uri="{91240B29-F687-4f45-9708-019B960494DF}">
-                <a14:hiddenLine xmlns="" xmlns:a14="http://schemas.microsoft.com/office/drawing/2010/main" w="9525">
+                <a14:hiddenLine xmlns:a14="http://schemas.microsoft.com/office/drawing/2010/main" xmlns="" w="9525">
                   <a:solidFill>
                     <a:srgbClr val="000000"/>
                   </a:solidFill>
@@ -3548,7 +3557,7 @@
             </a:ln>
             <a:extLst>
               <a:ext uri="{91240B29-F687-4f45-9708-019B960494DF}">
-                <a14:hiddenLine xmlns="" xmlns:a14="http://schemas.microsoft.com/office/drawing/2010/main" w="9525">
+                <a14:hiddenLine xmlns:a14="http://schemas.microsoft.com/office/drawing/2010/main" xmlns="" w="9525">
                   <a:solidFill>
                     <a:srgbClr val="000000"/>
                   </a:solidFill>
@@ -3582,7 +3591,7 @@
             </a:ln>
             <a:extLst>
               <a:ext uri="{91240B29-F687-4f45-9708-019B960494DF}">
-                <a14:hiddenLine xmlns="" xmlns:a14="http://schemas.microsoft.com/office/drawing/2010/main" w="9525">
+                <a14:hiddenLine xmlns:a14="http://schemas.microsoft.com/office/drawing/2010/main" xmlns="" w="9525">
                   <a:solidFill>
                     <a:srgbClr val="000000"/>
                   </a:solidFill>
@@ -3647,7 +3656,7 @@
             </a:ln>
             <a:extLst>
               <a:ext uri="{91240B29-F687-4f45-9708-019B960494DF}">
-                <a14:hiddenLine xmlns="" xmlns:a14="http://schemas.microsoft.com/office/drawing/2010/main" w="9525">
+                <a14:hiddenLine xmlns:a14="http://schemas.microsoft.com/office/drawing/2010/main" xmlns="" w="9525">
                   <a:solidFill>
                     <a:srgbClr val="000000"/>
                   </a:solidFill>
@@ -3737,7 +3746,7 @@
             </a:ln>
             <a:extLst>
               <a:ext uri="{91240B29-F687-4f45-9708-019B960494DF}">
-                <a14:hiddenLine xmlns="" xmlns:a14="http://schemas.microsoft.com/office/drawing/2010/main" w="9525">
+                <a14:hiddenLine xmlns:a14="http://schemas.microsoft.com/office/drawing/2010/main" xmlns="" w="9525">
                   <a:solidFill>
                     <a:srgbClr val="000000"/>
                   </a:solidFill>
@@ -3799,7 +3808,7 @@
             </a:ln>
             <a:extLst>
               <a:ext uri="{91240B29-F687-4f45-9708-019B960494DF}">
-                <a14:hiddenLine xmlns="" xmlns:a14="http://schemas.microsoft.com/office/drawing/2010/main" w="9525">
+                <a14:hiddenLine xmlns:a14="http://schemas.microsoft.com/office/drawing/2010/main" xmlns="" w="9525">
                   <a:solidFill>
                     <a:srgbClr val="000000"/>
                   </a:solidFill>
@@ -3889,7 +3898,7 @@
             </a:ln>
             <a:extLst>
               <a:ext uri="{91240B29-F687-4f45-9708-019B960494DF}">
-                <a14:hiddenLine xmlns="" xmlns:a14="http://schemas.microsoft.com/office/drawing/2010/main" w="9525">
+                <a14:hiddenLine xmlns:a14="http://schemas.microsoft.com/office/drawing/2010/main" xmlns="" w="9525">
                   <a:solidFill>
                     <a:srgbClr val="000000"/>
                   </a:solidFill>
@@ -3979,7 +3988,7 @@
             </a:ln>
             <a:extLst>
               <a:ext uri="{91240B29-F687-4f45-9708-019B960494DF}">
-                <a14:hiddenLine xmlns="" xmlns:a14="http://schemas.microsoft.com/office/drawing/2010/main" w="9525">
+                <a14:hiddenLine xmlns:a14="http://schemas.microsoft.com/office/drawing/2010/main" xmlns="" w="9525">
                   <a:solidFill>
                     <a:srgbClr val="000000"/>
                   </a:solidFill>
@@ -4044,7 +4053,7 @@
             </a:ln>
             <a:extLst>
               <a:ext uri="{91240B29-F687-4f45-9708-019B960494DF}">
-                <a14:hiddenLine xmlns="" xmlns:a14="http://schemas.microsoft.com/office/drawing/2010/main" w="9525">
+                <a14:hiddenLine xmlns:a14="http://schemas.microsoft.com/office/drawing/2010/main" xmlns="" w="9525">
                   <a:solidFill>
                     <a:srgbClr val="000000"/>
                   </a:solidFill>
@@ -4106,7 +4115,7 @@
             </a:ln>
             <a:extLst>
               <a:ext uri="{91240B29-F687-4f45-9708-019B960494DF}">
-                <a14:hiddenLine xmlns="" xmlns:a14="http://schemas.microsoft.com/office/drawing/2010/main" w="9525">
+                <a14:hiddenLine xmlns:a14="http://schemas.microsoft.com/office/drawing/2010/main" xmlns="" w="9525">
                   <a:solidFill>
                     <a:srgbClr val="000000"/>
                   </a:solidFill>
@@ -4196,7 +4205,7 @@
             </a:ln>
             <a:extLst>
               <a:ext uri="{91240B29-F687-4f45-9708-019B960494DF}">
-                <a14:hiddenLine xmlns="" xmlns:a14="http://schemas.microsoft.com/office/drawing/2010/main" w="9525">
+                <a14:hiddenLine xmlns:a14="http://schemas.microsoft.com/office/drawing/2010/main" xmlns="" w="9525">
                   <a:solidFill>
                     <a:srgbClr val="000000"/>
                   </a:solidFill>
@@ -4286,7 +4295,7 @@
             </a:ln>
             <a:extLst>
               <a:ext uri="{91240B29-F687-4f45-9708-019B960494DF}">
-                <a14:hiddenLine xmlns="" xmlns:a14="http://schemas.microsoft.com/office/drawing/2010/main" w="9525">
+                <a14:hiddenLine xmlns:a14="http://schemas.microsoft.com/office/drawing/2010/main" xmlns="" w="9525">
                   <a:solidFill>
                     <a:srgbClr val="000000"/>
                   </a:solidFill>
@@ -4348,7 +4357,7 @@
             </a:ln>
             <a:extLst>
               <a:ext uri="{91240B29-F687-4f45-9708-019B960494DF}">
-                <a14:hiddenLine xmlns="" xmlns:a14="http://schemas.microsoft.com/office/drawing/2010/main" w="9525">
+                <a14:hiddenLine xmlns:a14="http://schemas.microsoft.com/office/drawing/2010/main" xmlns="" w="9525">
                   <a:solidFill>
                     <a:srgbClr val="000000"/>
                   </a:solidFill>
@@ -4468,7 +4477,7 @@
             </a:ln>
             <a:extLst>
               <a:ext uri="{91240B29-F687-4f45-9708-019B960494DF}">
-                <a14:hiddenLine xmlns="" xmlns:a14="http://schemas.microsoft.com/office/drawing/2010/main" w="9525">
+                <a14:hiddenLine xmlns:a14="http://schemas.microsoft.com/office/drawing/2010/main" xmlns="" w="9525">
                   <a:solidFill>
                     <a:srgbClr val="000000"/>
                   </a:solidFill>
@@ -4536,7 +4545,7 @@
             </a:ln>
             <a:extLst>
               <a:ext uri="{91240B29-F687-4f45-9708-019B960494DF}">
-                <a14:hiddenLine xmlns="" xmlns:a14="http://schemas.microsoft.com/office/drawing/2010/main" w="9525">
+                <a14:hiddenLine xmlns:a14="http://schemas.microsoft.com/office/drawing/2010/main" xmlns="" w="9525">
                   <a:solidFill>
                     <a:srgbClr val="000000"/>
                   </a:solidFill>
@@ -4626,7 +4635,7 @@
             </a:ln>
             <a:extLst>
               <a:ext uri="{91240B29-F687-4f45-9708-019B960494DF}">
-                <a14:hiddenLine xmlns="" xmlns:a14="http://schemas.microsoft.com/office/drawing/2010/main" w="9525">
+                <a14:hiddenLine xmlns:a14="http://schemas.microsoft.com/office/drawing/2010/main" xmlns="" w="9525">
                   <a:solidFill>
                     <a:srgbClr val="000000"/>
                   </a:solidFill>
@@ -4765,8 +4774,8 @@
           <a:lstStyle/>
           <a:p>
             <a:fld id="{48A87A34-81AB-432B-8DAE-1953F412C126}" type="datetimeFigureOut">
-              <a:rPr lang="en-US" dirty="0"/>
-              <a:t>5/9/2017</a:t>
+              <a:rPr lang="en-US" smtClean="0"/>
+              <a:t>5/10/2017</a:t>
             </a:fld>
             <a:endParaRPr lang="en-US" dirty="0"/>
           </a:p>
@@ -4817,7 +4826,7 @@
           <a:lstStyle/>
           <a:p>
             <a:fld id="{6D22F896-40B5-4ADD-8801-0D06FADFA095}" type="slidenum">
-              <a:rPr lang="en-US" dirty="0"/>
+              <a:rPr lang="en-US" smtClean="0"/>
               <a:t>‹#›</a:t>
             </a:fld>
             <a:endParaRPr lang="en-US" dirty="0"/>
@@ -4825,6 +4834,11 @@
         </p:txBody>
       </p:sp>
     </p:spTree>
+    <p:extLst>
+      <p:ext uri="{BB962C8B-B14F-4D97-AF65-F5344CB8AC3E}">
+        <p14:creationId xmlns:p14="http://schemas.microsoft.com/office/powerpoint/2010/main" val="599815246"/>
+      </p:ext>
+    </p:extLst>
   </p:cSld>
   <p:clrMapOvr>
     <a:masterClrMapping/>
@@ -4938,7 +4952,7 @@
             </a:pPr>
             <a:r>
               <a:rPr lang="en-US"/>
-              <a:t>Drag picture to placeholder or click icon to add</a:t>
+              <a:t>Click icon to add picture</a:t>
             </a:r>
             <a:endParaRPr lang="en-US" dirty="0"/>
           </a:p>
@@ -5006,7 +5020,7 @@
             <a:pPr lvl="0"/>
             <a:r>
               <a:rPr lang="en-US"/>
-              <a:t>Click to edit Master text styles</a:t>
+              <a:t>Edit Master text styles</a:t>
             </a:r>
           </a:p>
         </p:txBody>
@@ -5027,8 +5041,8 @@
           <a:lstStyle/>
           <a:p>
             <a:fld id="{48A87A34-81AB-432B-8DAE-1953F412C126}" type="datetimeFigureOut">
-              <a:rPr lang="en-US" dirty="0"/>
-              <a:t>5/9/2017</a:t>
+              <a:rPr lang="en-US" smtClean="0"/>
+              <a:t>5/10/2017</a:t>
             </a:fld>
             <a:endParaRPr lang="en-US" dirty="0"/>
           </a:p>
@@ -5069,7 +5083,7 @@
           <a:lstStyle/>
           <a:p>
             <a:fld id="{6D22F896-40B5-4ADD-8801-0D06FADFA095}" type="slidenum">
-              <a:rPr lang="en-US" dirty="0"/>
+              <a:rPr lang="en-US" smtClean="0"/>
               <a:t>‹#›</a:t>
             </a:fld>
             <a:endParaRPr lang="en-US" dirty="0"/>
@@ -5077,6 +5091,11 @@
         </p:txBody>
       </p:sp>
     </p:spTree>
+    <p:extLst>
+      <p:ext uri="{BB962C8B-B14F-4D97-AF65-F5344CB8AC3E}">
+        <p14:creationId xmlns:p14="http://schemas.microsoft.com/office/powerpoint/2010/main" val="3278576838"/>
+      </p:ext>
+    </p:extLst>
   </p:cSld>
   <p:clrMapOvr>
     <a:masterClrMapping/>
@@ -5197,7 +5216,7 @@
             <a:pPr lvl="0"/>
             <a:r>
               <a:rPr lang="en-US"/>
-              <a:t>Click to edit Master text styles</a:t>
+              <a:t>Edit Master text styles</a:t>
             </a:r>
           </a:p>
         </p:txBody>
@@ -5218,8 +5237,8 @@
           <a:lstStyle/>
           <a:p>
             <a:fld id="{48A87A34-81AB-432B-8DAE-1953F412C126}" type="datetimeFigureOut">
-              <a:rPr lang="en-US" dirty="0"/>
-              <a:t>5/9/2017</a:t>
+              <a:rPr lang="en-US" smtClean="0"/>
+              <a:t>5/10/2017</a:t>
             </a:fld>
             <a:endParaRPr lang="en-US" dirty="0"/>
           </a:p>
@@ -5260,7 +5279,7 @@
           <a:lstStyle/>
           <a:p>
             <a:fld id="{6D22F896-40B5-4ADD-8801-0D06FADFA095}" type="slidenum">
-              <a:rPr lang="en-US" dirty="0"/>
+              <a:rPr lang="en-US" smtClean="0"/>
               <a:t>‹#›</a:t>
             </a:fld>
             <a:endParaRPr lang="en-US" dirty="0"/>
@@ -5268,6 +5287,11 @@
         </p:txBody>
       </p:sp>
     </p:spTree>
+    <p:extLst>
+      <p:ext uri="{BB962C8B-B14F-4D97-AF65-F5344CB8AC3E}">
+        <p14:creationId xmlns:p14="http://schemas.microsoft.com/office/powerpoint/2010/main" val="2662225151"/>
+      </p:ext>
+    </p:extLst>
   </p:cSld>
   <p:clrMapOvr>
     <a:masterClrMapping/>
@@ -5388,7 +5412,7 @@
             <a:pPr lvl="0"/>
             <a:r>
               <a:rPr lang="en-US"/>
-              <a:t>Click to edit Master text styles</a:t>
+              <a:t>Edit Master text styles</a:t>
             </a:r>
           </a:p>
         </p:txBody>
@@ -5455,7 +5479,7 @@
             <a:pPr lvl="0"/>
             <a:r>
               <a:rPr lang="en-US"/>
-              <a:t>Click to edit Master text styles</a:t>
+              <a:t>Edit Master text styles</a:t>
             </a:r>
           </a:p>
         </p:txBody>
@@ -5476,8 +5500,8 @@
           <a:lstStyle/>
           <a:p>
             <a:fld id="{48A87A34-81AB-432B-8DAE-1953F412C126}" type="datetimeFigureOut">
-              <a:rPr lang="en-US" dirty="0"/>
-              <a:t>5/9/2017</a:t>
+              <a:rPr lang="en-US" smtClean="0"/>
+              <a:t>5/10/2017</a:t>
             </a:fld>
             <a:endParaRPr lang="en-US" dirty="0"/>
           </a:p>
@@ -5518,7 +5542,7 @@
           <a:lstStyle/>
           <a:p>
             <a:fld id="{6D22F896-40B5-4ADD-8801-0D06FADFA095}" type="slidenum">
-              <a:rPr lang="en-US" dirty="0"/>
+              <a:rPr lang="en-US" smtClean="0"/>
               <a:t>‹#›</a:t>
             </a:fld>
             <a:endParaRPr lang="en-US" dirty="0"/>
@@ -5764,6 +5788,11 @@
         </p:txBody>
       </p:sp>
     </p:spTree>
+    <p:extLst>
+      <p:ext uri="{BB962C8B-B14F-4D97-AF65-F5344CB8AC3E}">
+        <p14:creationId xmlns:p14="http://schemas.microsoft.com/office/powerpoint/2010/main" val="1006351926"/>
+      </p:ext>
+    </p:extLst>
   </p:cSld>
   <p:clrMapOvr>
     <a:masterClrMapping/>
@@ -5884,7 +5913,7 @@
             <a:pPr lvl="0"/>
             <a:r>
               <a:rPr lang="en-US"/>
-              <a:t>Click to edit Master text styles</a:t>
+              <a:t>Edit Master text styles</a:t>
             </a:r>
           </a:p>
         </p:txBody>
@@ -5905,8 +5934,8 @@
           <a:lstStyle/>
           <a:p>
             <a:fld id="{48A87A34-81AB-432B-8DAE-1953F412C126}" type="datetimeFigureOut">
-              <a:rPr lang="en-US" dirty="0"/>
-              <a:t>5/9/2017</a:t>
+              <a:rPr lang="en-US" smtClean="0"/>
+              <a:t>5/10/2017</a:t>
             </a:fld>
             <a:endParaRPr lang="en-US" dirty="0"/>
           </a:p>
@@ -5947,7 +5976,7 @@
           <a:lstStyle/>
           <a:p>
             <a:fld id="{6D22F896-40B5-4ADD-8801-0D06FADFA095}" type="slidenum">
-              <a:rPr lang="en-US" dirty="0"/>
+              <a:rPr lang="en-US" smtClean="0"/>
               <a:t>‹#›</a:t>
             </a:fld>
             <a:endParaRPr lang="en-US" dirty="0"/>
@@ -5955,6 +5984,11 @@
         </p:txBody>
       </p:sp>
     </p:spTree>
+    <p:extLst>
+      <p:ext uri="{BB962C8B-B14F-4D97-AF65-F5344CB8AC3E}">
+        <p14:creationId xmlns:p14="http://schemas.microsoft.com/office/powerpoint/2010/main" val="3989728376"/>
+      </p:ext>
+    </p:extLst>
   </p:cSld>
   <p:clrMapOvr>
     <a:masterClrMapping/>
@@ -6076,7 +6110,7 @@
             <a:pPr lvl="0"/>
             <a:r>
               <a:rPr lang="en-US"/>
-              <a:t>Click to edit Master text styles</a:t>
+              <a:t>Edit Master text styles</a:t>
             </a:r>
           </a:p>
         </p:txBody>
@@ -6143,7 +6177,7 @@
             <a:pPr lvl="0"/>
             <a:r>
               <a:rPr lang="en-US"/>
-              <a:t>Click to edit Master text styles</a:t>
+              <a:t>Edit Master text styles</a:t>
             </a:r>
           </a:p>
         </p:txBody>
@@ -6217,7 +6251,7 @@
             <a:pPr lvl="0"/>
             <a:r>
               <a:rPr lang="en-US"/>
-              <a:t>Click to edit Master text styles</a:t>
+              <a:t>Edit Master text styles</a:t>
             </a:r>
           </a:p>
         </p:txBody>
@@ -6284,7 +6318,7 @@
             <a:pPr lvl="0"/>
             <a:r>
               <a:rPr lang="en-US"/>
-              <a:t>Click to edit Master text styles</a:t>
+              <a:t>Edit Master text styles</a:t>
             </a:r>
           </a:p>
         </p:txBody>
@@ -6358,7 +6392,7 @@
             <a:pPr lvl="0"/>
             <a:r>
               <a:rPr lang="en-US"/>
-              <a:t>Click to edit Master text styles</a:t>
+              <a:t>Edit Master text styles</a:t>
             </a:r>
           </a:p>
         </p:txBody>
@@ -6425,7 +6459,7 @@
             <a:pPr lvl="0"/>
             <a:r>
               <a:rPr lang="en-US"/>
-              <a:t>Click to edit Master text styles</a:t>
+              <a:t>Edit Master text styles</a:t>
             </a:r>
           </a:p>
         </p:txBody>
@@ -6446,8 +6480,8 @@
           <a:lstStyle/>
           <a:p>
             <a:fld id="{48A87A34-81AB-432B-8DAE-1953F412C126}" type="datetimeFigureOut">
-              <a:rPr lang="en-US" dirty="0"/>
-              <a:t>5/9/2017</a:t>
+              <a:rPr lang="en-US" smtClean="0"/>
+              <a:t>5/10/2017</a:t>
             </a:fld>
             <a:endParaRPr lang="en-US" dirty="0"/>
           </a:p>
@@ -6488,7 +6522,7 @@
           <a:lstStyle/>
           <a:p>
             <a:fld id="{6D22F896-40B5-4ADD-8801-0D06FADFA095}" type="slidenum">
-              <a:rPr lang="en-US" dirty="0"/>
+              <a:rPr lang="en-US" smtClean="0"/>
               <a:t>‹#›</a:t>
             </a:fld>
             <a:endParaRPr lang="en-US" dirty="0"/>
@@ -6496,6 +6530,11 @@
         </p:txBody>
       </p:sp>
     </p:spTree>
+    <p:extLst>
+      <p:ext uri="{BB962C8B-B14F-4D97-AF65-F5344CB8AC3E}">
+        <p14:creationId xmlns:p14="http://schemas.microsoft.com/office/powerpoint/2010/main" val="2357135725"/>
+      </p:ext>
+    </p:extLst>
   </p:cSld>
   <p:clrMapOvr>
     <a:masterClrMapping/>
@@ -6617,7 +6656,7 @@
             <a:pPr lvl="0"/>
             <a:r>
               <a:rPr lang="en-US"/>
-              <a:t>Click to edit Master text styles</a:t>
+              <a:t>Edit Master text styles</a:t>
             </a:r>
           </a:p>
         </p:txBody>
@@ -6674,7 +6713,7 @@
             </a:pPr>
             <a:r>
               <a:rPr lang="en-US"/>
-              <a:t>Drag picture to placeholder or click icon to add</a:t>
+              <a:t>Click icon to add picture</a:t>
             </a:r>
             <a:endParaRPr lang="en-US" dirty="0"/>
           </a:p>
@@ -6742,7 +6781,7 @@
             <a:pPr lvl="0"/>
             <a:r>
               <a:rPr lang="en-US"/>
-              <a:t>Click to edit Master text styles</a:t>
+              <a:t>Edit Master text styles</a:t>
             </a:r>
           </a:p>
         </p:txBody>
@@ -6816,7 +6855,7 @@
             <a:pPr lvl="0"/>
             <a:r>
               <a:rPr lang="en-US"/>
-              <a:t>Click to edit Master text styles</a:t>
+              <a:t>Edit Master text styles</a:t>
             </a:r>
           </a:p>
         </p:txBody>
@@ -6873,7 +6912,7 @@
             </a:pPr>
             <a:r>
               <a:rPr lang="en-US"/>
-              <a:t>Drag picture to placeholder or click icon to add</a:t>
+              <a:t>Click icon to add picture</a:t>
             </a:r>
             <a:endParaRPr lang="en-US" dirty="0"/>
           </a:p>
@@ -6941,7 +6980,7 @@
             <a:pPr lvl="0"/>
             <a:r>
               <a:rPr lang="en-US"/>
-              <a:t>Click to edit Master text styles</a:t>
+              <a:t>Edit Master text styles</a:t>
             </a:r>
           </a:p>
         </p:txBody>
@@ -7015,7 +7054,7 @@
             <a:pPr lvl="0"/>
             <a:r>
               <a:rPr lang="en-US"/>
-              <a:t>Click to edit Master text styles</a:t>
+              <a:t>Edit Master text styles</a:t>
             </a:r>
           </a:p>
         </p:txBody>
@@ -7072,7 +7111,7 @@
             </a:pPr>
             <a:r>
               <a:rPr lang="en-US"/>
-              <a:t>Drag picture to placeholder or click icon to add</a:t>
+              <a:t>Click icon to add picture</a:t>
             </a:r>
             <a:endParaRPr lang="en-US" dirty="0"/>
           </a:p>
@@ -7140,7 +7179,7 @@
             <a:pPr lvl="0"/>
             <a:r>
               <a:rPr lang="en-US"/>
-              <a:t>Click to edit Master text styles</a:t>
+              <a:t>Edit Master text styles</a:t>
             </a:r>
           </a:p>
         </p:txBody>
@@ -7161,8 +7200,8 @@
           <a:lstStyle/>
           <a:p>
             <a:fld id="{48A87A34-81AB-432B-8DAE-1953F412C126}" type="datetimeFigureOut">
-              <a:rPr lang="en-US" dirty="0"/>
-              <a:t>5/9/2017</a:t>
+              <a:rPr lang="en-US" smtClean="0"/>
+              <a:t>5/10/2017</a:t>
             </a:fld>
             <a:endParaRPr lang="en-US" dirty="0"/>
           </a:p>
@@ -7203,7 +7242,7 @@
           <a:lstStyle/>
           <a:p>
             <a:fld id="{6D22F896-40B5-4ADD-8801-0D06FADFA095}" type="slidenum">
-              <a:rPr lang="en-US" dirty="0"/>
+              <a:rPr lang="en-US" smtClean="0"/>
               <a:t>‹#›</a:t>
             </a:fld>
             <a:endParaRPr lang="en-US" dirty="0"/>
@@ -7211,6 +7250,11 @@
         </p:txBody>
       </p:sp>
     </p:spTree>
+    <p:extLst>
+      <p:ext uri="{BB962C8B-B14F-4D97-AF65-F5344CB8AC3E}">
+        <p14:creationId xmlns:p14="http://schemas.microsoft.com/office/powerpoint/2010/main" val="469576052"/>
+      </p:ext>
+    </p:extLst>
   </p:cSld>
   <p:clrMapOvr>
     <a:masterClrMapping/>
@@ -7276,7 +7320,7 @@
             <a:pPr lvl="0"/>
             <a:r>
               <a:rPr lang="en-US"/>
-              <a:t>Click to edit Master text styles</a:t>
+              <a:t>Edit Master text styles</a:t>
             </a:r>
           </a:p>
           <a:p>
@@ -7326,8 +7370,8 @@
           <a:lstStyle/>
           <a:p>
             <a:fld id="{48A87A34-81AB-432B-8DAE-1953F412C126}" type="datetimeFigureOut">
-              <a:rPr lang="en-US" dirty="0"/>
-              <a:t>5/9/2017</a:t>
+              <a:rPr lang="en-US" smtClean="0"/>
+              <a:t>5/10/2017</a:t>
             </a:fld>
             <a:endParaRPr lang="en-US" dirty="0"/>
           </a:p>
@@ -7368,7 +7412,7 @@
           <a:lstStyle/>
           <a:p>
             <a:fld id="{6D22F896-40B5-4ADD-8801-0D06FADFA095}" type="slidenum">
-              <a:rPr lang="en-US" dirty="0"/>
+              <a:rPr lang="en-US" smtClean="0"/>
               <a:t>‹#›</a:t>
             </a:fld>
             <a:endParaRPr lang="en-US" dirty="0"/>
@@ -7376,6 +7420,11 @@
         </p:txBody>
       </p:sp>
     </p:spTree>
+    <p:extLst>
+      <p:ext uri="{BB962C8B-B14F-4D97-AF65-F5344CB8AC3E}">
+        <p14:creationId xmlns:p14="http://schemas.microsoft.com/office/powerpoint/2010/main" val="814374257"/>
+      </p:ext>
+    </p:extLst>
   </p:cSld>
   <p:clrMapOvr>
     <a:masterClrMapping/>
@@ -7451,7 +7500,7 @@
             <a:pPr lvl="0"/>
             <a:r>
               <a:rPr lang="en-US"/>
-              <a:t>Click to edit Master text styles</a:t>
+              <a:t>Edit Master text styles</a:t>
             </a:r>
           </a:p>
           <a:p>
@@ -7501,8 +7550,8 @@
           <a:lstStyle/>
           <a:p>
             <a:fld id="{48A87A34-81AB-432B-8DAE-1953F412C126}" type="datetimeFigureOut">
-              <a:rPr lang="en-US" dirty="0"/>
-              <a:t>5/9/2017</a:t>
+              <a:rPr lang="en-US" smtClean="0"/>
+              <a:t>5/10/2017</a:t>
             </a:fld>
             <a:endParaRPr lang="en-US" dirty="0"/>
           </a:p>
@@ -7543,7 +7592,7 @@
           <a:lstStyle/>
           <a:p>
             <a:fld id="{6D22F896-40B5-4ADD-8801-0D06FADFA095}" type="slidenum">
-              <a:rPr lang="en-US" dirty="0"/>
+              <a:rPr lang="en-US" smtClean="0"/>
               <a:t>‹#›</a:t>
             </a:fld>
             <a:endParaRPr lang="en-US" dirty="0"/>
@@ -7551,6 +7600,11 @@
         </p:txBody>
       </p:sp>
     </p:spTree>
+    <p:extLst>
+      <p:ext uri="{BB962C8B-B14F-4D97-AF65-F5344CB8AC3E}">
+        <p14:creationId xmlns:p14="http://schemas.microsoft.com/office/powerpoint/2010/main" val="36551247"/>
+      </p:ext>
+    </p:extLst>
   </p:cSld>
   <p:clrMapOvr>
     <a:masterClrMapping/>
@@ -7616,7 +7670,7 @@
             <a:pPr lvl="0"/>
             <a:r>
               <a:rPr lang="en-US"/>
-              <a:t>Click to edit Master text styles</a:t>
+              <a:t>Edit Master text styles</a:t>
             </a:r>
           </a:p>
           <a:p>
@@ -7666,8 +7720,8 @@
           <a:lstStyle/>
           <a:p>
             <a:fld id="{48A87A34-81AB-432B-8DAE-1953F412C126}" type="datetimeFigureOut">
-              <a:rPr lang="en-US" dirty="0"/>
-              <a:t>5/9/2017</a:t>
+              <a:rPr lang="en-US" smtClean="0"/>
+              <a:t>5/10/2017</a:t>
             </a:fld>
             <a:endParaRPr lang="en-US" dirty="0"/>
           </a:p>
@@ -7708,7 +7762,7 @@
           <a:lstStyle/>
           <a:p>
             <a:fld id="{6D22F896-40B5-4ADD-8801-0D06FADFA095}" type="slidenum">
-              <a:rPr lang="en-US" dirty="0"/>
+              <a:rPr lang="en-US" smtClean="0"/>
               <a:t>‹#›</a:t>
             </a:fld>
             <a:endParaRPr lang="en-US" dirty="0"/>
@@ -7716,6 +7770,11 @@
         </p:txBody>
       </p:sp>
     </p:spTree>
+    <p:extLst>
+      <p:ext uri="{BB962C8B-B14F-4D97-AF65-F5344CB8AC3E}">
+        <p14:creationId xmlns:p14="http://schemas.microsoft.com/office/powerpoint/2010/main" val="941879385"/>
+      </p:ext>
+    </p:extLst>
   </p:cSld>
   <p:clrMapOvr>
     <a:masterClrMapping/>
@@ -7890,7 +7949,7 @@
             <a:pPr lvl="0"/>
             <a:r>
               <a:rPr lang="en-US"/>
-              <a:t>Click to edit Master text styles</a:t>
+              <a:t>Edit Master text styles</a:t>
             </a:r>
           </a:p>
         </p:txBody>
@@ -7911,8 +7970,8 @@
           <a:lstStyle/>
           <a:p>
             <a:fld id="{48A87A34-81AB-432B-8DAE-1953F412C126}" type="datetimeFigureOut">
-              <a:rPr lang="en-US" dirty="0"/>
-              <a:t>5/9/2017</a:t>
+              <a:rPr lang="en-US" smtClean="0"/>
+              <a:t>5/10/2017</a:t>
             </a:fld>
             <a:endParaRPr lang="en-US" dirty="0"/>
           </a:p>
@@ -7953,7 +8012,7 @@
           <a:lstStyle/>
           <a:p>
             <a:fld id="{6D22F896-40B5-4ADD-8801-0D06FADFA095}" type="slidenum">
-              <a:rPr lang="en-US" dirty="0"/>
+              <a:rPr lang="en-US" smtClean="0"/>
               <a:t>‹#›</a:t>
             </a:fld>
             <a:endParaRPr lang="en-US" dirty="0"/>
@@ -7961,6 +8020,11 @@
         </p:txBody>
       </p:sp>
     </p:spTree>
+    <p:extLst>
+      <p:ext uri="{BB962C8B-B14F-4D97-AF65-F5344CB8AC3E}">
+        <p14:creationId xmlns:p14="http://schemas.microsoft.com/office/powerpoint/2010/main" val="714121697"/>
+      </p:ext>
+    </p:extLst>
   </p:cSld>
   <p:clrMapOvr>
     <a:masterClrMapping/>
@@ -8031,7 +8095,7 @@
             <a:pPr lvl="0"/>
             <a:r>
               <a:rPr lang="en-US"/>
-              <a:t>Click to edit Master text styles</a:t>
+              <a:t>Edit Master text styles</a:t>
             </a:r>
           </a:p>
           <a:p>
@@ -8088,7 +8152,7 @@
             <a:pPr lvl="0"/>
             <a:r>
               <a:rPr lang="en-US"/>
-              <a:t>Click to edit Master text styles</a:t>
+              <a:t>Edit Master text styles</a:t>
             </a:r>
           </a:p>
           <a:p>
@@ -8138,8 +8202,8 @@
           <a:lstStyle/>
           <a:p>
             <a:fld id="{48A87A34-81AB-432B-8DAE-1953F412C126}" type="datetimeFigureOut">
-              <a:rPr lang="en-US" dirty="0"/>
-              <a:t>5/9/2017</a:t>
+              <a:rPr lang="en-US" smtClean="0"/>
+              <a:t>5/10/2017</a:t>
             </a:fld>
             <a:endParaRPr lang="en-US" dirty="0"/>
           </a:p>
@@ -8180,7 +8244,7 @@
           <a:lstStyle/>
           <a:p>
             <a:fld id="{6D22F896-40B5-4ADD-8801-0D06FADFA095}" type="slidenum">
-              <a:rPr lang="en-US" dirty="0"/>
+              <a:rPr lang="en-US" smtClean="0"/>
               <a:t>‹#›</a:t>
             </a:fld>
             <a:endParaRPr lang="en-US" dirty="0"/>
@@ -8188,6 +8252,11 @@
         </p:txBody>
       </p:sp>
     </p:spTree>
+    <p:extLst>
+      <p:ext uri="{BB962C8B-B14F-4D97-AF65-F5344CB8AC3E}">
+        <p14:creationId xmlns:p14="http://schemas.microsoft.com/office/powerpoint/2010/main" val="3798962873"/>
+      </p:ext>
+    </p:extLst>
   </p:cSld>
   <p:clrMapOvr>
     <a:masterClrMapping/>
@@ -8307,7 +8376,7 @@
             <a:pPr lvl="0"/>
             <a:r>
               <a:rPr lang="en-US"/>
-              <a:t>Click to edit Master text styles</a:t>
+              <a:t>Edit Master text styles</a:t>
             </a:r>
           </a:p>
         </p:txBody>
@@ -8335,7 +8404,7 @@
             <a:pPr lvl="0"/>
             <a:r>
               <a:rPr lang="en-US"/>
-              <a:t>Click to edit Master text styles</a:t>
+              <a:t>Edit Master text styles</a:t>
             </a:r>
           </a:p>
           <a:p>
@@ -8436,7 +8505,7 @@
             <a:pPr lvl="0"/>
             <a:r>
               <a:rPr lang="en-US"/>
-              <a:t>Click to edit Master text styles</a:t>
+              <a:t>Edit Master text styles</a:t>
             </a:r>
           </a:p>
         </p:txBody>
@@ -8464,7 +8533,7 @@
             <a:pPr lvl="0"/>
             <a:r>
               <a:rPr lang="en-US"/>
-              <a:t>Click to edit Master text styles</a:t>
+              <a:t>Edit Master text styles</a:t>
             </a:r>
           </a:p>
           <a:p>
@@ -8514,8 +8583,8 @@
           <a:lstStyle/>
           <a:p>
             <a:fld id="{48A87A34-81AB-432B-8DAE-1953F412C126}" type="datetimeFigureOut">
-              <a:rPr lang="en-US" dirty="0"/>
-              <a:t>5/9/2017</a:t>
+              <a:rPr lang="en-US" smtClean="0"/>
+              <a:t>5/10/2017</a:t>
             </a:fld>
             <a:endParaRPr lang="en-US" dirty="0"/>
           </a:p>
@@ -8556,7 +8625,7 @@
           <a:lstStyle/>
           <a:p>
             <a:fld id="{6D22F896-40B5-4ADD-8801-0D06FADFA095}" type="slidenum">
-              <a:rPr lang="en-US" dirty="0"/>
+              <a:rPr lang="en-US" smtClean="0"/>
               <a:t>‹#›</a:t>
             </a:fld>
             <a:endParaRPr lang="en-US" dirty="0"/>
@@ -8564,6 +8633,11 @@
         </p:txBody>
       </p:sp>
     </p:spTree>
+    <p:extLst>
+      <p:ext uri="{BB962C8B-B14F-4D97-AF65-F5344CB8AC3E}">
+        <p14:creationId xmlns:p14="http://schemas.microsoft.com/office/powerpoint/2010/main" val="250632158"/>
+      </p:ext>
+    </p:extLst>
   </p:cSld>
   <p:clrMapOvr>
     <a:masterClrMapping/>
@@ -8627,8 +8701,8 @@
           <a:lstStyle/>
           <a:p>
             <a:fld id="{48A87A34-81AB-432B-8DAE-1953F412C126}" type="datetimeFigureOut">
-              <a:rPr lang="en-US" dirty="0"/>
-              <a:t>5/9/2017</a:t>
+              <a:rPr lang="en-US" smtClean="0"/>
+              <a:t>5/10/2017</a:t>
             </a:fld>
             <a:endParaRPr lang="en-US" dirty="0"/>
           </a:p>
@@ -8669,7 +8743,7 @@
           <a:lstStyle/>
           <a:p>
             <a:fld id="{6D22F896-40B5-4ADD-8801-0D06FADFA095}" type="slidenum">
-              <a:rPr lang="en-US" dirty="0"/>
+              <a:rPr lang="en-US" smtClean="0"/>
               <a:t>‹#›</a:t>
             </a:fld>
             <a:endParaRPr lang="en-US" dirty="0"/>
@@ -8677,6 +8751,11 @@
         </p:txBody>
       </p:sp>
     </p:spTree>
+    <p:extLst>
+      <p:ext uri="{BB962C8B-B14F-4D97-AF65-F5344CB8AC3E}">
+        <p14:creationId xmlns:p14="http://schemas.microsoft.com/office/powerpoint/2010/main" val="843105599"/>
+      </p:ext>
+    </p:extLst>
   </p:cSld>
   <p:clrMapOvr>
     <a:masterClrMapping/>
@@ -8717,8 +8796,8 @@
           <a:lstStyle/>
           <a:p>
             <a:fld id="{48A87A34-81AB-432B-8DAE-1953F412C126}" type="datetimeFigureOut">
-              <a:rPr lang="en-US" dirty="0"/>
-              <a:t>5/9/2017</a:t>
+              <a:rPr lang="en-US" smtClean="0"/>
+              <a:t>5/10/2017</a:t>
             </a:fld>
             <a:endParaRPr lang="en-US" dirty="0"/>
           </a:p>
@@ -8759,7 +8838,7 @@
           <a:lstStyle/>
           <a:p>
             <a:fld id="{6D22F896-40B5-4ADD-8801-0D06FADFA095}" type="slidenum">
-              <a:rPr lang="en-US" dirty="0"/>
+              <a:rPr lang="en-US" smtClean="0"/>
               <a:t>‹#›</a:t>
             </a:fld>
             <a:endParaRPr lang="en-US" dirty="0"/>
@@ -8767,6 +8846,11 @@
         </p:txBody>
       </p:sp>
     </p:spTree>
+    <p:extLst>
+      <p:ext uri="{BB962C8B-B14F-4D97-AF65-F5344CB8AC3E}">
+        <p14:creationId xmlns:p14="http://schemas.microsoft.com/office/powerpoint/2010/main" val="2907382035"/>
+      </p:ext>
+    </p:extLst>
   </p:cSld>
   <p:clrMapOvr>
     <a:masterClrMapping/>
@@ -8846,7 +8930,7 @@
             <a:pPr lvl="0"/>
             <a:r>
               <a:rPr lang="en-US"/>
-              <a:t>Click to edit Master text styles</a:t>
+              <a:t>Edit Master text styles</a:t>
             </a:r>
           </a:p>
           <a:p>
@@ -8940,7 +9024,7 @@
             <a:pPr lvl="0"/>
             <a:r>
               <a:rPr lang="en-US"/>
-              <a:t>Click to edit Master text styles</a:t>
+              <a:t>Edit Master text styles</a:t>
             </a:r>
           </a:p>
         </p:txBody>
@@ -8961,8 +9045,8 @@
           <a:lstStyle/>
           <a:p>
             <a:fld id="{48A87A34-81AB-432B-8DAE-1953F412C126}" type="datetimeFigureOut">
-              <a:rPr lang="en-US" dirty="0"/>
-              <a:t>5/9/2017</a:t>
+              <a:rPr lang="en-US" smtClean="0"/>
+              <a:t>5/10/2017</a:t>
             </a:fld>
             <a:endParaRPr lang="en-US" dirty="0"/>
           </a:p>
@@ -9003,7 +9087,7 @@
           <a:lstStyle/>
           <a:p>
             <a:fld id="{6D22F896-40B5-4ADD-8801-0D06FADFA095}" type="slidenum">
-              <a:rPr lang="en-US" dirty="0"/>
+              <a:rPr lang="en-US" smtClean="0"/>
               <a:t>‹#›</a:t>
             </a:fld>
             <a:endParaRPr lang="en-US" dirty="0"/>
@@ -9011,6 +9095,11 @@
         </p:txBody>
       </p:sp>
     </p:spTree>
+    <p:extLst>
+      <p:ext uri="{BB962C8B-B14F-4D97-AF65-F5344CB8AC3E}">
+        <p14:creationId xmlns:p14="http://schemas.microsoft.com/office/powerpoint/2010/main" val="1984262116"/>
+      </p:ext>
+    </p:extLst>
   </p:cSld>
   <p:clrMapOvr>
     <a:masterClrMapping/>
@@ -9149,7 +9238,7 @@
           <a:p>
             <a:r>
               <a:rPr lang="en-US"/>
-              <a:t>Drag picture to placeholder or click icon to add</a:t>
+              <a:t>Click icon to add picture</a:t>
             </a:r>
             <a:endParaRPr lang="en-US" dirty="0"/>
           </a:p>
@@ -9215,7 +9304,7 @@
             <a:pPr lvl="0"/>
             <a:r>
               <a:rPr lang="en-US"/>
-              <a:t>Click to edit Master text styles</a:t>
+              <a:t>Edit Master text styles</a:t>
             </a:r>
           </a:p>
         </p:txBody>
@@ -9236,8 +9325,8 @@
           <a:lstStyle/>
           <a:p>
             <a:fld id="{48A87A34-81AB-432B-8DAE-1953F412C126}" type="datetimeFigureOut">
-              <a:rPr lang="en-US" dirty="0"/>
-              <a:t>5/9/2017</a:t>
+              <a:rPr lang="en-US" smtClean="0"/>
+              <a:t>5/10/2017</a:t>
             </a:fld>
             <a:endParaRPr lang="en-US" dirty="0"/>
           </a:p>
@@ -9278,7 +9367,7 @@
           <a:lstStyle/>
           <a:p>
             <a:fld id="{6D22F896-40B5-4ADD-8801-0D06FADFA095}" type="slidenum">
-              <a:rPr lang="en-US" dirty="0"/>
+              <a:rPr lang="en-US" smtClean="0"/>
               <a:t>‹#›</a:t>
             </a:fld>
             <a:endParaRPr lang="en-US" dirty="0"/>
@@ -9286,6 +9375,11 @@
         </p:txBody>
       </p:sp>
     </p:spTree>
+    <p:extLst>
+      <p:ext uri="{BB962C8B-B14F-4D97-AF65-F5344CB8AC3E}">
+        <p14:creationId xmlns:p14="http://schemas.microsoft.com/office/powerpoint/2010/main" val="2580262890"/>
+      </p:ext>
+    </p:extLst>
   </p:cSld>
   <p:clrMapOvr>
     <a:masterClrMapping/>
@@ -9326,6 +9420,13 @@
         <p:blipFill>
           <a:blip r:embed="rId19">
             <a:alphaModFix amt="30000"/>
+            <a:duotone>
+              <a:prstClr val="black"/>
+              <a:schemeClr val="tx2">
+                <a:tint val="45000"/>
+                <a:satMod val="400000"/>
+              </a:schemeClr>
+            </a:duotone>
             <a:extLst>
               <a:ext uri="{28A0092B-C50C-407E-A947-70E740481C1C}">
                 <a14:useLocalDpi xmlns:a14="http://schemas.microsoft.com/office/drawing/2010/main" val="0"/>
@@ -9348,7 +9449,7 @@
           <a:noFill/>
           <a:extLst>
             <a:ext uri="{909E8E84-426E-40dd-AFC4-6F175D3DCCD1}">
-              <a14:hiddenFill xmlns="" xmlns:a14="http://schemas.microsoft.com/office/drawing/2010/main">
+              <a14:hiddenFill xmlns:a14="http://schemas.microsoft.com/office/drawing/2010/main" xmlns="">
                 <a:solidFill>
                   <a:srgbClr val="FFFFFF"/>
                 </a:solidFill>
@@ -9370,6 +9471,20 @@
             <a:chOff x="-14288" y="0"/>
             <a:chExt cx="12053888" cy="6858001"/>
           </a:xfrm>
+          <a:gradFill flip="none" rotWithShape="1">
+            <a:gsLst>
+              <a:gs pos="0">
+                <a:schemeClr val="tx2"/>
+              </a:gs>
+              <a:gs pos="100000">
+                <a:schemeClr val="tx2">
+                  <a:lumMod val="50000"/>
+                </a:schemeClr>
+              </a:gs>
+            </a:gsLst>
+            <a:lin ang="5400000" scaled="0"/>
+            <a:tileRect/>
+          </a:gradFill>
         </p:grpSpPr>
         <p:grpSp>
           <p:nvGrpSpPr>
@@ -9384,21 +9499,7 @@
               <a:chOff x="-14288" y="0"/>
               <a:chExt cx="1220788" cy="6858001"/>
             </a:xfrm>
-            <a:gradFill flip="none" rotWithShape="1">
-              <a:gsLst>
-                <a:gs pos="0">
-                  <a:schemeClr val="tx2"/>
-                </a:gs>
-                <a:gs pos="100000">
-                  <a:schemeClr val="bg2">
-                    <a:lumMod val="60000"/>
-                    <a:lumOff val="40000"/>
-                  </a:schemeClr>
-                </a:gs>
-              </a:gsLst>
-              <a:lin ang="5400000" scaled="0"/>
-              <a:tileRect/>
-            </a:gradFill>
+            <a:grpFill/>
           </p:grpSpPr>
           <p:sp>
             <p:nvSpPr>
@@ -9422,7 +9523,7 @@
               </a:ln>
               <a:extLst>
                 <a:ext uri="{91240B29-F687-4f45-9708-019B960494DF}">
-                  <a14:hiddenLine xmlns="" xmlns:a14="http://schemas.microsoft.com/office/drawing/2010/main" w="9525">
+                  <a14:hiddenLine xmlns:a14="http://schemas.microsoft.com/office/drawing/2010/main" xmlns="" w="9525">
                     <a:solidFill>
                       <a:srgbClr val="000000"/>
                     </a:solidFill>
@@ -9512,7 +9613,7 @@
               </a:ln>
               <a:extLst>
                 <a:ext uri="{91240B29-F687-4f45-9708-019B960494DF}">
-                  <a14:hiddenLine xmlns="" xmlns:a14="http://schemas.microsoft.com/office/drawing/2010/main" w="9525">
+                  <a14:hiddenLine xmlns:a14="http://schemas.microsoft.com/office/drawing/2010/main" xmlns="" w="9525">
                     <a:solidFill>
                       <a:srgbClr val="000000"/>
                     </a:solidFill>
@@ -9602,7 +9703,7 @@
               </a:ln>
               <a:extLst>
                 <a:ext uri="{91240B29-F687-4f45-9708-019B960494DF}">
-                  <a14:hiddenLine xmlns="" xmlns:a14="http://schemas.microsoft.com/office/drawing/2010/main" w="9525">
+                  <a14:hiddenLine xmlns:a14="http://schemas.microsoft.com/office/drawing/2010/main" xmlns="" w="9525">
                     <a:solidFill>
                       <a:srgbClr val="000000"/>
                     </a:solidFill>
@@ -9664,7 +9765,7 @@
               </a:ln>
               <a:extLst>
                 <a:ext uri="{91240B29-F687-4f45-9708-019B960494DF}">
-                  <a14:hiddenLine xmlns="" xmlns:a14="http://schemas.microsoft.com/office/drawing/2010/main" w="9525">
+                  <a14:hiddenLine xmlns:a14="http://schemas.microsoft.com/office/drawing/2010/main" xmlns="" w="9525">
                     <a:solidFill>
                       <a:srgbClr val="000000"/>
                     </a:solidFill>
@@ -9754,7 +9855,7 @@
               </a:ln>
               <a:extLst>
                 <a:ext uri="{91240B29-F687-4f45-9708-019B960494DF}">
-                  <a14:hiddenLine xmlns="" xmlns:a14="http://schemas.microsoft.com/office/drawing/2010/main" w="9525">
+                  <a14:hiddenLine xmlns:a14="http://schemas.microsoft.com/office/drawing/2010/main" xmlns="" w="9525">
                     <a:solidFill>
                       <a:srgbClr val="000000"/>
                     </a:solidFill>
@@ -9816,7 +9917,7 @@
               </a:ln>
               <a:extLst>
                 <a:ext uri="{91240B29-F687-4f45-9708-019B960494DF}">
-                  <a14:hiddenLine xmlns="" xmlns:a14="http://schemas.microsoft.com/office/drawing/2010/main" w="9525">
+                  <a14:hiddenLine xmlns:a14="http://schemas.microsoft.com/office/drawing/2010/main" xmlns="" w="9525">
                     <a:solidFill>
                       <a:srgbClr val="000000"/>
                     </a:solidFill>
@@ -9878,7 +9979,7 @@
               </a:ln>
               <a:extLst>
                 <a:ext uri="{91240B29-F687-4f45-9708-019B960494DF}">
-                  <a14:hiddenLine xmlns="" xmlns:a14="http://schemas.microsoft.com/office/drawing/2010/main" w="9525">
+                  <a14:hiddenLine xmlns:a14="http://schemas.microsoft.com/office/drawing/2010/main" xmlns="" w="9525">
                     <a:solidFill>
                       <a:srgbClr val="000000"/>
                     </a:solidFill>
@@ -9968,7 +10069,7 @@
               </a:ln>
               <a:extLst>
                 <a:ext uri="{91240B29-F687-4f45-9708-019B960494DF}">
-                  <a14:hiddenLine xmlns="" xmlns:a14="http://schemas.microsoft.com/office/drawing/2010/main" w="9525">
+                  <a14:hiddenLine xmlns:a14="http://schemas.microsoft.com/office/drawing/2010/main" xmlns="" w="9525">
                     <a:solidFill>
                       <a:srgbClr val="000000"/>
                     </a:solidFill>
@@ -10058,7 +10159,7 @@
               </a:ln>
               <a:extLst>
                 <a:ext uri="{91240B29-F687-4f45-9708-019B960494DF}">
-                  <a14:hiddenLine xmlns="" xmlns:a14="http://schemas.microsoft.com/office/drawing/2010/main" w="9525">
+                  <a14:hiddenLine xmlns:a14="http://schemas.microsoft.com/office/drawing/2010/main" xmlns="" w="9525">
                     <a:solidFill>
                       <a:srgbClr val="000000"/>
                     </a:solidFill>
@@ -10120,7 +10221,7 @@
               </a:ln>
               <a:extLst>
                 <a:ext uri="{91240B29-F687-4f45-9708-019B960494DF}">
-                  <a14:hiddenLine xmlns="" xmlns:a14="http://schemas.microsoft.com/office/drawing/2010/main" w="9525">
+                  <a14:hiddenLine xmlns:a14="http://schemas.microsoft.com/office/drawing/2010/main" xmlns="" w="9525">
                     <a:solidFill>
                       <a:srgbClr val="000000"/>
                     </a:solidFill>
@@ -10230,7 +10331,7 @@
               </a:ln>
               <a:extLst>
                 <a:ext uri="{91240B29-F687-4f45-9708-019B960494DF}">
-                  <a14:hiddenLine xmlns="" xmlns:a14="http://schemas.microsoft.com/office/drawing/2010/main" w="9525">
+                  <a14:hiddenLine xmlns:a14="http://schemas.microsoft.com/office/drawing/2010/main" xmlns="" w="9525">
                     <a:solidFill>
                       <a:srgbClr val="000000"/>
                     </a:solidFill>
@@ -10314,7 +10415,7 @@
               </a:ln>
               <a:extLst>
                 <a:ext uri="{91240B29-F687-4f45-9708-019B960494DF}">
-                  <a14:hiddenLine xmlns="" xmlns:a14="http://schemas.microsoft.com/office/drawing/2010/main" w="9525">
+                  <a14:hiddenLine xmlns:a14="http://schemas.microsoft.com/office/drawing/2010/main" xmlns="" w="9525">
                     <a:solidFill>
                       <a:srgbClr val="000000"/>
                     </a:solidFill>
@@ -10376,7 +10477,7 @@
               </a:ln>
               <a:extLst>
                 <a:ext uri="{91240B29-F687-4f45-9708-019B960494DF}">
-                  <a14:hiddenLine xmlns="" xmlns:a14="http://schemas.microsoft.com/office/drawing/2010/main" w="9525">
+                  <a14:hiddenLine xmlns:a14="http://schemas.microsoft.com/office/drawing/2010/main" xmlns="" w="9525">
                     <a:solidFill>
                       <a:srgbClr val="000000"/>
                     </a:solidFill>
@@ -10438,7 +10539,7 @@
               </a:ln>
               <a:extLst>
                 <a:ext uri="{91240B29-F687-4f45-9708-019B960494DF}">
-                  <a14:hiddenLine xmlns="" xmlns:a14="http://schemas.microsoft.com/office/drawing/2010/main" w="9525">
+                  <a14:hiddenLine xmlns:a14="http://schemas.microsoft.com/office/drawing/2010/main" xmlns="" w="9525">
                     <a:solidFill>
                       <a:srgbClr val="000000"/>
                     </a:solidFill>
@@ -10528,7 +10629,7 @@
               </a:ln>
               <a:extLst>
                 <a:ext uri="{91240B29-F687-4f45-9708-019B960494DF}">
-                  <a14:hiddenLine xmlns="" xmlns:a14="http://schemas.microsoft.com/office/drawing/2010/main" w="9525">
+                  <a14:hiddenLine xmlns:a14="http://schemas.microsoft.com/office/drawing/2010/main" xmlns="" w="9525">
                     <a:solidFill>
                       <a:srgbClr val="000000"/>
                     </a:solidFill>
@@ -10562,7 +10663,7 @@
               </a:ln>
               <a:extLst>
                 <a:ext uri="{91240B29-F687-4f45-9708-019B960494DF}">
-                  <a14:hiddenLine xmlns="" xmlns:a14="http://schemas.microsoft.com/office/drawing/2010/main" w="9525">
+                  <a14:hiddenLine xmlns:a14="http://schemas.microsoft.com/office/drawing/2010/main" xmlns="" w="9525">
                     <a:solidFill>
                       <a:srgbClr val="000000"/>
                     </a:solidFill>
@@ -10627,7 +10728,7 @@
               </a:ln>
               <a:extLst>
                 <a:ext uri="{91240B29-F687-4f45-9708-019B960494DF}">
-                  <a14:hiddenLine xmlns="" xmlns:a14="http://schemas.microsoft.com/office/drawing/2010/main" w="9525">
+                  <a14:hiddenLine xmlns:a14="http://schemas.microsoft.com/office/drawing/2010/main" xmlns="" w="9525">
                     <a:solidFill>
                       <a:srgbClr val="000000"/>
                     </a:solidFill>
@@ -10717,7 +10818,7 @@
               </a:ln>
               <a:extLst>
                 <a:ext uri="{91240B29-F687-4f45-9708-019B960494DF}">
-                  <a14:hiddenLine xmlns="" xmlns:a14="http://schemas.microsoft.com/office/drawing/2010/main" w="9525">
+                  <a14:hiddenLine xmlns:a14="http://schemas.microsoft.com/office/drawing/2010/main" xmlns="" w="9525">
                     <a:solidFill>
                       <a:srgbClr val="000000"/>
                     </a:solidFill>
@@ -10779,7 +10880,7 @@
               </a:ln>
               <a:extLst>
                 <a:ext uri="{91240B29-F687-4f45-9708-019B960494DF}">
-                  <a14:hiddenLine xmlns="" xmlns:a14="http://schemas.microsoft.com/office/drawing/2010/main" w="9525">
+                  <a14:hiddenLine xmlns:a14="http://schemas.microsoft.com/office/drawing/2010/main" xmlns="" w="9525">
                     <a:solidFill>
                       <a:srgbClr val="000000"/>
                     </a:solidFill>
@@ -10869,7 +10970,7 @@
               </a:ln>
               <a:extLst>
                 <a:ext uri="{91240B29-F687-4f45-9708-019B960494DF}">
-                  <a14:hiddenLine xmlns="" xmlns:a14="http://schemas.microsoft.com/office/drawing/2010/main" w="9525">
+                  <a14:hiddenLine xmlns:a14="http://schemas.microsoft.com/office/drawing/2010/main" xmlns="" w="9525">
                     <a:solidFill>
                       <a:srgbClr val="000000"/>
                     </a:solidFill>
@@ -10934,7 +11035,7 @@
               </a:ln>
               <a:extLst>
                 <a:ext uri="{91240B29-F687-4f45-9708-019B960494DF}">
-                  <a14:hiddenLine xmlns="" xmlns:a14="http://schemas.microsoft.com/office/drawing/2010/main" w="9525">
+                  <a14:hiddenLine xmlns:a14="http://schemas.microsoft.com/office/drawing/2010/main" xmlns="" w="9525">
                     <a:solidFill>
                       <a:srgbClr val="000000"/>
                     </a:solidFill>
@@ -10996,7 +11097,7 @@
               </a:ln>
               <a:extLst>
                 <a:ext uri="{91240B29-F687-4f45-9708-019B960494DF}">
-                  <a14:hiddenLine xmlns="" xmlns:a14="http://schemas.microsoft.com/office/drawing/2010/main" w="9525">
+                  <a14:hiddenLine xmlns:a14="http://schemas.microsoft.com/office/drawing/2010/main" xmlns="" w="9525">
                     <a:solidFill>
                       <a:srgbClr val="000000"/>
                     </a:solidFill>
@@ -11086,7 +11187,7 @@
               </a:ln>
               <a:extLst>
                 <a:ext uri="{91240B29-F687-4f45-9708-019B960494DF}">
-                  <a14:hiddenLine xmlns="" xmlns:a14="http://schemas.microsoft.com/office/drawing/2010/main" w="9525">
+                  <a14:hiddenLine xmlns:a14="http://schemas.microsoft.com/office/drawing/2010/main" xmlns="" w="9525">
                     <a:solidFill>
                       <a:srgbClr val="000000"/>
                     </a:solidFill>
@@ -11176,7 +11277,7 @@
               </a:ln>
               <a:extLst>
                 <a:ext uri="{91240B29-F687-4f45-9708-019B960494DF}">
-                  <a14:hiddenLine xmlns="" xmlns:a14="http://schemas.microsoft.com/office/drawing/2010/main" w="9525">
+                  <a14:hiddenLine xmlns:a14="http://schemas.microsoft.com/office/drawing/2010/main" xmlns="" w="9525">
                     <a:solidFill>
                       <a:srgbClr val="000000"/>
                     </a:solidFill>
@@ -11241,7 +11342,7 @@
               </a:ln>
               <a:extLst>
                 <a:ext uri="{91240B29-F687-4f45-9708-019B960494DF}">
-                  <a14:hiddenLine xmlns="" xmlns:a14="http://schemas.microsoft.com/office/drawing/2010/main" w="9525">
+                  <a14:hiddenLine xmlns:a14="http://schemas.microsoft.com/office/drawing/2010/main" xmlns="" w="9525">
                     <a:solidFill>
                       <a:srgbClr val="000000"/>
                     </a:solidFill>
@@ -11361,7 +11462,7 @@
               </a:ln>
               <a:extLst>
                 <a:ext uri="{91240B29-F687-4f45-9708-019B960494DF}">
-                  <a14:hiddenLine xmlns="" xmlns:a14="http://schemas.microsoft.com/office/drawing/2010/main" w="9525">
+                  <a14:hiddenLine xmlns:a14="http://schemas.microsoft.com/office/drawing/2010/main" xmlns="" w="9525">
                     <a:solidFill>
                       <a:srgbClr val="000000"/>
                     </a:solidFill>
@@ -11387,24 +11488,7 @@
               <a:chOff x="11364912" y="0"/>
               <a:chExt cx="674688" cy="6848476"/>
             </a:xfrm>
-            <a:gradFill flip="none" rotWithShape="1">
-              <a:gsLst>
-                <a:gs pos="0">
-                  <a:schemeClr val="tx2">
-                    <a:alpha val="80000"/>
-                  </a:schemeClr>
-                </a:gs>
-                <a:gs pos="100000">
-                  <a:schemeClr val="bg2">
-                    <a:lumMod val="60000"/>
-                    <a:lumOff val="40000"/>
-                    <a:alpha val="60000"/>
-                  </a:schemeClr>
-                </a:gs>
-              </a:gsLst>
-              <a:lin ang="5400000" scaled="0"/>
-              <a:tileRect/>
-            </a:gradFill>
+            <a:grpFill/>
           </p:grpSpPr>
           <p:sp>
             <p:nvSpPr>
@@ -11459,7 +11543,7 @@
               </a:ln>
               <a:extLst>
                 <a:ext uri="{91240B29-F687-4f45-9708-019B960494DF}">
-                  <a14:hiddenLine xmlns="" xmlns:a14="http://schemas.microsoft.com/office/drawing/2010/main" w="9525">
+                  <a14:hiddenLine xmlns:a14="http://schemas.microsoft.com/office/drawing/2010/main" xmlns="" w="9525">
                     <a:solidFill>
                       <a:srgbClr val="000000"/>
                     </a:solidFill>
@@ -11574,7 +11658,7 @@
               </a:ln>
               <a:extLst>
                 <a:ext uri="{91240B29-F687-4f45-9708-019B960494DF}">
-                  <a14:hiddenLine xmlns="" xmlns:a14="http://schemas.microsoft.com/office/drawing/2010/main" w="9525">
+                  <a14:hiddenLine xmlns:a14="http://schemas.microsoft.com/office/drawing/2010/main" xmlns="" w="9525">
                     <a:solidFill>
                       <a:srgbClr val="000000"/>
                     </a:solidFill>
@@ -11664,7 +11748,7 @@
               </a:ln>
               <a:extLst>
                 <a:ext uri="{91240B29-F687-4f45-9708-019B960494DF}">
-                  <a14:hiddenLine xmlns="" xmlns:a14="http://schemas.microsoft.com/office/drawing/2010/main" w="9525">
+                  <a14:hiddenLine xmlns:a14="http://schemas.microsoft.com/office/drawing/2010/main" xmlns="" w="9525">
                     <a:solidFill>
                       <a:srgbClr val="000000"/>
                     </a:solidFill>
@@ -11729,7 +11813,7 @@
               </a:ln>
               <a:extLst>
                 <a:ext uri="{91240B29-F687-4f45-9708-019B960494DF}">
-                  <a14:hiddenLine xmlns="" xmlns:a14="http://schemas.microsoft.com/office/drawing/2010/main" w="9525">
+                  <a14:hiddenLine xmlns:a14="http://schemas.microsoft.com/office/drawing/2010/main" xmlns="" w="9525">
                     <a:solidFill>
                       <a:srgbClr val="000000"/>
                     </a:solidFill>
@@ -11819,7 +11903,7 @@
               </a:ln>
               <a:extLst>
                 <a:ext uri="{91240B29-F687-4f45-9708-019B960494DF}">
-                  <a14:hiddenLine xmlns="" xmlns:a14="http://schemas.microsoft.com/office/drawing/2010/main" w="9525">
+                  <a14:hiddenLine xmlns:a14="http://schemas.microsoft.com/office/drawing/2010/main" xmlns="" w="9525">
                     <a:solidFill>
                       <a:srgbClr val="000000"/>
                     </a:solidFill>
@@ -11887,7 +11971,7 @@
               </a:ln>
               <a:extLst>
                 <a:ext uri="{91240B29-F687-4f45-9708-019B960494DF}">
-                  <a14:hiddenLine xmlns="" xmlns:a14="http://schemas.microsoft.com/office/drawing/2010/main" w="9525">
+                  <a14:hiddenLine xmlns:a14="http://schemas.microsoft.com/office/drawing/2010/main" xmlns="" w="9525">
                     <a:solidFill>
                       <a:srgbClr val="000000"/>
                     </a:solidFill>
@@ -11977,7 +12061,7 @@
               </a:ln>
               <a:extLst>
                 <a:ext uri="{91240B29-F687-4f45-9708-019B960494DF}">
-                  <a14:hiddenLine xmlns="" xmlns:a14="http://schemas.microsoft.com/office/drawing/2010/main" w="9525">
+                  <a14:hiddenLine xmlns:a14="http://schemas.microsoft.com/office/drawing/2010/main" xmlns="" w="9525">
                     <a:solidFill>
                       <a:srgbClr val="000000"/>
                     </a:solidFill>
@@ -12045,7 +12129,7 @@
               </a:ln>
               <a:extLst>
                 <a:ext uri="{91240B29-F687-4f45-9708-019B960494DF}">
-                  <a14:hiddenLine xmlns="" xmlns:a14="http://schemas.microsoft.com/office/drawing/2010/main" w="9525">
+                  <a14:hiddenLine xmlns:a14="http://schemas.microsoft.com/office/drawing/2010/main" xmlns="" w="9525">
                     <a:solidFill>
                       <a:srgbClr val="000000"/>
                     </a:solidFill>
@@ -12135,7 +12219,7 @@
               </a:ln>
               <a:extLst>
                 <a:ext uri="{91240B29-F687-4f45-9708-019B960494DF}">
-                  <a14:hiddenLine xmlns="" xmlns:a14="http://schemas.microsoft.com/office/drawing/2010/main" w="9525">
+                  <a14:hiddenLine xmlns:a14="http://schemas.microsoft.com/office/drawing/2010/main" xmlns="" w="9525">
                     <a:solidFill>
                       <a:srgbClr val="000000"/>
                     </a:solidFill>
@@ -12169,7 +12253,7 @@
               </a:ln>
               <a:extLst>
                 <a:ext uri="{91240B29-F687-4f45-9708-019B960494DF}">
-                  <a14:hiddenLine xmlns="" xmlns:a14="http://schemas.microsoft.com/office/drawing/2010/main" w="9525">
+                  <a14:hiddenLine xmlns:a14="http://schemas.microsoft.com/office/drawing/2010/main" xmlns="" w="9525">
                     <a:solidFill>
                       <a:srgbClr val="000000"/>
                     </a:solidFill>
@@ -12240,7 +12324,7 @@
             <a:pPr lvl="0"/>
             <a:r>
               <a:rPr lang="en-US"/>
-              <a:t>Click to edit Master text styles</a:t>
+              <a:t>Edit Master text styles</a:t>
             </a:r>
           </a:p>
           <a:p>
@@ -12308,9 +12392,9 @@
           </a:lstStyle>
           <a:p>
             <a:fld id="{48A87A34-81AB-432B-8DAE-1953F412C126}" type="datetimeFigureOut">
-              <a:rPr lang="en-US" dirty="0"/>
+              <a:rPr lang="en-US" smtClean="0"/>
               <a:pPr/>
-              <a:t>5/9/2017</a:t>
+              <a:t>5/10/2017</a:t>
             </a:fld>
             <a:endParaRPr lang="en-US" dirty="0"/>
           </a:p>
@@ -12387,7 +12471,7 @@
           </a:lstStyle>
           <a:p>
             <a:fld id="{6D22F896-40B5-4ADD-8801-0D06FADFA095}" type="slidenum">
-              <a:rPr lang="en-US" dirty="0"/>
+              <a:rPr lang="en-US" smtClean="0"/>
               <a:pPr/>
               <a:t>‹#›</a:t>
             </a:fld>
@@ -12474,26 +12558,31 @@
         </p:spPr>
       </p:pic>
     </p:spTree>
+    <p:extLst>
+      <p:ext uri="{BB962C8B-B14F-4D97-AF65-F5344CB8AC3E}">
+        <p14:creationId xmlns:p14="http://schemas.microsoft.com/office/powerpoint/2010/main" val="3813384829"/>
+      </p:ext>
+    </p:extLst>
   </p:cSld>
   <p:clrMap bg1="dk1" tx1="lt1" bg2="dk2" tx2="lt2" accent1="accent1" accent2="accent2" accent3="accent3" accent4="accent4" accent5="accent5" accent6="accent6" hlink="hlink" folHlink="folHlink"/>
   <p:sldLayoutIdLst>
-    <p:sldLayoutId id="2147483649" r:id="rId1"/>
-    <p:sldLayoutId id="2147483650" r:id="rId2"/>
-    <p:sldLayoutId id="2147483651" r:id="rId3"/>
-    <p:sldLayoutId id="2147483652" r:id="rId4"/>
-    <p:sldLayoutId id="2147483653" r:id="rId5"/>
-    <p:sldLayoutId id="2147483654" r:id="rId6"/>
-    <p:sldLayoutId id="2147483655" r:id="rId7"/>
-    <p:sldLayoutId id="2147483656" r:id="rId8"/>
-    <p:sldLayoutId id="2147483657" r:id="rId9"/>
-    <p:sldLayoutId id="2147483660" r:id="rId10"/>
-    <p:sldLayoutId id="2147483661" r:id="rId11"/>
-    <p:sldLayoutId id="2147483666" r:id="rId12"/>
-    <p:sldLayoutId id="2147483663" r:id="rId13"/>
-    <p:sldLayoutId id="2147483667" r:id="rId14"/>
-    <p:sldLayoutId id="2147483668" r:id="rId15"/>
-    <p:sldLayoutId id="2147483658" r:id="rId16"/>
-    <p:sldLayoutId id="2147483659" r:id="rId17"/>
+    <p:sldLayoutId id="2147483670" r:id="rId1"/>
+    <p:sldLayoutId id="2147483671" r:id="rId2"/>
+    <p:sldLayoutId id="2147483672" r:id="rId3"/>
+    <p:sldLayoutId id="2147483673" r:id="rId4"/>
+    <p:sldLayoutId id="2147483674" r:id="rId5"/>
+    <p:sldLayoutId id="2147483675" r:id="rId6"/>
+    <p:sldLayoutId id="2147483676" r:id="rId7"/>
+    <p:sldLayoutId id="2147483677" r:id="rId8"/>
+    <p:sldLayoutId id="2147483678" r:id="rId9"/>
+    <p:sldLayoutId id="2147483679" r:id="rId10"/>
+    <p:sldLayoutId id="2147483680" r:id="rId11"/>
+    <p:sldLayoutId id="2147483681" r:id="rId12"/>
+    <p:sldLayoutId id="2147483682" r:id="rId13"/>
+    <p:sldLayoutId id="2147483683" r:id="rId14"/>
+    <p:sldLayoutId id="2147483684" r:id="rId15"/>
+    <p:sldLayoutId id="2147483685" r:id="rId16"/>
+    <p:sldLayoutId id="2147483686" r:id="rId17"/>
   </p:sldLayoutIdLst>
   <p:txStyles>
     <p:titleStyle>
@@ -12804,133 +12893,6 @@
           <a:chExt cx="0" cy="0"/>
         </a:xfrm>
       </p:grpSpPr>
-      <p:grpSp>
-        <p:nvGrpSpPr>
-          <p:cNvPr id="8" name="Group 7"/>
-          <p:cNvGrpSpPr>
-            <a:grpSpLocks noGrp="1" noUngrp="1" noRot="1" noChangeAspect="1" noMove="1" noResize="1"/>
-          </p:cNvGrpSpPr>
-          <p:nvPr>
-            <p:extLst>
-              <p:ext uri="{386F3935-93C4-4BCD-93E2-E3B085C9AB24}">
-                <p16:designElem xmlns:p16="http://schemas.microsoft.com/office/powerpoint/2015/main" val="1"/>
-              </p:ext>
-            </p:extLst>
-          </p:nvPr>
-        </p:nvGrpSpPr>
-        <p:grpSpPr>
-          <a:xfrm>
-            <a:off x="0" y="-1"/>
-            <a:ext cx="12192003" cy="6858001"/>
-            <a:chOff x="0" y="-1"/>
-            <a:chExt cx="12192003" cy="6858001"/>
-          </a:xfrm>
-        </p:grpSpPr>
-        <p:sp useBgFill="1">
-          <p:nvSpPr>
-            <p:cNvPr id="9" name="Rectangle 8"/>
-            <p:cNvSpPr/>
-            <p:nvPr>
-              <p:extLst>
-                <p:ext uri="{386F3935-93C4-4BCD-93E2-E3B085C9AB24}">
-                  <p16:designElem xmlns:p16="http://schemas.microsoft.com/office/powerpoint/2015/main" val="1"/>
-                </p:ext>
-              </p:extLst>
-            </p:nvPr>
-          </p:nvSpPr>
-          <p:spPr>
-            <a:xfrm>
-              <a:off x="1" y="-1"/>
-              <a:ext cx="12192000" cy="6858000"/>
-            </a:xfrm>
-            <a:prstGeom prst="rect">
-              <a:avLst/>
-            </a:prstGeom>
-            <a:ln>
-              <a:noFill/>
-            </a:ln>
-          </p:spPr>
-          <p:style>
-            <a:lnRef idx="2">
-              <a:schemeClr val="accent1">
-                <a:shade val="50000"/>
-              </a:schemeClr>
-            </a:lnRef>
-            <a:fillRef idx="1">
-              <a:schemeClr val="accent1"/>
-            </a:fillRef>
-            <a:effectRef idx="0">
-              <a:schemeClr val="accent1"/>
-            </a:effectRef>
-            <a:fontRef idx="minor">
-              <a:schemeClr val="lt1"/>
-            </a:fontRef>
-          </p:style>
-          <p:txBody>
-            <a:bodyPr rtlCol="0" anchor="ctr"/>
-            <a:lstStyle/>
-            <a:p>
-              <a:pPr algn="ctr"/>
-              <a:endParaRPr lang="en-US"/>
-            </a:p>
-          </p:txBody>
-        </p:sp>
-        <p:pic>
-          <p:nvPicPr>
-            <p:cNvPr id="10" name="Picture 2"/>
-            <p:cNvPicPr>
-              <a:picLocks noChangeAspect="1" noChangeArrowheads="1"/>
-            </p:cNvPicPr>
-            <p:nvPr>
-              <p:extLst>
-                <p:ext uri="{386F3935-93C4-4BCD-93E2-E3B085C9AB24}">
-                  <p16:designElem xmlns:p16="http://schemas.microsoft.com/office/powerpoint/2015/main" val="1"/>
-                </p:ext>
-              </p:extLst>
-            </p:nvPr>
-          </p:nvPicPr>
-          <p:blipFill>
-            <a:blip r:embed="rId2">
-              <a:alphaModFix amt="30000"/>
-              <a:duotone>
-                <a:prstClr val="black"/>
-                <a:schemeClr val="tx2">
-                  <a:tint val="45000"/>
-                  <a:satMod val="400000"/>
-                </a:schemeClr>
-              </a:duotone>
-              <a:extLst>
-                <a:ext uri="{28A0092B-C50C-407E-A947-70E740481C1C}">
-                  <a14:useLocalDpi xmlns:a14="http://schemas.microsoft.com/office/drawing/2010/main" val="0"/>
-                </a:ext>
-              </a:extLst>
-            </a:blip>
-            <a:srcRect/>
-            <a:stretch>
-              <a:fillRect/>
-            </a:stretch>
-          </p:blipFill>
-          <p:spPr bwMode="auto">
-            <a:xfrm>
-              <a:off x="0" y="-1"/>
-              <a:ext cx="12192003" cy="6858001"/>
-            </a:xfrm>
-            <a:prstGeom prst="rect">
-              <a:avLst/>
-            </a:prstGeom>
-            <a:noFill/>
-            <a:extLst>
-              <a:ext uri="{909E8E84-426E-40dd-AFC4-6F175D3DCCD1}">
-                <a14:hiddenFill xmlns:a14="http://schemas.microsoft.com/office/drawing/2010/main" xmlns="">
-                  <a:solidFill>
-                    <a:srgbClr val="FFFFFF"/>
-                  </a:solidFill>
-                </a14:hiddenFill>
-              </a:ext>
-            </a:extLst>
-          </p:spPr>
-        </p:pic>
-      </p:grpSp>
       <p:pic>
         <p:nvPicPr>
           <p:cNvPr id="4" name="Picture 2" descr="http://www.gabrielmatteson.com/wp-content/uploads/2014/05/Powershell-Logo-01.png"/>
@@ -12940,7 +12902,7 @@
           <p:nvPr/>
         </p:nvPicPr>
         <p:blipFill rotWithShape="1">
-          <a:blip r:embed="rId3">
+          <a:blip r:embed="rId2">
             <a:extLst>
               <a:ext uri="{28A0092B-C50C-407E-A947-70E740481C1C}">
                 <a14:useLocalDpi xmlns:a14="http://schemas.microsoft.com/office/drawing/2010/main" val="0"/>
@@ -12970,5295 +12932,6 @@
           </a:extLst>
         </p:spPr>
       </p:pic>
-      <p:grpSp>
-        <p:nvGrpSpPr>
-          <p:cNvPr id="12" name="Group 11"/>
-          <p:cNvGrpSpPr>
-            <a:grpSpLocks noGrp="1" noUngrp="1" noRot="1" noChangeAspect="1" noMove="1" noResize="1"/>
-          </p:cNvGrpSpPr>
-          <p:nvPr>
-            <p:extLst>
-              <p:ext uri="{386F3935-93C4-4BCD-93E2-E3B085C9AB24}">
-                <p16:designElem xmlns:p16="http://schemas.microsoft.com/office/powerpoint/2015/main" val="1"/>
-              </p:ext>
-            </p:extLst>
-          </p:nvPr>
-        </p:nvGrpSpPr>
-        <p:grpSpPr>
-          <a:xfrm>
-            <a:off x="11364912" y="0"/>
-            <a:ext cx="674688" cy="6848476"/>
-            <a:chOff x="11364912" y="0"/>
-            <a:chExt cx="674688" cy="6848476"/>
-          </a:xfrm>
-          <a:gradFill flip="none" rotWithShape="1">
-            <a:gsLst>
-              <a:gs pos="0">
-                <a:schemeClr val="tx2">
-                  <a:alpha val="80000"/>
-                </a:schemeClr>
-              </a:gs>
-              <a:gs pos="100000">
-                <a:schemeClr val="bg2">
-                  <a:lumMod val="60000"/>
-                  <a:lumOff val="40000"/>
-                  <a:alpha val="60000"/>
-                </a:schemeClr>
-              </a:gs>
-            </a:gsLst>
-            <a:lin ang="5400000" scaled="0"/>
-            <a:tileRect/>
-          </a:gradFill>
-        </p:grpSpPr>
-        <p:sp>
-          <p:nvSpPr>
-            <p:cNvPr id="13" name="Freeform 32"/>
-            <p:cNvSpPr/>
-            <p:nvPr>
-              <p:extLst>
-                <p:ext uri="{386F3935-93C4-4BCD-93E2-E3B085C9AB24}">
-                  <p16:designElem xmlns:p16="http://schemas.microsoft.com/office/powerpoint/2015/main" val="1"/>
-                </p:ext>
-              </p:extLst>
-            </p:nvPr>
-          </p:nvSpPr>
-          <p:spPr bwMode="auto">
-            <a:xfrm>
-              <a:off x="11483975" y="0"/>
-              <a:ext cx="417513" cy="512763"/>
-            </a:xfrm>
-            <a:custGeom>
-              <a:avLst/>
-              <a:gdLst/>
-              <a:ahLst/>
-              <a:cxnLst/>
-              <a:rect l="0" t="0" r="r" b="b"/>
-              <a:pathLst>
-                <a:path w="263" h="323">
-                  <a:moveTo>
-                    <a:pt x="12" y="323"/>
-                  </a:moveTo>
-                  <a:lnTo>
-                    <a:pt x="0" y="314"/>
-                  </a:lnTo>
-                  <a:lnTo>
-                    <a:pt x="203" y="108"/>
-                  </a:lnTo>
-                  <a:lnTo>
-                    <a:pt x="248" y="0"/>
-                  </a:lnTo>
-                  <a:lnTo>
-                    <a:pt x="263" y="6"/>
-                  </a:lnTo>
-                  <a:lnTo>
-                    <a:pt x="218" y="117"/>
-                  </a:lnTo>
-                  <a:lnTo>
-                    <a:pt x="218" y="117"/>
-                  </a:lnTo>
-                  <a:lnTo>
-                    <a:pt x="12" y="323"/>
-                  </a:lnTo>
-                  <a:close/>
-                </a:path>
-              </a:pathLst>
-            </a:custGeom>
-            <a:grpFill/>
-            <a:ln>
-              <a:noFill/>
-            </a:ln>
-            <a:extLst>
-              <a:ext uri="{91240B29-F687-4f45-9708-019B960494DF}">
-                <a14:hiddenLine xmlns:a14="http://schemas.microsoft.com/office/drawing/2010/main" xmlns="" w="9525">
-                  <a:solidFill>
-                    <a:srgbClr val="000000"/>
-                  </a:solidFill>
-                  <a:round/>
-                  <a:headEnd/>
-                  <a:tailEnd/>
-                </a14:hiddenLine>
-              </a:ext>
-            </a:extLst>
-          </p:spPr>
-        </p:sp>
-        <p:sp>
-          <p:nvSpPr>
-            <p:cNvPr id="14" name="Freeform 33"/>
-            <p:cNvSpPr>
-              <a:spLocks noEditPoints="1"/>
-            </p:cNvSpPr>
-            <p:nvPr>
-              <p:extLst>
-                <p:ext uri="{386F3935-93C4-4BCD-93E2-E3B085C9AB24}">
-                  <p16:designElem xmlns:p16="http://schemas.microsoft.com/office/powerpoint/2015/main" val="1"/>
-                </p:ext>
-              </p:extLst>
-            </p:nvPr>
-          </p:nvSpPr>
-          <p:spPr bwMode="auto">
-            <a:xfrm>
-              <a:off x="11364912" y="474663"/>
-              <a:ext cx="157163" cy="152400"/>
-            </a:xfrm>
-            <a:custGeom>
-              <a:avLst/>
-              <a:gdLst/>
-              <a:ahLst/>
-              <a:cxnLst/>
-              <a:rect l="0" t="0" r="r" b="b"/>
-              <a:pathLst>
-                <a:path w="33" h="32">
-                  <a:moveTo>
-                    <a:pt x="17" y="32"/>
-                  </a:moveTo>
-                  <a:cubicBezTo>
-                    <a:pt x="13" y="32"/>
-                    <a:pt x="9" y="30"/>
-                    <a:pt x="6" y="27"/>
-                  </a:cubicBezTo>
-                  <a:cubicBezTo>
-                    <a:pt x="0" y="21"/>
-                    <a:pt x="0" y="11"/>
-                    <a:pt x="6" y="5"/>
-                  </a:cubicBezTo>
-                  <a:cubicBezTo>
-                    <a:pt x="9" y="2"/>
-                    <a:pt x="13" y="0"/>
-                    <a:pt x="17" y="0"/>
-                  </a:cubicBezTo>
-                  <a:cubicBezTo>
-                    <a:pt x="21" y="0"/>
-                    <a:pt x="25" y="2"/>
-                    <a:pt x="28" y="5"/>
-                  </a:cubicBezTo>
-                  <a:cubicBezTo>
-                    <a:pt x="31" y="8"/>
-                    <a:pt x="33" y="12"/>
-                    <a:pt x="33" y="16"/>
-                  </a:cubicBezTo>
-                  <a:cubicBezTo>
-                    <a:pt x="33" y="20"/>
-                    <a:pt x="31" y="24"/>
-                    <a:pt x="28" y="27"/>
-                  </a:cubicBezTo>
-                  <a:cubicBezTo>
-                    <a:pt x="25" y="30"/>
-                    <a:pt x="21" y="32"/>
-                    <a:pt x="17" y="32"/>
-                  </a:cubicBezTo>
-                  <a:close/>
-                  <a:moveTo>
-                    <a:pt x="17" y="4"/>
-                  </a:moveTo>
-                  <a:cubicBezTo>
-                    <a:pt x="14" y="4"/>
-                    <a:pt x="11" y="6"/>
-                    <a:pt x="9" y="8"/>
-                  </a:cubicBezTo>
-                  <a:cubicBezTo>
-                    <a:pt x="4" y="12"/>
-                    <a:pt x="4" y="20"/>
-                    <a:pt x="9" y="24"/>
-                  </a:cubicBezTo>
-                  <a:cubicBezTo>
-                    <a:pt x="11" y="27"/>
-                    <a:pt x="14" y="28"/>
-                    <a:pt x="17" y="28"/>
-                  </a:cubicBezTo>
-                  <a:cubicBezTo>
-                    <a:pt x="20" y="28"/>
-                    <a:pt x="23" y="27"/>
-                    <a:pt x="26" y="24"/>
-                  </a:cubicBezTo>
-                  <a:cubicBezTo>
-                    <a:pt x="30" y="20"/>
-                    <a:pt x="30" y="12"/>
-                    <a:pt x="26" y="8"/>
-                  </a:cubicBezTo>
-                  <a:cubicBezTo>
-                    <a:pt x="23" y="6"/>
-                    <a:pt x="20" y="4"/>
-                    <a:pt x="17" y="4"/>
-                  </a:cubicBezTo>
-                  <a:close/>
-                </a:path>
-              </a:pathLst>
-            </a:custGeom>
-            <a:grpFill/>
-            <a:ln>
-              <a:noFill/>
-            </a:ln>
-            <a:extLst>
-              <a:ext uri="{91240B29-F687-4f45-9708-019B960494DF}">
-                <a14:hiddenLine xmlns:a14="http://schemas.microsoft.com/office/drawing/2010/main" xmlns="" w="9525">
-                  <a:solidFill>
-                    <a:srgbClr val="000000"/>
-                  </a:solidFill>
-                  <a:round/>
-                  <a:headEnd/>
-                  <a:tailEnd/>
-                </a14:hiddenLine>
-              </a:ext>
-            </a:extLst>
-          </p:spPr>
-        </p:sp>
-        <p:sp>
-          <p:nvSpPr>
-            <p:cNvPr id="15" name="Freeform 34"/>
-            <p:cNvSpPr>
-              <a:spLocks noEditPoints="1"/>
-            </p:cNvSpPr>
-            <p:nvPr>
-              <p:extLst>
-                <p:ext uri="{386F3935-93C4-4BCD-93E2-E3B085C9AB24}">
-                  <p16:designElem xmlns:p16="http://schemas.microsoft.com/office/powerpoint/2015/main" val="1"/>
-                </p:ext>
-              </p:extLst>
-            </p:nvPr>
-          </p:nvSpPr>
-          <p:spPr bwMode="auto">
-            <a:xfrm>
-              <a:off x="11631612" y="1539875"/>
-              <a:ext cx="188913" cy="190500"/>
-            </a:xfrm>
-            <a:custGeom>
-              <a:avLst/>
-              <a:gdLst/>
-              <a:ahLst/>
-              <a:cxnLst/>
-              <a:rect l="0" t="0" r="r" b="b"/>
-              <a:pathLst>
-                <a:path w="40" h="40">
-                  <a:moveTo>
-                    <a:pt x="20" y="40"/>
-                  </a:moveTo>
-                  <a:cubicBezTo>
-                    <a:pt x="9" y="40"/>
-                    <a:pt x="0" y="31"/>
-                    <a:pt x="0" y="20"/>
-                  </a:cubicBezTo>
-                  <a:cubicBezTo>
-                    <a:pt x="0" y="9"/>
-                    <a:pt x="9" y="0"/>
-                    <a:pt x="20" y="0"/>
-                  </a:cubicBezTo>
-                  <a:cubicBezTo>
-                    <a:pt x="31" y="0"/>
-                    <a:pt x="40" y="9"/>
-                    <a:pt x="40" y="20"/>
-                  </a:cubicBezTo>
-                  <a:cubicBezTo>
-                    <a:pt x="40" y="31"/>
-                    <a:pt x="31" y="40"/>
-                    <a:pt x="20" y="40"/>
-                  </a:cubicBezTo>
-                  <a:close/>
-                  <a:moveTo>
-                    <a:pt x="20" y="4"/>
-                  </a:moveTo>
-                  <a:cubicBezTo>
-                    <a:pt x="11" y="4"/>
-                    <a:pt x="4" y="11"/>
-                    <a:pt x="4" y="20"/>
-                  </a:cubicBezTo>
-                  <a:cubicBezTo>
-                    <a:pt x="4" y="29"/>
-                    <a:pt x="11" y="36"/>
-                    <a:pt x="20" y="36"/>
-                  </a:cubicBezTo>
-                  <a:cubicBezTo>
-                    <a:pt x="29" y="36"/>
-                    <a:pt x="36" y="29"/>
-                    <a:pt x="36" y="20"/>
-                  </a:cubicBezTo>
-                  <a:cubicBezTo>
-                    <a:pt x="36" y="11"/>
-                    <a:pt x="29" y="4"/>
-                    <a:pt x="20" y="4"/>
-                  </a:cubicBezTo>
-                  <a:close/>
-                </a:path>
-              </a:pathLst>
-            </a:custGeom>
-            <a:grpFill/>
-            <a:ln>
-              <a:noFill/>
-            </a:ln>
-            <a:extLst>
-              <a:ext uri="{91240B29-F687-4f45-9708-019B960494DF}">
-                <a14:hiddenLine xmlns:a14="http://schemas.microsoft.com/office/drawing/2010/main" xmlns="" w="9525">
-                  <a:solidFill>
-                    <a:srgbClr val="000000"/>
-                  </a:solidFill>
-                  <a:round/>
-                  <a:headEnd/>
-                  <a:tailEnd/>
-                </a14:hiddenLine>
-              </a:ext>
-            </a:extLst>
-          </p:spPr>
-        </p:sp>
-        <p:sp>
-          <p:nvSpPr>
-            <p:cNvPr id="16" name="Freeform 35"/>
-            <p:cNvSpPr/>
-            <p:nvPr>
-              <p:extLst>
-                <p:ext uri="{386F3935-93C4-4BCD-93E2-E3B085C9AB24}">
-                  <p16:designElem xmlns:p16="http://schemas.microsoft.com/office/powerpoint/2015/main" val="1"/>
-                </p:ext>
-              </p:extLst>
-            </p:nvPr>
-          </p:nvSpPr>
-          <p:spPr bwMode="auto">
-            <a:xfrm>
-              <a:off x="11531600" y="5694363"/>
-              <a:ext cx="298450" cy="1154113"/>
-            </a:xfrm>
-            <a:custGeom>
-              <a:avLst/>
-              <a:gdLst/>
-              <a:ahLst/>
-              <a:cxnLst/>
-              <a:rect l="0" t="0" r="r" b="b"/>
-              <a:pathLst>
-                <a:path w="188" h="727">
-                  <a:moveTo>
-                    <a:pt x="15" y="727"/>
-                  </a:moveTo>
-                  <a:lnTo>
-                    <a:pt x="0" y="727"/>
-                  </a:lnTo>
-                  <a:lnTo>
-                    <a:pt x="0" y="407"/>
-                  </a:lnTo>
-                  <a:lnTo>
-                    <a:pt x="0" y="407"/>
-                  </a:lnTo>
-                  <a:lnTo>
-                    <a:pt x="176" y="0"/>
-                  </a:lnTo>
-                  <a:lnTo>
-                    <a:pt x="188" y="6"/>
-                  </a:lnTo>
-                  <a:lnTo>
-                    <a:pt x="15" y="410"/>
-                  </a:lnTo>
-                  <a:lnTo>
-                    <a:pt x="15" y="727"/>
-                  </a:lnTo>
-                  <a:close/>
-                </a:path>
-              </a:pathLst>
-            </a:custGeom>
-            <a:grpFill/>
-            <a:ln>
-              <a:noFill/>
-            </a:ln>
-            <a:extLst>
-              <a:ext uri="{91240B29-F687-4f45-9708-019B960494DF}">
-                <a14:hiddenLine xmlns:a14="http://schemas.microsoft.com/office/drawing/2010/main" xmlns="" w="9525">
-                  <a:solidFill>
-                    <a:srgbClr val="000000"/>
-                  </a:solidFill>
-                  <a:round/>
-                  <a:headEnd/>
-                  <a:tailEnd/>
-                </a14:hiddenLine>
-              </a:ext>
-            </a:extLst>
-          </p:spPr>
-        </p:sp>
-        <p:sp>
-          <p:nvSpPr>
-            <p:cNvPr id="17" name="Freeform 36"/>
-            <p:cNvSpPr>
-              <a:spLocks noEditPoints="1"/>
-            </p:cNvSpPr>
-            <p:nvPr>
-              <p:extLst>
-                <p:ext uri="{386F3935-93C4-4BCD-93E2-E3B085C9AB24}">
-                  <p16:designElem xmlns:p16="http://schemas.microsoft.com/office/powerpoint/2015/main" val="1"/>
-                </p:ext>
-              </p:extLst>
-            </p:nvPr>
-          </p:nvSpPr>
-          <p:spPr bwMode="auto">
-            <a:xfrm>
-              <a:off x="11772900" y="5551488"/>
-              <a:ext cx="157163" cy="155575"/>
-            </a:xfrm>
-            <a:custGeom>
-              <a:avLst/>
-              <a:gdLst/>
-              <a:ahLst/>
-              <a:cxnLst/>
-              <a:rect l="0" t="0" r="r" b="b"/>
-              <a:pathLst>
-                <a:path w="33" h="33">
-                  <a:moveTo>
-                    <a:pt x="17" y="33"/>
-                  </a:moveTo>
-                  <a:cubicBezTo>
-                    <a:pt x="8" y="33"/>
-                    <a:pt x="0" y="25"/>
-                    <a:pt x="0" y="16"/>
-                  </a:cubicBezTo>
-                  <a:cubicBezTo>
-                    <a:pt x="0" y="7"/>
-                    <a:pt x="8" y="0"/>
-                    <a:pt x="17" y="0"/>
-                  </a:cubicBezTo>
-                  <a:cubicBezTo>
-                    <a:pt x="26" y="0"/>
-                    <a:pt x="33" y="7"/>
-                    <a:pt x="33" y="16"/>
-                  </a:cubicBezTo>
-                  <a:cubicBezTo>
-                    <a:pt x="33" y="25"/>
-                    <a:pt x="26" y="33"/>
-                    <a:pt x="17" y="33"/>
-                  </a:cubicBezTo>
-                  <a:close/>
-                  <a:moveTo>
-                    <a:pt x="17" y="4"/>
-                  </a:moveTo>
-                  <a:cubicBezTo>
-                    <a:pt x="10" y="4"/>
-                    <a:pt x="4" y="9"/>
-                    <a:pt x="4" y="16"/>
-                  </a:cubicBezTo>
-                  <a:cubicBezTo>
-                    <a:pt x="4" y="23"/>
-                    <a:pt x="10" y="29"/>
-                    <a:pt x="17" y="29"/>
-                  </a:cubicBezTo>
-                  <a:cubicBezTo>
-                    <a:pt x="23" y="29"/>
-                    <a:pt x="29" y="23"/>
-                    <a:pt x="29" y="16"/>
-                  </a:cubicBezTo>
-                  <a:cubicBezTo>
-                    <a:pt x="29" y="9"/>
-                    <a:pt x="23" y="4"/>
-                    <a:pt x="17" y="4"/>
-                  </a:cubicBezTo>
-                  <a:close/>
-                </a:path>
-              </a:pathLst>
-            </a:custGeom>
-            <a:grpFill/>
-            <a:ln>
-              <a:noFill/>
-            </a:ln>
-            <a:extLst>
-              <a:ext uri="{91240B29-F687-4f45-9708-019B960494DF}">
-                <a14:hiddenLine xmlns:a14="http://schemas.microsoft.com/office/drawing/2010/main" xmlns="" w="9525">
-                  <a:solidFill>
-                    <a:srgbClr val="000000"/>
-                  </a:solidFill>
-                  <a:round/>
-                  <a:headEnd/>
-                  <a:tailEnd/>
-                </a14:hiddenLine>
-              </a:ext>
-            </a:extLst>
-          </p:spPr>
-        </p:sp>
-        <p:sp>
-          <p:nvSpPr>
-            <p:cNvPr id="18" name="Freeform 37"/>
-            <p:cNvSpPr/>
-            <p:nvPr>
-              <p:extLst>
-                <p:ext uri="{386F3935-93C4-4BCD-93E2-E3B085C9AB24}">
-                  <p16:designElem xmlns:p16="http://schemas.microsoft.com/office/powerpoint/2015/main" val="1"/>
-                </p:ext>
-              </p:extLst>
-            </p:nvPr>
-          </p:nvSpPr>
-          <p:spPr bwMode="auto">
-            <a:xfrm>
-              <a:off x="11710987" y="4763"/>
-              <a:ext cx="304800" cy="1544638"/>
-            </a:xfrm>
-            <a:custGeom>
-              <a:avLst/>
-              <a:gdLst/>
-              <a:ahLst/>
-              <a:cxnLst/>
-              <a:rect l="0" t="0" r="r" b="b"/>
-              <a:pathLst>
-                <a:path w="192" h="973">
-                  <a:moveTo>
-                    <a:pt x="15" y="973"/>
-                  </a:moveTo>
-                  <a:lnTo>
-                    <a:pt x="0" y="973"/>
-                  </a:lnTo>
-                  <a:lnTo>
-                    <a:pt x="0" y="790"/>
-                  </a:lnTo>
-                  <a:lnTo>
-                    <a:pt x="174" y="614"/>
-                  </a:lnTo>
-                  <a:lnTo>
-                    <a:pt x="174" y="0"/>
-                  </a:lnTo>
-                  <a:lnTo>
-                    <a:pt x="192" y="0"/>
-                  </a:lnTo>
-                  <a:lnTo>
-                    <a:pt x="192" y="620"/>
-                  </a:lnTo>
-                  <a:lnTo>
-                    <a:pt x="15" y="796"/>
-                  </a:lnTo>
-                  <a:lnTo>
-                    <a:pt x="15" y="973"/>
-                  </a:lnTo>
-                  <a:close/>
-                </a:path>
-              </a:pathLst>
-            </a:custGeom>
-            <a:grpFill/>
-            <a:ln>
-              <a:noFill/>
-            </a:ln>
-            <a:extLst>
-              <a:ext uri="{91240B29-F687-4f45-9708-019B960494DF}">
-                <a14:hiddenLine xmlns:a14="http://schemas.microsoft.com/office/drawing/2010/main" xmlns="" w="9525">
-                  <a:solidFill>
-                    <a:srgbClr val="000000"/>
-                  </a:solidFill>
-                  <a:round/>
-                  <a:headEnd/>
-                  <a:tailEnd/>
-                </a14:hiddenLine>
-              </a:ext>
-            </a:extLst>
-          </p:spPr>
-        </p:sp>
-        <p:sp>
-          <p:nvSpPr>
-            <p:cNvPr id="19" name="Freeform 38"/>
-            <p:cNvSpPr>
-              <a:spLocks noEditPoints="1"/>
-            </p:cNvSpPr>
-            <p:nvPr>
-              <p:extLst>
-                <p:ext uri="{386F3935-93C4-4BCD-93E2-E3B085C9AB24}">
-                  <p16:designElem xmlns:p16="http://schemas.microsoft.com/office/powerpoint/2015/main" val="1"/>
-                </p:ext>
-              </p:extLst>
-            </p:nvPr>
-          </p:nvSpPr>
-          <p:spPr bwMode="auto">
-            <a:xfrm>
-              <a:off x="11636375" y="4867275"/>
-              <a:ext cx="188913" cy="188913"/>
-            </a:xfrm>
-            <a:custGeom>
-              <a:avLst/>
-              <a:gdLst/>
-              <a:ahLst/>
-              <a:cxnLst/>
-              <a:rect l="0" t="0" r="r" b="b"/>
-              <a:pathLst>
-                <a:path w="40" h="40">
-                  <a:moveTo>
-                    <a:pt x="20" y="40"/>
-                  </a:moveTo>
-                  <a:cubicBezTo>
-                    <a:pt x="9" y="40"/>
-                    <a:pt x="0" y="31"/>
-                    <a:pt x="0" y="20"/>
-                  </a:cubicBezTo>
-                  <a:cubicBezTo>
-                    <a:pt x="0" y="9"/>
-                    <a:pt x="9" y="0"/>
-                    <a:pt x="20" y="0"/>
-                  </a:cubicBezTo>
-                  <a:cubicBezTo>
-                    <a:pt x="31" y="0"/>
-                    <a:pt x="40" y="9"/>
-                    <a:pt x="40" y="20"/>
-                  </a:cubicBezTo>
-                  <a:cubicBezTo>
-                    <a:pt x="40" y="31"/>
-                    <a:pt x="31" y="40"/>
-                    <a:pt x="20" y="40"/>
-                  </a:cubicBezTo>
-                  <a:close/>
-                  <a:moveTo>
-                    <a:pt x="20" y="4"/>
-                  </a:moveTo>
-                  <a:cubicBezTo>
-                    <a:pt x="11" y="4"/>
-                    <a:pt x="4" y="11"/>
-                    <a:pt x="4" y="20"/>
-                  </a:cubicBezTo>
-                  <a:cubicBezTo>
-                    <a:pt x="4" y="29"/>
-                    <a:pt x="11" y="36"/>
-                    <a:pt x="20" y="36"/>
-                  </a:cubicBezTo>
-                  <a:cubicBezTo>
-                    <a:pt x="29" y="36"/>
-                    <a:pt x="36" y="29"/>
-                    <a:pt x="36" y="20"/>
-                  </a:cubicBezTo>
-                  <a:cubicBezTo>
-                    <a:pt x="36" y="11"/>
-                    <a:pt x="29" y="4"/>
-                    <a:pt x="20" y="4"/>
-                  </a:cubicBezTo>
-                  <a:close/>
-                </a:path>
-              </a:pathLst>
-            </a:custGeom>
-            <a:grpFill/>
-            <a:ln>
-              <a:noFill/>
-            </a:ln>
-            <a:extLst>
-              <a:ext uri="{91240B29-F687-4f45-9708-019B960494DF}">
-                <a14:hiddenLine xmlns:a14="http://schemas.microsoft.com/office/drawing/2010/main" xmlns="" w="9525">
-                  <a:solidFill>
-                    <a:srgbClr val="000000"/>
-                  </a:solidFill>
-                  <a:round/>
-                  <a:headEnd/>
-                  <a:tailEnd/>
-                </a14:hiddenLine>
-              </a:ext>
-            </a:extLst>
-          </p:spPr>
-        </p:sp>
-        <p:sp>
-          <p:nvSpPr>
-            <p:cNvPr id="20" name="Freeform 39"/>
-            <p:cNvSpPr/>
-            <p:nvPr>
-              <p:extLst>
-                <p:ext uri="{386F3935-93C4-4BCD-93E2-E3B085C9AB24}">
-                  <p16:designElem xmlns:p16="http://schemas.microsoft.com/office/powerpoint/2015/main" val="1"/>
-                </p:ext>
-              </p:extLst>
-            </p:nvPr>
-          </p:nvSpPr>
-          <p:spPr bwMode="auto">
-            <a:xfrm>
-              <a:off x="11441112" y="5046663"/>
-              <a:ext cx="307975" cy="1801813"/>
-            </a:xfrm>
-            <a:custGeom>
-              <a:avLst/>
-              <a:gdLst/>
-              <a:ahLst/>
-              <a:cxnLst/>
-              <a:rect l="0" t="0" r="r" b="b"/>
-              <a:pathLst>
-                <a:path w="194" h="1135">
-                  <a:moveTo>
-                    <a:pt x="18" y="1135"/>
-                  </a:moveTo>
-                  <a:lnTo>
-                    <a:pt x="0" y="1135"/>
-                  </a:lnTo>
-                  <a:lnTo>
-                    <a:pt x="0" y="354"/>
-                  </a:lnTo>
-                  <a:lnTo>
-                    <a:pt x="176" y="177"/>
-                  </a:lnTo>
-                  <a:lnTo>
-                    <a:pt x="176" y="0"/>
-                  </a:lnTo>
-                  <a:lnTo>
-                    <a:pt x="194" y="0"/>
-                  </a:lnTo>
-                  <a:lnTo>
-                    <a:pt x="194" y="183"/>
-                  </a:lnTo>
-                  <a:lnTo>
-                    <a:pt x="18" y="360"/>
-                  </a:lnTo>
-                  <a:lnTo>
-                    <a:pt x="18" y="1135"/>
-                  </a:lnTo>
-                  <a:close/>
-                </a:path>
-              </a:pathLst>
-            </a:custGeom>
-            <a:grpFill/>
-            <a:ln>
-              <a:noFill/>
-            </a:ln>
-            <a:extLst>
-              <a:ext uri="{91240B29-F687-4f45-9708-019B960494DF}">
-                <a14:hiddenLine xmlns:a14="http://schemas.microsoft.com/office/drawing/2010/main" xmlns="" w="9525">
-                  <a:solidFill>
-                    <a:srgbClr val="000000"/>
-                  </a:solidFill>
-                  <a:round/>
-                  <a:headEnd/>
-                  <a:tailEnd/>
-                </a14:hiddenLine>
-              </a:ext>
-            </a:extLst>
-          </p:spPr>
-        </p:sp>
-        <p:sp>
-          <p:nvSpPr>
-            <p:cNvPr id="21" name="Freeform 40"/>
-            <p:cNvSpPr>
-              <a:spLocks noEditPoints="1"/>
-            </p:cNvSpPr>
-            <p:nvPr>
-              <p:extLst>
-                <p:ext uri="{386F3935-93C4-4BCD-93E2-E3B085C9AB24}">
-                  <p16:designElem xmlns:p16="http://schemas.microsoft.com/office/powerpoint/2015/main" val="1"/>
-                </p:ext>
-              </p:extLst>
-            </p:nvPr>
-          </p:nvSpPr>
-          <p:spPr bwMode="auto">
-            <a:xfrm>
-              <a:off x="11849100" y="6416675"/>
-              <a:ext cx="190500" cy="188913"/>
-            </a:xfrm>
-            <a:custGeom>
-              <a:avLst/>
-              <a:gdLst/>
-              <a:ahLst/>
-              <a:cxnLst/>
-              <a:rect l="0" t="0" r="r" b="b"/>
-              <a:pathLst>
-                <a:path w="40" h="40">
-                  <a:moveTo>
-                    <a:pt x="20" y="40"/>
-                  </a:moveTo>
-                  <a:cubicBezTo>
-                    <a:pt x="9" y="40"/>
-                    <a:pt x="0" y="31"/>
-                    <a:pt x="0" y="20"/>
-                  </a:cubicBezTo>
-                  <a:cubicBezTo>
-                    <a:pt x="0" y="9"/>
-                    <a:pt x="9" y="0"/>
-                    <a:pt x="20" y="0"/>
-                  </a:cubicBezTo>
-                  <a:cubicBezTo>
-                    <a:pt x="31" y="0"/>
-                    <a:pt x="40" y="9"/>
-                    <a:pt x="40" y="20"/>
-                  </a:cubicBezTo>
-                  <a:cubicBezTo>
-                    <a:pt x="40" y="31"/>
-                    <a:pt x="31" y="40"/>
-                    <a:pt x="20" y="40"/>
-                  </a:cubicBezTo>
-                  <a:close/>
-                  <a:moveTo>
-                    <a:pt x="20" y="4"/>
-                  </a:moveTo>
-                  <a:cubicBezTo>
-                    <a:pt x="12" y="4"/>
-                    <a:pt x="4" y="11"/>
-                    <a:pt x="4" y="20"/>
-                  </a:cubicBezTo>
-                  <a:cubicBezTo>
-                    <a:pt x="4" y="29"/>
-                    <a:pt x="12" y="36"/>
-                    <a:pt x="20" y="36"/>
-                  </a:cubicBezTo>
-                  <a:cubicBezTo>
-                    <a:pt x="29" y="36"/>
-                    <a:pt x="36" y="29"/>
-                    <a:pt x="36" y="20"/>
-                  </a:cubicBezTo>
-                  <a:cubicBezTo>
-                    <a:pt x="36" y="11"/>
-                    <a:pt x="29" y="4"/>
-                    <a:pt x="20" y="4"/>
-                  </a:cubicBezTo>
-                  <a:close/>
-                </a:path>
-              </a:pathLst>
-            </a:custGeom>
-            <a:grpFill/>
-            <a:ln>
-              <a:noFill/>
-            </a:ln>
-            <a:extLst>
-              <a:ext uri="{91240B29-F687-4f45-9708-019B960494DF}">
-                <a14:hiddenLine xmlns:a14="http://schemas.microsoft.com/office/drawing/2010/main" xmlns="" w="9525">
-                  <a:solidFill>
-                    <a:srgbClr val="000000"/>
-                  </a:solidFill>
-                  <a:round/>
-                  <a:headEnd/>
-                  <a:tailEnd/>
-                </a14:hiddenLine>
-              </a:ext>
-            </a:extLst>
-          </p:spPr>
-        </p:sp>
-        <p:sp>
-          <p:nvSpPr>
-            <p:cNvPr id="22" name="Rectangle 41"/>
-            <p:cNvSpPr>
-              <a:spLocks noChangeArrowheads="1"/>
-            </p:cNvSpPr>
-            <p:nvPr>
-              <p:extLst>
-                <p:ext uri="{386F3935-93C4-4BCD-93E2-E3B085C9AB24}">
-                  <p16:designElem xmlns:p16="http://schemas.microsoft.com/office/powerpoint/2015/main" val="1"/>
-                </p:ext>
-              </p:extLst>
-            </p:nvPr>
-          </p:nvSpPr>
-          <p:spPr bwMode="auto">
-            <a:xfrm>
-              <a:off x="11939587" y="6596063"/>
-              <a:ext cx="23813" cy="252413"/>
-            </a:xfrm>
-            <a:prstGeom prst="rect">
-              <a:avLst/>
-            </a:prstGeom>
-            <a:grpFill/>
-            <a:ln>
-              <a:noFill/>
-            </a:ln>
-            <a:extLst>
-              <a:ext uri="{91240B29-F687-4f45-9708-019B960494DF}">
-                <a14:hiddenLine xmlns:a14="http://schemas.microsoft.com/office/drawing/2010/main" xmlns="" w="9525">
-                  <a:solidFill>
-                    <a:srgbClr val="000000"/>
-                  </a:solidFill>
-                  <a:miter lim="800000"/>
-                  <a:headEnd/>
-                  <a:tailEnd/>
-                </a14:hiddenLine>
-              </a:ext>
-            </a:extLst>
-          </p:spPr>
-        </p:sp>
-      </p:grpSp>
-      <p:grpSp>
-        <p:nvGrpSpPr>
-          <p:cNvPr id="24" name="Group 23"/>
-          <p:cNvGrpSpPr>
-            <a:grpSpLocks noGrp="1" noUngrp="1" noRot="1" noChangeAspect="1" noMove="1" noResize="1"/>
-          </p:cNvGrpSpPr>
-          <p:nvPr>
-            <p:extLst>
-              <p:ext uri="{386F3935-93C4-4BCD-93E2-E3B085C9AB24}">
-                <p16:designElem xmlns:p16="http://schemas.microsoft.com/office/powerpoint/2015/main" val="1"/>
-              </p:ext>
-            </p:extLst>
-          </p:nvPr>
-        </p:nvGrpSpPr>
-        <p:grpSpPr>
-          <a:xfrm>
-            <a:off x="0" y="0"/>
-            <a:ext cx="2305051" cy="6858001"/>
-            <a:chOff x="0" y="0"/>
-            <a:chExt cx="2305051" cy="6858001"/>
-          </a:xfrm>
-          <a:solidFill>
-            <a:schemeClr val="tx1">
-              <a:alpha val="70000"/>
-            </a:schemeClr>
-          </a:solidFill>
-          <a:effectLst/>
-        </p:grpSpPr>
-        <p:sp>
-          <p:nvSpPr>
-            <p:cNvPr id="25" name="Rectangle 5"/>
-            <p:cNvSpPr>
-              <a:spLocks noChangeArrowheads="1"/>
-            </p:cNvSpPr>
-            <p:nvPr>
-              <p:extLst>
-                <p:ext uri="{386F3935-93C4-4BCD-93E2-E3B085C9AB24}">
-                  <p16:designElem xmlns:p16="http://schemas.microsoft.com/office/powerpoint/2015/main" val="1"/>
-                </p:ext>
-              </p:extLst>
-            </p:nvPr>
-          </p:nvSpPr>
-          <p:spPr bwMode="auto">
-            <a:xfrm>
-              <a:off x="1209675" y="4763"/>
-              <a:ext cx="23813" cy="2181225"/>
-            </a:xfrm>
-            <a:prstGeom prst="rect">
-              <a:avLst/>
-            </a:prstGeom>
-            <a:grpFill/>
-            <a:ln>
-              <a:noFill/>
-            </a:ln>
-            <a:extLst>
-              <a:ext uri="{91240B29-F687-4f45-9708-019B960494DF}">
-                <a14:hiddenLine xmlns:a14="http://schemas.microsoft.com/office/drawing/2010/main" xmlns="" w="9525">
-                  <a:solidFill>
-                    <a:srgbClr val="000000"/>
-                  </a:solidFill>
-                  <a:miter lim="800000"/>
-                  <a:headEnd/>
-                  <a:tailEnd/>
-                </a14:hiddenLine>
-              </a:ext>
-            </a:extLst>
-          </p:spPr>
-        </p:sp>
-        <p:sp>
-          <p:nvSpPr>
-            <p:cNvPr id="26" name="Freeform 6"/>
-            <p:cNvSpPr>
-              <a:spLocks noEditPoints="1"/>
-            </p:cNvSpPr>
-            <p:nvPr>
-              <p:extLst>
-                <p:ext uri="{386F3935-93C4-4BCD-93E2-E3B085C9AB24}">
-                  <p16:designElem xmlns:p16="http://schemas.microsoft.com/office/powerpoint/2015/main" val="1"/>
-                </p:ext>
-              </p:extLst>
-            </p:nvPr>
-          </p:nvSpPr>
-          <p:spPr bwMode="auto">
-            <a:xfrm>
-              <a:off x="1128713" y="2176463"/>
-              <a:ext cx="190500" cy="190500"/>
-            </a:xfrm>
-            <a:custGeom>
-              <a:avLst/>
-              <a:gdLst/>
-              <a:ahLst/>
-              <a:cxnLst/>
-              <a:rect l="0" t="0" r="r" b="b"/>
-              <a:pathLst>
-                <a:path w="40" h="40">
-                  <a:moveTo>
-                    <a:pt x="20" y="40"/>
-                  </a:moveTo>
-                  <a:cubicBezTo>
-                    <a:pt x="9" y="40"/>
-                    <a:pt x="0" y="31"/>
-                    <a:pt x="0" y="20"/>
-                  </a:cubicBezTo>
-                  <a:cubicBezTo>
-                    <a:pt x="0" y="9"/>
-                    <a:pt x="9" y="0"/>
-                    <a:pt x="20" y="0"/>
-                  </a:cubicBezTo>
-                  <a:cubicBezTo>
-                    <a:pt x="31" y="0"/>
-                    <a:pt x="40" y="9"/>
-                    <a:pt x="40" y="20"/>
-                  </a:cubicBezTo>
-                  <a:cubicBezTo>
-                    <a:pt x="40" y="31"/>
-                    <a:pt x="31" y="40"/>
-                    <a:pt x="20" y="40"/>
-                  </a:cubicBezTo>
-                  <a:close/>
-                  <a:moveTo>
-                    <a:pt x="20" y="4"/>
-                  </a:moveTo>
-                  <a:cubicBezTo>
-                    <a:pt x="11" y="4"/>
-                    <a:pt x="4" y="11"/>
-                    <a:pt x="4" y="20"/>
-                  </a:cubicBezTo>
-                  <a:cubicBezTo>
-                    <a:pt x="4" y="29"/>
-                    <a:pt x="11" y="36"/>
-                    <a:pt x="20" y="36"/>
-                  </a:cubicBezTo>
-                  <a:cubicBezTo>
-                    <a:pt x="28" y="36"/>
-                    <a:pt x="36" y="29"/>
-                    <a:pt x="36" y="20"/>
-                  </a:cubicBezTo>
-                  <a:cubicBezTo>
-                    <a:pt x="36" y="11"/>
-                    <a:pt x="28" y="4"/>
-                    <a:pt x="20" y="4"/>
-                  </a:cubicBezTo>
-                  <a:close/>
-                </a:path>
-              </a:pathLst>
-            </a:custGeom>
-            <a:grpFill/>
-            <a:ln>
-              <a:noFill/>
-            </a:ln>
-            <a:extLst>
-              <a:ext uri="{91240B29-F687-4f45-9708-019B960494DF}">
-                <a14:hiddenLine xmlns:a14="http://schemas.microsoft.com/office/drawing/2010/main" xmlns="" w="9525">
-                  <a:solidFill>
-                    <a:srgbClr val="000000"/>
-                  </a:solidFill>
-                  <a:round/>
-                  <a:headEnd/>
-                  <a:tailEnd/>
-                </a14:hiddenLine>
-              </a:ext>
-            </a:extLst>
-          </p:spPr>
-        </p:sp>
-        <p:sp>
-          <p:nvSpPr>
-            <p:cNvPr id="27" name="Freeform 7"/>
-            <p:cNvSpPr>
-              <a:spLocks noEditPoints="1"/>
-            </p:cNvSpPr>
-            <p:nvPr>
-              <p:extLst>
-                <p:ext uri="{386F3935-93C4-4BCD-93E2-E3B085C9AB24}">
-                  <p16:designElem xmlns:p16="http://schemas.microsoft.com/office/powerpoint/2015/main" val="1"/>
-                </p:ext>
-              </p:extLst>
-            </p:nvPr>
-          </p:nvSpPr>
-          <p:spPr bwMode="auto">
-            <a:xfrm>
-              <a:off x="1123950" y="4021138"/>
-              <a:ext cx="190500" cy="188913"/>
-            </a:xfrm>
-            <a:custGeom>
-              <a:avLst/>
-              <a:gdLst/>
-              <a:ahLst/>
-              <a:cxnLst/>
-              <a:rect l="0" t="0" r="r" b="b"/>
-              <a:pathLst>
-                <a:path w="40" h="40">
-                  <a:moveTo>
-                    <a:pt x="20" y="40"/>
-                  </a:moveTo>
-                  <a:cubicBezTo>
-                    <a:pt x="9" y="40"/>
-                    <a:pt x="0" y="31"/>
-                    <a:pt x="0" y="20"/>
-                  </a:cubicBezTo>
-                  <a:cubicBezTo>
-                    <a:pt x="0" y="9"/>
-                    <a:pt x="9" y="0"/>
-                    <a:pt x="20" y="0"/>
-                  </a:cubicBezTo>
-                  <a:cubicBezTo>
-                    <a:pt x="31" y="0"/>
-                    <a:pt x="40" y="9"/>
-                    <a:pt x="40" y="20"/>
-                  </a:cubicBezTo>
-                  <a:cubicBezTo>
-                    <a:pt x="40" y="31"/>
-                    <a:pt x="31" y="40"/>
-                    <a:pt x="20" y="40"/>
-                  </a:cubicBezTo>
-                  <a:close/>
-                  <a:moveTo>
-                    <a:pt x="20" y="4"/>
-                  </a:moveTo>
-                  <a:cubicBezTo>
-                    <a:pt x="11" y="4"/>
-                    <a:pt x="4" y="11"/>
-                    <a:pt x="4" y="20"/>
-                  </a:cubicBezTo>
-                  <a:cubicBezTo>
-                    <a:pt x="4" y="29"/>
-                    <a:pt x="11" y="36"/>
-                    <a:pt x="20" y="36"/>
-                  </a:cubicBezTo>
-                  <a:cubicBezTo>
-                    <a:pt x="29" y="36"/>
-                    <a:pt x="36" y="29"/>
-                    <a:pt x="36" y="20"/>
-                  </a:cubicBezTo>
-                  <a:cubicBezTo>
-                    <a:pt x="36" y="11"/>
-                    <a:pt x="29" y="4"/>
-                    <a:pt x="20" y="4"/>
-                  </a:cubicBezTo>
-                  <a:close/>
-                </a:path>
-              </a:pathLst>
-            </a:custGeom>
-            <a:grpFill/>
-            <a:ln>
-              <a:noFill/>
-            </a:ln>
-            <a:extLst>
-              <a:ext uri="{91240B29-F687-4f45-9708-019B960494DF}">
-                <a14:hiddenLine xmlns:a14="http://schemas.microsoft.com/office/drawing/2010/main" xmlns="" w="9525">
-                  <a:solidFill>
-                    <a:srgbClr val="000000"/>
-                  </a:solidFill>
-                  <a:round/>
-                  <a:headEnd/>
-                  <a:tailEnd/>
-                </a14:hiddenLine>
-              </a:ext>
-            </a:extLst>
-          </p:spPr>
-        </p:sp>
-        <p:sp>
-          <p:nvSpPr>
-            <p:cNvPr id="28" name="Rectangle 8"/>
-            <p:cNvSpPr>
-              <a:spLocks noChangeArrowheads="1"/>
-            </p:cNvSpPr>
-            <p:nvPr>
-              <p:extLst>
-                <p:ext uri="{386F3935-93C4-4BCD-93E2-E3B085C9AB24}">
-                  <p16:designElem xmlns:p16="http://schemas.microsoft.com/office/powerpoint/2015/main" val="1"/>
-                </p:ext>
-              </p:extLst>
-            </p:nvPr>
-          </p:nvSpPr>
-          <p:spPr bwMode="auto">
-            <a:xfrm>
-              <a:off x="414338" y="9525"/>
-              <a:ext cx="28575" cy="4481513"/>
-            </a:xfrm>
-            <a:prstGeom prst="rect">
-              <a:avLst/>
-            </a:prstGeom>
-            <a:grpFill/>
-            <a:ln>
-              <a:noFill/>
-            </a:ln>
-            <a:extLst>
-              <a:ext uri="{91240B29-F687-4f45-9708-019B960494DF}">
-                <a14:hiddenLine xmlns:a14="http://schemas.microsoft.com/office/drawing/2010/main" xmlns="" w="9525">
-                  <a:solidFill>
-                    <a:srgbClr val="000000"/>
-                  </a:solidFill>
-                  <a:miter lim="800000"/>
-                  <a:headEnd/>
-                  <a:tailEnd/>
-                </a14:hiddenLine>
-              </a:ext>
-            </a:extLst>
-          </p:spPr>
-        </p:sp>
-        <p:sp>
-          <p:nvSpPr>
-            <p:cNvPr id="29" name="Freeform 9"/>
-            <p:cNvSpPr>
-              <a:spLocks noEditPoints="1"/>
-            </p:cNvSpPr>
-            <p:nvPr>
-              <p:extLst>
-                <p:ext uri="{386F3935-93C4-4BCD-93E2-E3B085C9AB24}">
-                  <p16:designElem xmlns:p16="http://schemas.microsoft.com/office/powerpoint/2015/main" val="1"/>
-                </p:ext>
-              </p:extLst>
-            </p:nvPr>
-          </p:nvSpPr>
-          <p:spPr bwMode="auto">
-            <a:xfrm>
-              <a:off x="333375" y="4481513"/>
-              <a:ext cx="190500" cy="190500"/>
-            </a:xfrm>
-            <a:custGeom>
-              <a:avLst/>
-              <a:gdLst/>
-              <a:ahLst/>
-              <a:cxnLst/>
-              <a:rect l="0" t="0" r="r" b="b"/>
-              <a:pathLst>
-                <a:path w="40" h="40">
-                  <a:moveTo>
-                    <a:pt x="20" y="40"/>
-                  </a:moveTo>
-                  <a:cubicBezTo>
-                    <a:pt x="9" y="40"/>
-                    <a:pt x="0" y="31"/>
-                    <a:pt x="0" y="20"/>
-                  </a:cubicBezTo>
-                  <a:cubicBezTo>
-                    <a:pt x="0" y="9"/>
-                    <a:pt x="9" y="0"/>
-                    <a:pt x="20" y="0"/>
-                  </a:cubicBezTo>
-                  <a:cubicBezTo>
-                    <a:pt x="31" y="0"/>
-                    <a:pt x="40" y="9"/>
-                    <a:pt x="40" y="20"/>
-                  </a:cubicBezTo>
-                  <a:cubicBezTo>
-                    <a:pt x="40" y="31"/>
-                    <a:pt x="31" y="40"/>
-                    <a:pt x="20" y="40"/>
-                  </a:cubicBezTo>
-                  <a:close/>
-                  <a:moveTo>
-                    <a:pt x="20" y="4"/>
-                  </a:moveTo>
-                  <a:cubicBezTo>
-                    <a:pt x="11" y="4"/>
-                    <a:pt x="4" y="11"/>
-                    <a:pt x="4" y="20"/>
-                  </a:cubicBezTo>
-                  <a:cubicBezTo>
-                    <a:pt x="4" y="29"/>
-                    <a:pt x="11" y="36"/>
-                    <a:pt x="20" y="36"/>
-                  </a:cubicBezTo>
-                  <a:cubicBezTo>
-                    <a:pt x="29" y="36"/>
-                    <a:pt x="36" y="29"/>
-                    <a:pt x="36" y="20"/>
-                  </a:cubicBezTo>
-                  <a:cubicBezTo>
-                    <a:pt x="36" y="11"/>
-                    <a:pt x="29" y="4"/>
-                    <a:pt x="20" y="4"/>
-                  </a:cubicBezTo>
-                  <a:close/>
-                </a:path>
-              </a:pathLst>
-            </a:custGeom>
-            <a:grpFill/>
-            <a:ln>
-              <a:noFill/>
-            </a:ln>
-            <a:extLst>
-              <a:ext uri="{91240B29-F687-4f45-9708-019B960494DF}">
-                <a14:hiddenLine xmlns:a14="http://schemas.microsoft.com/office/drawing/2010/main" xmlns="" w="9525">
-                  <a:solidFill>
-                    <a:srgbClr val="000000"/>
-                  </a:solidFill>
-                  <a:round/>
-                  <a:headEnd/>
-                  <a:tailEnd/>
-                </a14:hiddenLine>
-              </a:ext>
-            </a:extLst>
-          </p:spPr>
-        </p:sp>
-        <p:sp>
-          <p:nvSpPr>
-            <p:cNvPr id="30" name="Freeform 10"/>
-            <p:cNvSpPr/>
-            <p:nvPr>
-              <p:extLst>
-                <p:ext uri="{386F3935-93C4-4BCD-93E2-E3B085C9AB24}">
-                  <p16:designElem xmlns:p16="http://schemas.microsoft.com/office/powerpoint/2015/main" val="1"/>
-                </p:ext>
-              </p:extLst>
-            </p:nvPr>
-          </p:nvSpPr>
-          <p:spPr bwMode="auto">
-            <a:xfrm>
-              <a:off x="190500" y="9525"/>
-              <a:ext cx="152400" cy="908050"/>
-            </a:xfrm>
-            <a:custGeom>
-              <a:avLst/>
-              <a:gdLst/>
-              <a:ahLst/>
-              <a:cxnLst/>
-              <a:rect l="0" t="0" r="r" b="b"/>
-              <a:pathLst>
-                <a:path w="96" h="572">
-                  <a:moveTo>
-                    <a:pt x="15" y="572"/>
-                  </a:moveTo>
-                  <a:lnTo>
-                    <a:pt x="0" y="566"/>
-                  </a:lnTo>
-                  <a:lnTo>
-                    <a:pt x="81" y="380"/>
-                  </a:lnTo>
-                  <a:lnTo>
-                    <a:pt x="81" y="0"/>
-                  </a:lnTo>
-                  <a:lnTo>
-                    <a:pt x="96" y="0"/>
-                  </a:lnTo>
-                  <a:lnTo>
-                    <a:pt x="96" y="383"/>
-                  </a:lnTo>
-                  <a:lnTo>
-                    <a:pt x="15" y="572"/>
-                  </a:lnTo>
-                  <a:close/>
-                </a:path>
-              </a:pathLst>
-            </a:custGeom>
-            <a:grpFill/>
-            <a:ln>
-              <a:noFill/>
-            </a:ln>
-            <a:extLst>
-              <a:ext uri="{91240B29-F687-4f45-9708-019B960494DF}">
-                <a14:hiddenLine xmlns:a14="http://schemas.microsoft.com/office/drawing/2010/main" xmlns="" w="9525">
-                  <a:solidFill>
-                    <a:srgbClr val="000000"/>
-                  </a:solidFill>
-                  <a:round/>
-                  <a:headEnd/>
-                  <a:tailEnd/>
-                </a14:hiddenLine>
-              </a:ext>
-            </a:extLst>
-          </p:spPr>
-        </p:sp>
-        <p:sp>
-          <p:nvSpPr>
-            <p:cNvPr id="31" name="Freeform 11"/>
-            <p:cNvSpPr/>
-            <p:nvPr>
-              <p:extLst>
-                <p:ext uri="{386F3935-93C4-4BCD-93E2-E3B085C9AB24}">
-                  <p16:designElem xmlns:p16="http://schemas.microsoft.com/office/powerpoint/2015/main" val="1"/>
-                </p:ext>
-              </p:extLst>
-            </p:nvPr>
-          </p:nvSpPr>
-          <p:spPr bwMode="auto">
-            <a:xfrm>
-              <a:off x="1290638" y="14288"/>
-              <a:ext cx="376238" cy="1801813"/>
-            </a:xfrm>
-            <a:custGeom>
-              <a:avLst/>
-              <a:gdLst/>
-              <a:ahLst/>
-              <a:cxnLst/>
-              <a:rect l="0" t="0" r="r" b="b"/>
-              <a:pathLst>
-                <a:path w="237" h="1135">
-                  <a:moveTo>
-                    <a:pt x="222" y="1135"/>
-                  </a:moveTo>
-                  <a:lnTo>
-                    <a:pt x="0" y="620"/>
-                  </a:lnTo>
-                  <a:lnTo>
-                    <a:pt x="0" y="0"/>
-                  </a:lnTo>
-                  <a:lnTo>
-                    <a:pt x="18" y="0"/>
-                  </a:lnTo>
-                  <a:lnTo>
-                    <a:pt x="18" y="617"/>
-                  </a:lnTo>
-                  <a:lnTo>
-                    <a:pt x="237" y="1129"/>
-                  </a:lnTo>
-                  <a:lnTo>
-                    <a:pt x="222" y="1135"/>
-                  </a:lnTo>
-                  <a:close/>
-                </a:path>
-              </a:pathLst>
-            </a:custGeom>
-            <a:grpFill/>
-            <a:ln>
-              <a:noFill/>
-            </a:ln>
-            <a:extLst>
-              <a:ext uri="{91240B29-F687-4f45-9708-019B960494DF}">
-                <a14:hiddenLine xmlns:a14="http://schemas.microsoft.com/office/drawing/2010/main" xmlns="" w="9525">
-                  <a:solidFill>
-                    <a:srgbClr val="000000"/>
-                  </a:solidFill>
-                  <a:round/>
-                  <a:headEnd/>
-                  <a:tailEnd/>
-                </a14:hiddenLine>
-              </a:ext>
-            </a:extLst>
-          </p:spPr>
-        </p:sp>
-        <p:sp>
-          <p:nvSpPr>
-            <p:cNvPr id="32" name="Freeform 12"/>
-            <p:cNvSpPr>
-              <a:spLocks noEditPoints="1"/>
-            </p:cNvSpPr>
-            <p:nvPr>
-              <p:extLst>
-                <p:ext uri="{386F3935-93C4-4BCD-93E2-E3B085C9AB24}">
-                  <p16:designElem xmlns:p16="http://schemas.microsoft.com/office/powerpoint/2015/main" val="1"/>
-                </p:ext>
-              </p:extLst>
-            </p:nvPr>
-          </p:nvSpPr>
-          <p:spPr bwMode="auto">
-            <a:xfrm>
-              <a:off x="1600200" y="1801813"/>
-              <a:ext cx="190500" cy="188913"/>
-            </a:xfrm>
-            <a:custGeom>
-              <a:avLst/>
-              <a:gdLst/>
-              <a:ahLst/>
-              <a:cxnLst/>
-              <a:rect l="0" t="0" r="r" b="b"/>
-              <a:pathLst>
-                <a:path w="40" h="40">
-                  <a:moveTo>
-                    <a:pt x="20" y="40"/>
-                  </a:moveTo>
-                  <a:cubicBezTo>
-                    <a:pt x="9" y="40"/>
-                    <a:pt x="0" y="31"/>
-                    <a:pt x="0" y="20"/>
-                  </a:cubicBezTo>
-                  <a:cubicBezTo>
-                    <a:pt x="0" y="9"/>
-                    <a:pt x="9" y="0"/>
-                    <a:pt x="20" y="0"/>
-                  </a:cubicBezTo>
-                  <a:cubicBezTo>
-                    <a:pt x="31" y="0"/>
-                    <a:pt x="40" y="9"/>
-                    <a:pt x="40" y="20"/>
-                  </a:cubicBezTo>
-                  <a:cubicBezTo>
-                    <a:pt x="40" y="31"/>
-                    <a:pt x="31" y="40"/>
-                    <a:pt x="20" y="40"/>
-                  </a:cubicBezTo>
-                  <a:close/>
-                  <a:moveTo>
-                    <a:pt x="20" y="4"/>
-                  </a:moveTo>
-                  <a:cubicBezTo>
-                    <a:pt x="11" y="4"/>
-                    <a:pt x="4" y="11"/>
-                    <a:pt x="4" y="20"/>
-                  </a:cubicBezTo>
-                  <a:cubicBezTo>
-                    <a:pt x="4" y="29"/>
-                    <a:pt x="11" y="36"/>
-                    <a:pt x="20" y="36"/>
-                  </a:cubicBezTo>
-                  <a:cubicBezTo>
-                    <a:pt x="28" y="36"/>
-                    <a:pt x="36" y="29"/>
-                    <a:pt x="36" y="20"/>
-                  </a:cubicBezTo>
-                  <a:cubicBezTo>
-                    <a:pt x="36" y="11"/>
-                    <a:pt x="28" y="4"/>
-                    <a:pt x="20" y="4"/>
-                  </a:cubicBezTo>
-                  <a:close/>
-                </a:path>
-              </a:pathLst>
-            </a:custGeom>
-            <a:grpFill/>
-            <a:ln>
-              <a:noFill/>
-            </a:ln>
-            <a:extLst>
-              <a:ext uri="{91240B29-F687-4f45-9708-019B960494DF}">
-                <a14:hiddenLine xmlns:a14="http://schemas.microsoft.com/office/drawing/2010/main" xmlns="" w="9525">
-                  <a:solidFill>
-                    <a:srgbClr val="000000"/>
-                  </a:solidFill>
-                  <a:round/>
-                  <a:headEnd/>
-                  <a:tailEnd/>
-                </a14:hiddenLine>
-              </a:ext>
-            </a:extLst>
-          </p:spPr>
-        </p:sp>
-        <p:sp>
-          <p:nvSpPr>
-            <p:cNvPr id="33" name="Freeform 13"/>
-            <p:cNvSpPr/>
-            <p:nvPr>
-              <p:extLst>
-                <p:ext uri="{386F3935-93C4-4BCD-93E2-E3B085C9AB24}">
-                  <p16:designElem xmlns:p16="http://schemas.microsoft.com/office/powerpoint/2015/main" val="1"/>
-                </p:ext>
-              </p:extLst>
-            </p:nvPr>
-          </p:nvSpPr>
-          <p:spPr bwMode="auto">
-            <a:xfrm>
-              <a:off x="1381125" y="9525"/>
-              <a:ext cx="371475" cy="1425575"/>
-            </a:xfrm>
-            <a:custGeom>
-              <a:avLst/>
-              <a:gdLst/>
-              <a:ahLst/>
-              <a:cxnLst/>
-              <a:rect l="0" t="0" r="r" b="b"/>
-              <a:pathLst>
-                <a:path w="234" h="898">
-                  <a:moveTo>
-                    <a:pt x="219" y="898"/>
-                  </a:moveTo>
-                  <a:lnTo>
-                    <a:pt x="0" y="383"/>
-                  </a:lnTo>
-                  <a:lnTo>
-                    <a:pt x="0" y="0"/>
-                  </a:lnTo>
-                  <a:lnTo>
-                    <a:pt x="15" y="0"/>
-                  </a:lnTo>
-                  <a:lnTo>
-                    <a:pt x="15" y="380"/>
-                  </a:lnTo>
-                  <a:lnTo>
-                    <a:pt x="234" y="892"/>
-                  </a:lnTo>
-                  <a:lnTo>
-                    <a:pt x="219" y="898"/>
-                  </a:lnTo>
-                  <a:close/>
-                </a:path>
-              </a:pathLst>
-            </a:custGeom>
-            <a:grpFill/>
-            <a:ln>
-              <a:noFill/>
-            </a:ln>
-            <a:extLst>
-              <a:ext uri="{91240B29-F687-4f45-9708-019B960494DF}">
-                <a14:hiddenLine xmlns:a14="http://schemas.microsoft.com/office/drawing/2010/main" xmlns="" w="9525">
-                  <a:solidFill>
-                    <a:srgbClr val="000000"/>
-                  </a:solidFill>
-                  <a:round/>
-                  <a:headEnd/>
-                  <a:tailEnd/>
-                </a14:hiddenLine>
-              </a:ext>
-            </a:extLst>
-          </p:spPr>
-        </p:sp>
-        <p:sp>
-          <p:nvSpPr>
-            <p:cNvPr id="34" name="Freeform 14"/>
-            <p:cNvSpPr/>
-            <p:nvPr>
-              <p:extLst>
-                <p:ext uri="{386F3935-93C4-4BCD-93E2-E3B085C9AB24}">
-                  <p16:designElem xmlns:p16="http://schemas.microsoft.com/office/powerpoint/2015/main" val="1"/>
-                </p:ext>
-              </p:extLst>
-            </p:nvPr>
-          </p:nvSpPr>
-          <p:spPr bwMode="auto">
-            <a:xfrm>
-              <a:off x="1643063" y="0"/>
-              <a:ext cx="152400" cy="912813"/>
-            </a:xfrm>
-            <a:custGeom>
-              <a:avLst/>
-              <a:gdLst/>
-              <a:ahLst/>
-              <a:cxnLst/>
-              <a:rect l="0" t="0" r="r" b="b"/>
-              <a:pathLst>
-                <a:path w="96" h="575">
-                  <a:moveTo>
-                    <a:pt x="96" y="575"/>
-                  </a:moveTo>
-                  <a:lnTo>
-                    <a:pt x="78" y="575"/>
-                  </a:lnTo>
-                  <a:lnTo>
-                    <a:pt x="78" y="192"/>
-                  </a:lnTo>
-                  <a:lnTo>
-                    <a:pt x="0" y="6"/>
-                  </a:lnTo>
-                  <a:lnTo>
-                    <a:pt x="15" y="0"/>
-                  </a:lnTo>
-                  <a:lnTo>
-                    <a:pt x="96" y="189"/>
-                  </a:lnTo>
-                  <a:lnTo>
-                    <a:pt x="96" y="575"/>
-                  </a:lnTo>
-                  <a:close/>
-                </a:path>
-              </a:pathLst>
-            </a:custGeom>
-            <a:grpFill/>
-            <a:ln>
-              <a:noFill/>
-            </a:ln>
-            <a:extLst>
-              <a:ext uri="{91240B29-F687-4f45-9708-019B960494DF}">
-                <a14:hiddenLine xmlns:a14="http://schemas.microsoft.com/office/drawing/2010/main" xmlns="" w="9525">
-                  <a:solidFill>
-                    <a:srgbClr val="000000"/>
-                  </a:solidFill>
-                  <a:round/>
-                  <a:headEnd/>
-                  <a:tailEnd/>
-                </a14:hiddenLine>
-              </a:ext>
-            </a:extLst>
-          </p:spPr>
-        </p:sp>
-        <p:sp>
-          <p:nvSpPr>
-            <p:cNvPr id="35" name="Freeform 15"/>
-            <p:cNvSpPr>
-              <a:spLocks noEditPoints="1"/>
-            </p:cNvSpPr>
-            <p:nvPr>
-              <p:extLst>
-                <p:ext uri="{386F3935-93C4-4BCD-93E2-E3B085C9AB24}">
-                  <p16:designElem xmlns:p16="http://schemas.microsoft.com/office/powerpoint/2015/main" val="1"/>
-                </p:ext>
-              </p:extLst>
-            </p:nvPr>
-          </p:nvSpPr>
-          <p:spPr bwMode="auto">
-            <a:xfrm>
-              <a:off x="1685925" y="1420813"/>
-              <a:ext cx="190500" cy="190500"/>
-            </a:xfrm>
-            <a:custGeom>
-              <a:avLst/>
-              <a:gdLst/>
-              <a:ahLst/>
-              <a:cxnLst/>
-              <a:rect l="0" t="0" r="r" b="b"/>
-              <a:pathLst>
-                <a:path w="40" h="40">
-                  <a:moveTo>
-                    <a:pt x="20" y="40"/>
-                  </a:moveTo>
-                  <a:cubicBezTo>
-                    <a:pt x="9" y="40"/>
-                    <a:pt x="0" y="31"/>
-                    <a:pt x="0" y="20"/>
-                  </a:cubicBezTo>
-                  <a:cubicBezTo>
-                    <a:pt x="0" y="9"/>
-                    <a:pt x="9" y="0"/>
-                    <a:pt x="20" y="0"/>
-                  </a:cubicBezTo>
-                  <a:cubicBezTo>
-                    <a:pt x="31" y="0"/>
-                    <a:pt x="40" y="9"/>
-                    <a:pt x="40" y="20"/>
-                  </a:cubicBezTo>
-                  <a:cubicBezTo>
-                    <a:pt x="40" y="31"/>
-                    <a:pt x="31" y="40"/>
-                    <a:pt x="20" y="40"/>
-                  </a:cubicBezTo>
-                  <a:close/>
-                  <a:moveTo>
-                    <a:pt x="20" y="4"/>
-                  </a:moveTo>
-                  <a:cubicBezTo>
-                    <a:pt x="11" y="4"/>
-                    <a:pt x="4" y="11"/>
-                    <a:pt x="4" y="20"/>
-                  </a:cubicBezTo>
-                  <a:cubicBezTo>
-                    <a:pt x="4" y="29"/>
-                    <a:pt x="11" y="36"/>
-                    <a:pt x="20" y="36"/>
-                  </a:cubicBezTo>
-                  <a:cubicBezTo>
-                    <a:pt x="29" y="36"/>
-                    <a:pt x="36" y="29"/>
-                    <a:pt x="36" y="20"/>
-                  </a:cubicBezTo>
-                  <a:cubicBezTo>
-                    <a:pt x="36" y="11"/>
-                    <a:pt x="29" y="4"/>
-                    <a:pt x="20" y="4"/>
-                  </a:cubicBezTo>
-                  <a:close/>
-                </a:path>
-              </a:pathLst>
-            </a:custGeom>
-            <a:grpFill/>
-            <a:ln>
-              <a:noFill/>
-            </a:ln>
-            <a:extLst>
-              <a:ext uri="{91240B29-F687-4f45-9708-019B960494DF}">
-                <a14:hiddenLine xmlns:a14="http://schemas.microsoft.com/office/drawing/2010/main" xmlns="" w="9525">
-                  <a:solidFill>
-                    <a:srgbClr val="000000"/>
-                  </a:solidFill>
-                  <a:round/>
-                  <a:headEnd/>
-                  <a:tailEnd/>
-                </a14:hiddenLine>
-              </a:ext>
-            </a:extLst>
-          </p:spPr>
-        </p:sp>
-        <p:sp>
-          <p:nvSpPr>
-            <p:cNvPr id="36" name="Freeform 16"/>
-            <p:cNvSpPr>
-              <a:spLocks noEditPoints="1"/>
-            </p:cNvSpPr>
-            <p:nvPr>
-              <p:extLst>
-                <p:ext uri="{386F3935-93C4-4BCD-93E2-E3B085C9AB24}">
-                  <p16:designElem xmlns:p16="http://schemas.microsoft.com/office/powerpoint/2015/main" val="1"/>
-                </p:ext>
-              </p:extLst>
-            </p:nvPr>
-          </p:nvSpPr>
-          <p:spPr bwMode="auto">
-            <a:xfrm>
-              <a:off x="1685925" y="903288"/>
-              <a:ext cx="190500" cy="190500"/>
-            </a:xfrm>
-            <a:custGeom>
-              <a:avLst/>
-              <a:gdLst/>
-              <a:ahLst/>
-              <a:cxnLst/>
-              <a:rect l="0" t="0" r="r" b="b"/>
-              <a:pathLst>
-                <a:path w="40" h="40">
-                  <a:moveTo>
-                    <a:pt x="20" y="40"/>
-                  </a:moveTo>
-                  <a:cubicBezTo>
-                    <a:pt x="9" y="40"/>
-                    <a:pt x="0" y="31"/>
-                    <a:pt x="0" y="20"/>
-                  </a:cubicBezTo>
-                  <a:cubicBezTo>
-                    <a:pt x="0" y="9"/>
-                    <a:pt x="9" y="0"/>
-                    <a:pt x="20" y="0"/>
-                  </a:cubicBezTo>
-                  <a:cubicBezTo>
-                    <a:pt x="31" y="0"/>
-                    <a:pt x="40" y="9"/>
-                    <a:pt x="40" y="20"/>
-                  </a:cubicBezTo>
-                  <a:cubicBezTo>
-                    <a:pt x="40" y="31"/>
-                    <a:pt x="31" y="40"/>
-                    <a:pt x="20" y="40"/>
-                  </a:cubicBezTo>
-                  <a:close/>
-                  <a:moveTo>
-                    <a:pt x="20" y="4"/>
-                  </a:moveTo>
-                  <a:cubicBezTo>
-                    <a:pt x="11" y="4"/>
-                    <a:pt x="4" y="11"/>
-                    <a:pt x="4" y="20"/>
-                  </a:cubicBezTo>
-                  <a:cubicBezTo>
-                    <a:pt x="4" y="29"/>
-                    <a:pt x="11" y="36"/>
-                    <a:pt x="20" y="36"/>
-                  </a:cubicBezTo>
-                  <a:cubicBezTo>
-                    <a:pt x="29" y="36"/>
-                    <a:pt x="36" y="29"/>
-                    <a:pt x="36" y="20"/>
-                  </a:cubicBezTo>
-                  <a:cubicBezTo>
-                    <a:pt x="36" y="11"/>
-                    <a:pt x="29" y="4"/>
-                    <a:pt x="20" y="4"/>
-                  </a:cubicBezTo>
-                  <a:close/>
-                </a:path>
-              </a:pathLst>
-            </a:custGeom>
-            <a:grpFill/>
-            <a:ln>
-              <a:noFill/>
-            </a:ln>
-            <a:extLst>
-              <a:ext uri="{91240B29-F687-4f45-9708-019B960494DF}">
-                <a14:hiddenLine xmlns:a14="http://schemas.microsoft.com/office/drawing/2010/main" xmlns="" w="9525">
-                  <a:solidFill>
-                    <a:srgbClr val="000000"/>
-                  </a:solidFill>
-                  <a:round/>
-                  <a:headEnd/>
-                  <a:tailEnd/>
-                </a14:hiddenLine>
-              </a:ext>
-            </a:extLst>
-          </p:spPr>
-        </p:sp>
-        <p:sp>
-          <p:nvSpPr>
-            <p:cNvPr id="37" name="Freeform 17"/>
-            <p:cNvSpPr/>
-            <p:nvPr>
-              <p:extLst>
-                <p:ext uri="{386F3935-93C4-4BCD-93E2-E3B085C9AB24}">
-                  <p16:designElem xmlns:p16="http://schemas.microsoft.com/office/powerpoint/2015/main" val="1"/>
-                </p:ext>
-              </p:extLst>
-            </p:nvPr>
-          </p:nvSpPr>
-          <p:spPr bwMode="auto">
-            <a:xfrm>
-              <a:off x="1743075" y="4763"/>
-              <a:ext cx="419100" cy="522288"/>
-            </a:xfrm>
-            <a:custGeom>
-              <a:avLst/>
-              <a:gdLst/>
-              <a:ahLst/>
-              <a:cxnLst/>
-              <a:rect l="0" t="0" r="r" b="b"/>
-              <a:pathLst>
-                <a:path w="264" h="329">
-                  <a:moveTo>
-                    <a:pt x="252" y="329"/>
-                  </a:moveTo>
-                  <a:lnTo>
-                    <a:pt x="45" y="120"/>
-                  </a:lnTo>
-                  <a:lnTo>
-                    <a:pt x="0" y="6"/>
-                  </a:lnTo>
-                  <a:lnTo>
-                    <a:pt x="15" y="0"/>
-                  </a:lnTo>
-                  <a:lnTo>
-                    <a:pt x="60" y="111"/>
-                  </a:lnTo>
-                  <a:lnTo>
-                    <a:pt x="264" y="317"/>
-                  </a:lnTo>
-                  <a:lnTo>
-                    <a:pt x="252" y="329"/>
-                  </a:lnTo>
-                  <a:close/>
-                </a:path>
-              </a:pathLst>
-            </a:custGeom>
-            <a:grpFill/>
-            <a:ln>
-              <a:noFill/>
-            </a:ln>
-            <a:extLst>
-              <a:ext uri="{91240B29-F687-4f45-9708-019B960494DF}">
-                <a14:hiddenLine xmlns:a14="http://schemas.microsoft.com/office/drawing/2010/main" xmlns="" w="9525">
-                  <a:solidFill>
-                    <a:srgbClr val="000000"/>
-                  </a:solidFill>
-                  <a:round/>
-                  <a:headEnd/>
-                  <a:tailEnd/>
-                </a14:hiddenLine>
-              </a:ext>
-            </a:extLst>
-          </p:spPr>
-        </p:sp>
-        <p:sp>
-          <p:nvSpPr>
-            <p:cNvPr id="38" name="Freeform 18"/>
-            <p:cNvSpPr>
-              <a:spLocks noEditPoints="1"/>
-            </p:cNvSpPr>
-            <p:nvPr>
-              <p:extLst>
-                <p:ext uri="{386F3935-93C4-4BCD-93E2-E3B085C9AB24}">
-                  <p16:designElem xmlns:p16="http://schemas.microsoft.com/office/powerpoint/2015/main" val="1"/>
-                </p:ext>
-              </p:extLst>
-            </p:nvPr>
-          </p:nvSpPr>
-          <p:spPr bwMode="auto">
-            <a:xfrm>
-              <a:off x="2119313" y="488950"/>
-              <a:ext cx="161925" cy="147638"/>
-            </a:xfrm>
-            <a:custGeom>
-              <a:avLst/>
-              <a:gdLst/>
-              <a:ahLst/>
-              <a:cxnLst/>
-              <a:rect l="0" t="0" r="r" b="b"/>
-              <a:pathLst>
-                <a:path w="34" h="31">
-                  <a:moveTo>
-                    <a:pt x="17" y="31"/>
-                  </a:moveTo>
-                  <a:cubicBezTo>
-                    <a:pt x="13" y="31"/>
-                    <a:pt x="9" y="30"/>
-                    <a:pt x="6" y="27"/>
-                  </a:cubicBezTo>
-                  <a:cubicBezTo>
-                    <a:pt x="0" y="20"/>
-                    <a:pt x="0" y="10"/>
-                    <a:pt x="6" y="4"/>
-                  </a:cubicBezTo>
-                  <a:cubicBezTo>
-                    <a:pt x="9" y="1"/>
-                    <a:pt x="13" y="0"/>
-                    <a:pt x="17" y="0"/>
-                  </a:cubicBezTo>
-                  <a:cubicBezTo>
-                    <a:pt x="21" y="0"/>
-                    <a:pt x="25" y="1"/>
-                    <a:pt x="28" y="4"/>
-                  </a:cubicBezTo>
-                  <a:cubicBezTo>
-                    <a:pt x="34" y="10"/>
-                    <a:pt x="34" y="20"/>
-                    <a:pt x="28" y="27"/>
-                  </a:cubicBezTo>
-                  <a:cubicBezTo>
-                    <a:pt x="25" y="30"/>
-                    <a:pt x="21" y="31"/>
-                    <a:pt x="17" y="31"/>
-                  </a:cubicBezTo>
-                  <a:close/>
-                  <a:moveTo>
-                    <a:pt x="17" y="4"/>
-                  </a:moveTo>
-                  <a:cubicBezTo>
-                    <a:pt x="14" y="4"/>
-                    <a:pt x="11" y="5"/>
-                    <a:pt x="9" y="7"/>
-                  </a:cubicBezTo>
-                  <a:cubicBezTo>
-                    <a:pt x="4" y="12"/>
-                    <a:pt x="4" y="19"/>
-                    <a:pt x="9" y="24"/>
-                  </a:cubicBezTo>
-                  <a:cubicBezTo>
-                    <a:pt x="11" y="26"/>
-                    <a:pt x="14" y="27"/>
-                    <a:pt x="17" y="27"/>
-                  </a:cubicBezTo>
-                  <a:cubicBezTo>
-                    <a:pt x="20" y="27"/>
-                    <a:pt x="23" y="26"/>
-                    <a:pt x="25" y="24"/>
-                  </a:cubicBezTo>
-                  <a:cubicBezTo>
-                    <a:pt x="30" y="19"/>
-                    <a:pt x="30" y="12"/>
-                    <a:pt x="25" y="7"/>
-                  </a:cubicBezTo>
-                  <a:cubicBezTo>
-                    <a:pt x="23" y="5"/>
-                    <a:pt x="20" y="4"/>
-                    <a:pt x="17" y="4"/>
-                  </a:cubicBezTo>
-                  <a:close/>
-                </a:path>
-              </a:pathLst>
-            </a:custGeom>
-            <a:grpFill/>
-            <a:ln>
-              <a:noFill/>
-            </a:ln>
-            <a:extLst>
-              <a:ext uri="{91240B29-F687-4f45-9708-019B960494DF}">
-                <a14:hiddenLine xmlns:a14="http://schemas.microsoft.com/office/drawing/2010/main" xmlns="" w="9525">
-                  <a:solidFill>
-                    <a:srgbClr val="000000"/>
-                  </a:solidFill>
-                  <a:round/>
-                  <a:headEnd/>
-                  <a:tailEnd/>
-                </a14:hiddenLine>
-              </a:ext>
-            </a:extLst>
-          </p:spPr>
-        </p:sp>
-        <p:sp>
-          <p:nvSpPr>
-            <p:cNvPr id="39" name="Freeform 19"/>
-            <p:cNvSpPr/>
-            <p:nvPr>
-              <p:extLst>
-                <p:ext uri="{386F3935-93C4-4BCD-93E2-E3B085C9AB24}">
-                  <p16:designElem xmlns:p16="http://schemas.microsoft.com/office/powerpoint/2015/main" val="1"/>
-                </p:ext>
-              </p:extLst>
-            </p:nvPr>
-          </p:nvSpPr>
-          <p:spPr bwMode="auto">
-            <a:xfrm>
-              <a:off x="952500" y="4763"/>
-              <a:ext cx="152400" cy="908050"/>
-            </a:xfrm>
-            <a:custGeom>
-              <a:avLst/>
-              <a:gdLst/>
-              <a:ahLst/>
-              <a:cxnLst/>
-              <a:rect l="0" t="0" r="r" b="b"/>
-              <a:pathLst>
-                <a:path w="96" h="572">
-                  <a:moveTo>
-                    <a:pt x="15" y="572"/>
-                  </a:moveTo>
-                  <a:lnTo>
-                    <a:pt x="0" y="572"/>
-                  </a:lnTo>
-                  <a:lnTo>
-                    <a:pt x="0" y="189"/>
-                  </a:lnTo>
-                  <a:lnTo>
-                    <a:pt x="81" y="0"/>
-                  </a:lnTo>
-                  <a:lnTo>
-                    <a:pt x="96" y="6"/>
-                  </a:lnTo>
-                  <a:lnTo>
-                    <a:pt x="15" y="192"/>
-                  </a:lnTo>
-                  <a:lnTo>
-                    <a:pt x="15" y="572"/>
-                  </a:lnTo>
-                  <a:close/>
-                </a:path>
-              </a:pathLst>
-            </a:custGeom>
-            <a:grpFill/>
-            <a:ln>
-              <a:noFill/>
-            </a:ln>
-            <a:extLst>
-              <a:ext uri="{91240B29-F687-4f45-9708-019B960494DF}">
-                <a14:hiddenLine xmlns:a14="http://schemas.microsoft.com/office/drawing/2010/main" xmlns="" w="9525">
-                  <a:solidFill>
-                    <a:srgbClr val="000000"/>
-                  </a:solidFill>
-                  <a:round/>
-                  <a:headEnd/>
-                  <a:tailEnd/>
-                </a14:hiddenLine>
-              </a:ext>
-            </a:extLst>
-          </p:spPr>
-        </p:sp>
-        <p:sp>
-          <p:nvSpPr>
-            <p:cNvPr id="40" name="Freeform 20"/>
-            <p:cNvSpPr>
-              <a:spLocks noEditPoints="1"/>
-            </p:cNvSpPr>
-            <p:nvPr>
-              <p:extLst>
-                <p:ext uri="{386F3935-93C4-4BCD-93E2-E3B085C9AB24}">
-                  <p16:designElem xmlns:p16="http://schemas.microsoft.com/office/powerpoint/2015/main" val="1"/>
-                </p:ext>
-              </p:extLst>
-            </p:nvPr>
-          </p:nvSpPr>
-          <p:spPr bwMode="auto">
-            <a:xfrm>
-              <a:off x="866775" y="903288"/>
-              <a:ext cx="190500" cy="190500"/>
-            </a:xfrm>
-            <a:custGeom>
-              <a:avLst/>
-              <a:gdLst/>
-              <a:ahLst/>
-              <a:cxnLst/>
-              <a:rect l="0" t="0" r="r" b="b"/>
-              <a:pathLst>
-                <a:path w="40" h="40">
-                  <a:moveTo>
-                    <a:pt x="20" y="40"/>
-                  </a:moveTo>
-                  <a:cubicBezTo>
-                    <a:pt x="9" y="40"/>
-                    <a:pt x="0" y="31"/>
-                    <a:pt x="0" y="20"/>
-                  </a:cubicBezTo>
-                  <a:cubicBezTo>
-                    <a:pt x="0" y="9"/>
-                    <a:pt x="9" y="0"/>
-                    <a:pt x="20" y="0"/>
-                  </a:cubicBezTo>
-                  <a:cubicBezTo>
-                    <a:pt x="31" y="0"/>
-                    <a:pt x="40" y="9"/>
-                    <a:pt x="40" y="20"/>
-                  </a:cubicBezTo>
-                  <a:cubicBezTo>
-                    <a:pt x="40" y="31"/>
-                    <a:pt x="31" y="40"/>
-                    <a:pt x="20" y="40"/>
-                  </a:cubicBezTo>
-                  <a:close/>
-                  <a:moveTo>
-                    <a:pt x="20" y="4"/>
-                  </a:moveTo>
-                  <a:cubicBezTo>
-                    <a:pt x="11" y="4"/>
-                    <a:pt x="4" y="12"/>
-                    <a:pt x="4" y="20"/>
-                  </a:cubicBezTo>
-                  <a:cubicBezTo>
-                    <a:pt x="4" y="29"/>
-                    <a:pt x="11" y="36"/>
-                    <a:pt x="20" y="36"/>
-                  </a:cubicBezTo>
-                  <a:cubicBezTo>
-                    <a:pt x="29" y="36"/>
-                    <a:pt x="36" y="29"/>
-                    <a:pt x="36" y="20"/>
-                  </a:cubicBezTo>
-                  <a:cubicBezTo>
-                    <a:pt x="36" y="12"/>
-                    <a:pt x="29" y="4"/>
-                    <a:pt x="20" y="4"/>
-                  </a:cubicBezTo>
-                  <a:close/>
-                </a:path>
-              </a:pathLst>
-            </a:custGeom>
-            <a:grpFill/>
-            <a:ln>
-              <a:noFill/>
-            </a:ln>
-            <a:extLst>
-              <a:ext uri="{91240B29-F687-4f45-9708-019B960494DF}">
-                <a14:hiddenLine xmlns:a14="http://schemas.microsoft.com/office/drawing/2010/main" xmlns="" w="9525">
-                  <a:solidFill>
-                    <a:srgbClr val="000000"/>
-                  </a:solidFill>
-                  <a:round/>
-                  <a:headEnd/>
-                  <a:tailEnd/>
-                </a14:hiddenLine>
-              </a:ext>
-            </a:extLst>
-          </p:spPr>
-        </p:sp>
-        <p:sp>
-          <p:nvSpPr>
-            <p:cNvPr id="41" name="Freeform 21"/>
-            <p:cNvSpPr>
-              <a:spLocks noEditPoints="1"/>
-            </p:cNvSpPr>
-            <p:nvPr>
-              <p:extLst>
-                <p:ext uri="{386F3935-93C4-4BCD-93E2-E3B085C9AB24}">
-                  <p16:designElem xmlns:p16="http://schemas.microsoft.com/office/powerpoint/2015/main" val="1"/>
-                </p:ext>
-              </p:extLst>
-            </p:nvPr>
-          </p:nvSpPr>
-          <p:spPr bwMode="auto">
-            <a:xfrm>
-              <a:off x="890588" y="1554163"/>
-              <a:ext cx="190500" cy="190500"/>
-            </a:xfrm>
-            <a:custGeom>
-              <a:avLst/>
-              <a:gdLst/>
-              <a:ahLst/>
-              <a:cxnLst/>
-              <a:rect l="0" t="0" r="r" b="b"/>
-              <a:pathLst>
-                <a:path w="40" h="40">
-                  <a:moveTo>
-                    <a:pt x="20" y="40"/>
-                  </a:moveTo>
-                  <a:cubicBezTo>
-                    <a:pt x="9" y="40"/>
-                    <a:pt x="0" y="31"/>
-                    <a:pt x="0" y="20"/>
-                  </a:cubicBezTo>
-                  <a:cubicBezTo>
-                    <a:pt x="0" y="9"/>
-                    <a:pt x="9" y="0"/>
-                    <a:pt x="20" y="0"/>
-                  </a:cubicBezTo>
-                  <a:cubicBezTo>
-                    <a:pt x="31" y="0"/>
-                    <a:pt x="40" y="9"/>
-                    <a:pt x="40" y="20"/>
-                  </a:cubicBezTo>
-                  <a:cubicBezTo>
-                    <a:pt x="40" y="31"/>
-                    <a:pt x="31" y="40"/>
-                    <a:pt x="20" y="40"/>
-                  </a:cubicBezTo>
-                  <a:close/>
-                  <a:moveTo>
-                    <a:pt x="20" y="4"/>
-                  </a:moveTo>
-                  <a:cubicBezTo>
-                    <a:pt x="11" y="4"/>
-                    <a:pt x="4" y="11"/>
-                    <a:pt x="4" y="20"/>
-                  </a:cubicBezTo>
-                  <a:cubicBezTo>
-                    <a:pt x="4" y="28"/>
-                    <a:pt x="11" y="36"/>
-                    <a:pt x="20" y="36"/>
-                  </a:cubicBezTo>
-                  <a:cubicBezTo>
-                    <a:pt x="29" y="36"/>
-                    <a:pt x="36" y="28"/>
-                    <a:pt x="36" y="20"/>
-                  </a:cubicBezTo>
-                  <a:cubicBezTo>
-                    <a:pt x="36" y="11"/>
-                    <a:pt x="29" y="4"/>
-                    <a:pt x="20" y="4"/>
-                  </a:cubicBezTo>
-                  <a:close/>
-                </a:path>
-              </a:pathLst>
-            </a:custGeom>
-            <a:grpFill/>
-            <a:ln>
-              <a:noFill/>
-            </a:ln>
-            <a:extLst>
-              <a:ext uri="{91240B29-F687-4f45-9708-019B960494DF}">
-                <a14:hiddenLine xmlns:a14="http://schemas.microsoft.com/office/drawing/2010/main" xmlns="" w="9525">
-                  <a:solidFill>
-                    <a:srgbClr val="000000"/>
-                  </a:solidFill>
-                  <a:round/>
-                  <a:headEnd/>
-                  <a:tailEnd/>
-                </a14:hiddenLine>
-              </a:ext>
-            </a:extLst>
-          </p:spPr>
-        </p:sp>
-        <p:sp>
-          <p:nvSpPr>
-            <p:cNvPr id="42" name="Freeform 22"/>
-            <p:cNvSpPr/>
-            <p:nvPr>
-              <p:extLst>
-                <p:ext uri="{386F3935-93C4-4BCD-93E2-E3B085C9AB24}">
-                  <p16:designElem xmlns:p16="http://schemas.microsoft.com/office/powerpoint/2015/main" val="1"/>
-                </p:ext>
-              </p:extLst>
-            </p:nvPr>
-          </p:nvSpPr>
-          <p:spPr bwMode="auto">
-            <a:xfrm>
-              <a:off x="738188" y="5622925"/>
-              <a:ext cx="338138" cy="1216025"/>
-            </a:xfrm>
-            <a:custGeom>
-              <a:avLst/>
-              <a:gdLst/>
-              <a:ahLst/>
-              <a:cxnLst/>
-              <a:rect l="0" t="0" r="r" b="b"/>
-              <a:pathLst>
-                <a:path w="213" h="766">
-                  <a:moveTo>
-                    <a:pt x="213" y="766"/>
-                  </a:moveTo>
-                  <a:lnTo>
-                    <a:pt x="195" y="766"/>
-                  </a:lnTo>
-                  <a:lnTo>
-                    <a:pt x="195" y="464"/>
-                  </a:lnTo>
-                  <a:lnTo>
-                    <a:pt x="0" y="6"/>
-                  </a:lnTo>
-                  <a:lnTo>
-                    <a:pt x="12" y="0"/>
-                  </a:lnTo>
-                  <a:lnTo>
-                    <a:pt x="213" y="461"/>
-                  </a:lnTo>
-                  <a:lnTo>
-                    <a:pt x="213" y="766"/>
-                  </a:lnTo>
-                  <a:close/>
-                </a:path>
-              </a:pathLst>
-            </a:custGeom>
-            <a:grpFill/>
-            <a:ln>
-              <a:noFill/>
-            </a:ln>
-            <a:extLst>
-              <a:ext uri="{91240B29-F687-4f45-9708-019B960494DF}">
-                <a14:hiddenLine xmlns:a14="http://schemas.microsoft.com/office/drawing/2010/main" xmlns="" w="9525">
-                  <a:solidFill>
-                    <a:srgbClr val="000000"/>
-                  </a:solidFill>
-                  <a:round/>
-                  <a:headEnd/>
-                  <a:tailEnd/>
-                </a14:hiddenLine>
-              </a:ext>
-            </a:extLst>
-          </p:spPr>
-        </p:sp>
-        <p:sp>
-          <p:nvSpPr>
-            <p:cNvPr id="43" name="Freeform 23"/>
-            <p:cNvSpPr>
-              <a:spLocks noEditPoints="1"/>
-            </p:cNvSpPr>
-            <p:nvPr>
-              <p:extLst>
-                <p:ext uri="{386F3935-93C4-4BCD-93E2-E3B085C9AB24}">
-                  <p16:designElem xmlns:p16="http://schemas.microsoft.com/office/powerpoint/2015/main" val="1"/>
-                </p:ext>
-              </p:extLst>
-            </p:nvPr>
-          </p:nvSpPr>
-          <p:spPr bwMode="auto">
-            <a:xfrm>
-              <a:off x="647700" y="5480050"/>
-              <a:ext cx="157163" cy="157163"/>
-            </a:xfrm>
-            <a:custGeom>
-              <a:avLst/>
-              <a:gdLst/>
-              <a:ahLst/>
-              <a:cxnLst/>
-              <a:rect l="0" t="0" r="r" b="b"/>
-              <a:pathLst>
-                <a:path w="33" h="33">
-                  <a:moveTo>
-                    <a:pt x="17" y="33"/>
-                  </a:moveTo>
-                  <a:cubicBezTo>
-                    <a:pt x="8" y="33"/>
-                    <a:pt x="0" y="26"/>
-                    <a:pt x="0" y="17"/>
-                  </a:cubicBezTo>
-                  <a:cubicBezTo>
-                    <a:pt x="0" y="8"/>
-                    <a:pt x="8" y="0"/>
-                    <a:pt x="17" y="0"/>
-                  </a:cubicBezTo>
-                  <a:cubicBezTo>
-                    <a:pt x="26" y="0"/>
-                    <a:pt x="33" y="8"/>
-                    <a:pt x="33" y="17"/>
-                  </a:cubicBezTo>
-                  <a:cubicBezTo>
-                    <a:pt x="33" y="26"/>
-                    <a:pt x="26" y="33"/>
-                    <a:pt x="17" y="33"/>
-                  </a:cubicBezTo>
-                  <a:close/>
-                  <a:moveTo>
-                    <a:pt x="17" y="4"/>
-                  </a:moveTo>
-                  <a:cubicBezTo>
-                    <a:pt x="10" y="4"/>
-                    <a:pt x="4" y="10"/>
-                    <a:pt x="4" y="17"/>
-                  </a:cubicBezTo>
-                  <a:cubicBezTo>
-                    <a:pt x="4" y="24"/>
-                    <a:pt x="10" y="29"/>
-                    <a:pt x="17" y="29"/>
-                  </a:cubicBezTo>
-                  <a:cubicBezTo>
-                    <a:pt x="23" y="29"/>
-                    <a:pt x="29" y="24"/>
-                    <a:pt x="29" y="17"/>
-                  </a:cubicBezTo>
-                  <a:cubicBezTo>
-                    <a:pt x="29" y="10"/>
-                    <a:pt x="23" y="4"/>
-                    <a:pt x="17" y="4"/>
-                  </a:cubicBezTo>
-                  <a:close/>
-                </a:path>
-              </a:pathLst>
-            </a:custGeom>
-            <a:grpFill/>
-            <a:ln>
-              <a:noFill/>
-            </a:ln>
-            <a:extLst>
-              <a:ext uri="{91240B29-F687-4f45-9708-019B960494DF}">
-                <a14:hiddenLine xmlns:a14="http://schemas.microsoft.com/office/drawing/2010/main" xmlns="" w="9525">
-                  <a:solidFill>
-                    <a:srgbClr val="000000"/>
-                  </a:solidFill>
-                  <a:round/>
-                  <a:headEnd/>
-                  <a:tailEnd/>
-                </a14:hiddenLine>
-              </a:ext>
-            </a:extLst>
-          </p:spPr>
-        </p:sp>
-        <p:sp>
-          <p:nvSpPr>
-            <p:cNvPr id="44" name="Freeform 24"/>
-            <p:cNvSpPr>
-              <a:spLocks noEditPoints="1"/>
-            </p:cNvSpPr>
-            <p:nvPr>
-              <p:extLst>
-                <p:ext uri="{386F3935-93C4-4BCD-93E2-E3B085C9AB24}">
-                  <p16:designElem xmlns:p16="http://schemas.microsoft.com/office/powerpoint/2015/main" val="1"/>
-                </p:ext>
-              </p:extLst>
-            </p:nvPr>
-          </p:nvSpPr>
-          <p:spPr bwMode="auto">
-            <a:xfrm>
-              <a:off x="66675" y="903288"/>
-              <a:ext cx="190500" cy="190500"/>
-            </a:xfrm>
-            <a:custGeom>
-              <a:avLst/>
-              <a:gdLst/>
-              <a:ahLst/>
-              <a:cxnLst/>
-              <a:rect l="0" t="0" r="r" b="b"/>
-              <a:pathLst>
-                <a:path w="40" h="40">
-                  <a:moveTo>
-                    <a:pt x="20" y="40"/>
-                  </a:moveTo>
-                  <a:cubicBezTo>
-                    <a:pt x="9" y="40"/>
-                    <a:pt x="0" y="31"/>
-                    <a:pt x="0" y="20"/>
-                  </a:cubicBezTo>
-                  <a:cubicBezTo>
-                    <a:pt x="0" y="9"/>
-                    <a:pt x="9" y="0"/>
-                    <a:pt x="20" y="0"/>
-                  </a:cubicBezTo>
-                  <a:cubicBezTo>
-                    <a:pt x="32" y="0"/>
-                    <a:pt x="40" y="9"/>
-                    <a:pt x="40" y="20"/>
-                  </a:cubicBezTo>
-                  <a:cubicBezTo>
-                    <a:pt x="40" y="31"/>
-                    <a:pt x="32" y="40"/>
-                    <a:pt x="20" y="40"/>
-                  </a:cubicBezTo>
-                  <a:close/>
-                  <a:moveTo>
-                    <a:pt x="20" y="4"/>
-                  </a:moveTo>
-                  <a:cubicBezTo>
-                    <a:pt x="12" y="4"/>
-                    <a:pt x="4" y="12"/>
-                    <a:pt x="4" y="20"/>
-                  </a:cubicBezTo>
-                  <a:cubicBezTo>
-                    <a:pt x="4" y="29"/>
-                    <a:pt x="12" y="36"/>
-                    <a:pt x="20" y="36"/>
-                  </a:cubicBezTo>
-                  <a:cubicBezTo>
-                    <a:pt x="29" y="36"/>
-                    <a:pt x="36" y="29"/>
-                    <a:pt x="36" y="20"/>
-                  </a:cubicBezTo>
-                  <a:cubicBezTo>
-                    <a:pt x="36" y="12"/>
-                    <a:pt x="29" y="4"/>
-                    <a:pt x="20" y="4"/>
-                  </a:cubicBezTo>
-                  <a:close/>
-                </a:path>
-              </a:pathLst>
-            </a:custGeom>
-            <a:grpFill/>
-            <a:ln>
-              <a:noFill/>
-            </a:ln>
-            <a:extLst>
-              <a:ext uri="{91240B29-F687-4f45-9708-019B960494DF}">
-                <a14:hiddenLine xmlns:a14="http://schemas.microsoft.com/office/drawing/2010/main" xmlns="" w="9525">
-                  <a:solidFill>
-                    <a:srgbClr val="000000"/>
-                  </a:solidFill>
-                  <a:round/>
-                  <a:headEnd/>
-                  <a:tailEnd/>
-                </a14:hiddenLine>
-              </a:ext>
-            </a:extLst>
-          </p:spPr>
-        </p:sp>
-        <p:sp>
-          <p:nvSpPr>
-            <p:cNvPr id="45" name="Freeform 25"/>
-            <p:cNvSpPr/>
-            <p:nvPr>
-              <p:extLst>
-                <p:ext uri="{386F3935-93C4-4BCD-93E2-E3B085C9AB24}">
-                  <p16:designElem xmlns:p16="http://schemas.microsoft.com/office/powerpoint/2015/main" val="1"/>
-                </p:ext>
-              </p:extLst>
-            </p:nvPr>
-          </p:nvSpPr>
-          <p:spPr bwMode="auto">
-            <a:xfrm>
-              <a:off x="0" y="3897313"/>
-              <a:ext cx="133350" cy="266700"/>
-            </a:xfrm>
-            <a:custGeom>
-              <a:avLst/>
-              <a:gdLst/>
-              <a:ahLst/>
-              <a:cxnLst/>
-              <a:rect l="0" t="0" r="r" b="b"/>
-              <a:pathLst>
-                <a:path w="84" h="168">
-                  <a:moveTo>
-                    <a:pt x="69" y="168"/>
-                  </a:moveTo>
-                  <a:lnTo>
-                    <a:pt x="0" y="6"/>
-                  </a:lnTo>
-                  <a:lnTo>
-                    <a:pt x="12" y="0"/>
-                  </a:lnTo>
-                  <a:lnTo>
-                    <a:pt x="84" y="162"/>
-                  </a:lnTo>
-                  <a:lnTo>
-                    <a:pt x="69" y="168"/>
-                  </a:lnTo>
-                  <a:close/>
-                </a:path>
-              </a:pathLst>
-            </a:custGeom>
-            <a:grpFill/>
-            <a:ln>
-              <a:noFill/>
-            </a:ln>
-            <a:extLst>
-              <a:ext uri="{91240B29-F687-4f45-9708-019B960494DF}">
-                <a14:hiddenLine xmlns:a14="http://schemas.microsoft.com/office/drawing/2010/main" xmlns="" w="9525">
-                  <a:solidFill>
-                    <a:srgbClr val="000000"/>
-                  </a:solidFill>
-                  <a:round/>
-                  <a:headEnd/>
-                  <a:tailEnd/>
-                </a14:hiddenLine>
-              </a:ext>
-            </a:extLst>
-          </p:spPr>
-        </p:sp>
-        <p:sp>
-          <p:nvSpPr>
-            <p:cNvPr id="46" name="Freeform 26"/>
-            <p:cNvSpPr>
-              <a:spLocks noEditPoints="1"/>
-            </p:cNvSpPr>
-            <p:nvPr>
-              <p:extLst>
-                <p:ext uri="{386F3935-93C4-4BCD-93E2-E3B085C9AB24}">
-                  <p16:designElem xmlns:p16="http://schemas.microsoft.com/office/powerpoint/2015/main" val="1"/>
-                </p:ext>
-              </p:extLst>
-            </p:nvPr>
-          </p:nvSpPr>
-          <p:spPr bwMode="auto">
-            <a:xfrm>
-              <a:off x="66675" y="4149725"/>
-              <a:ext cx="190500" cy="188913"/>
-            </a:xfrm>
-            <a:custGeom>
-              <a:avLst/>
-              <a:gdLst/>
-              <a:ahLst/>
-              <a:cxnLst/>
-              <a:rect l="0" t="0" r="r" b="b"/>
-              <a:pathLst>
-                <a:path w="40" h="40">
-                  <a:moveTo>
-                    <a:pt x="20" y="40"/>
-                  </a:moveTo>
-                  <a:cubicBezTo>
-                    <a:pt x="9" y="40"/>
-                    <a:pt x="0" y="31"/>
-                    <a:pt x="0" y="20"/>
-                  </a:cubicBezTo>
-                  <a:cubicBezTo>
-                    <a:pt x="0" y="9"/>
-                    <a:pt x="9" y="0"/>
-                    <a:pt x="20" y="0"/>
-                  </a:cubicBezTo>
-                  <a:cubicBezTo>
-                    <a:pt x="31" y="0"/>
-                    <a:pt x="40" y="9"/>
-                    <a:pt x="40" y="20"/>
-                  </a:cubicBezTo>
-                  <a:cubicBezTo>
-                    <a:pt x="40" y="31"/>
-                    <a:pt x="31" y="40"/>
-                    <a:pt x="20" y="40"/>
-                  </a:cubicBezTo>
-                  <a:close/>
-                  <a:moveTo>
-                    <a:pt x="20" y="4"/>
-                  </a:moveTo>
-                  <a:cubicBezTo>
-                    <a:pt x="11" y="4"/>
-                    <a:pt x="4" y="11"/>
-                    <a:pt x="4" y="20"/>
-                  </a:cubicBezTo>
-                  <a:cubicBezTo>
-                    <a:pt x="4" y="28"/>
-                    <a:pt x="11" y="36"/>
-                    <a:pt x="20" y="36"/>
-                  </a:cubicBezTo>
-                  <a:cubicBezTo>
-                    <a:pt x="29" y="36"/>
-                    <a:pt x="36" y="28"/>
-                    <a:pt x="36" y="20"/>
-                  </a:cubicBezTo>
-                  <a:cubicBezTo>
-                    <a:pt x="36" y="11"/>
-                    <a:pt x="29" y="4"/>
-                    <a:pt x="20" y="4"/>
-                  </a:cubicBezTo>
-                  <a:close/>
-                </a:path>
-              </a:pathLst>
-            </a:custGeom>
-            <a:grpFill/>
-            <a:ln>
-              <a:noFill/>
-            </a:ln>
-            <a:extLst>
-              <a:ext uri="{91240B29-F687-4f45-9708-019B960494DF}">
-                <a14:hiddenLine xmlns:a14="http://schemas.microsoft.com/office/drawing/2010/main" xmlns="" w="9525">
-                  <a:solidFill>
-                    <a:srgbClr val="000000"/>
-                  </a:solidFill>
-                  <a:round/>
-                  <a:headEnd/>
-                  <a:tailEnd/>
-                </a14:hiddenLine>
-              </a:ext>
-            </a:extLst>
-          </p:spPr>
-        </p:sp>
-        <p:sp>
-          <p:nvSpPr>
-            <p:cNvPr id="47" name="Freeform 27"/>
-            <p:cNvSpPr/>
-            <p:nvPr>
-              <p:extLst>
-                <p:ext uri="{386F3935-93C4-4BCD-93E2-E3B085C9AB24}">
-                  <p16:designElem xmlns:p16="http://schemas.microsoft.com/office/powerpoint/2015/main" val="1"/>
-                </p:ext>
-              </p:extLst>
-            </p:nvPr>
-          </p:nvSpPr>
-          <p:spPr bwMode="auto">
-            <a:xfrm>
-              <a:off x="0" y="1644650"/>
-              <a:ext cx="133350" cy="269875"/>
-            </a:xfrm>
-            <a:custGeom>
-              <a:avLst/>
-              <a:gdLst/>
-              <a:ahLst/>
-              <a:cxnLst/>
-              <a:rect l="0" t="0" r="r" b="b"/>
-              <a:pathLst>
-                <a:path w="84" h="170">
-                  <a:moveTo>
-                    <a:pt x="12" y="170"/>
-                  </a:moveTo>
-                  <a:lnTo>
-                    <a:pt x="0" y="164"/>
-                  </a:lnTo>
-                  <a:lnTo>
-                    <a:pt x="69" y="0"/>
-                  </a:lnTo>
-                  <a:lnTo>
-                    <a:pt x="84" y="6"/>
-                  </a:lnTo>
-                  <a:lnTo>
-                    <a:pt x="12" y="170"/>
-                  </a:lnTo>
-                  <a:close/>
-                </a:path>
-              </a:pathLst>
-            </a:custGeom>
-            <a:grpFill/>
-            <a:ln>
-              <a:noFill/>
-            </a:ln>
-            <a:extLst>
-              <a:ext uri="{91240B29-F687-4f45-9708-019B960494DF}">
-                <a14:hiddenLine xmlns:a14="http://schemas.microsoft.com/office/drawing/2010/main" xmlns="" w="9525">
-                  <a:solidFill>
-                    <a:srgbClr val="000000"/>
-                  </a:solidFill>
-                  <a:round/>
-                  <a:headEnd/>
-                  <a:tailEnd/>
-                </a14:hiddenLine>
-              </a:ext>
-            </a:extLst>
-          </p:spPr>
-        </p:sp>
-        <p:sp>
-          <p:nvSpPr>
-            <p:cNvPr id="48" name="Freeform 28"/>
-            <p:cNvSpPr>
-              <a:spLocks noEditPoints="1"/>
-            </p:cNvSpPr>
-            <p:nvPr>
-              <p:extLst>
-                <p:ext uri="{386F3935-93C4-4BCD-93E2-E3B085C9AB24}">
-                  <p16:designElem xmlns:p16="http://schemas.microsoft.com/office/powerpoint/2015/main" val="1"/>
-                </p:ext>
-              </p:extLst>
-            </p:nvPr>
-          </p:nvSpPr>
-          <p:spPr bwMode="auto">
-            <a:xfrm>
-              <a:off x="66675" y="1468438"/>
-              <a:ext cx="190500" cy="190500"/>
-            </a:xfrm>
-            <a:custGeom>
-              <a:avLst/>
-              <a:gdLst/>
-              <a:ahLst/>
-              <a:cxnLst/>
-              <a:rect l="0" t="0" r="r" b="b"/>
-              <a:pathLst>
-                <a:path w="40" h="40">
-                  <a:moveTo>
-                    <a:pt x="20" y="40"/>
-                  </a:moveTo>
-                  <a:cubicBezTo>
-                    <a:pt x="9" y="40"/>
-                    <a:pt x="0" y="31"/>
-                    <a:pt x="0" y="20"/>
-                  </a:cubicBezTo>
-                  <a:cubicBezTo>
-                    <a:pt x="0" y="9"/>
-                    <a:pt x="9" y="0"/>
-                    <a:pt x="20" y="0"/>
-                  </a:cubicBezTo>
-                  <a:cubicBezTo>
-                    <a:pt x="31" y="0"/>
-                    <a:pt x="40" y="9"/>
-                    <a:pt x="40" y="20"/>
-                  </a:cubicBezTo>
-                  <a:cubicBezTo>
-                    <a:pt x="40" y="31"/>
-                    <a:pt x="31" y="40"/>
-                    <a:pt x="20" y="40"/>
-                  </a:cubicBezTo>
-                  <a:close/>
-                  <a:moveTo>
-                    <a:pt x="20" y="4"/>
-                  </a:moveTo>
-                  <a:cubicBezTo>
-                    <a:pt x="11" y="4"/>
-                    <a:pt x="4" y="11"/>
-                    <a:pt x="4" y="20"/>
-                  </a:cubicBezTo>
-                  <a:cubicBezTo>
-                    <a:pt x="4" y="28"/>
-                    <a:pt x="11" y="36"/>
-                    <a:pt x="20" y="36"/>
-                  </a:cubicBezTo>
-                  <a:cubicBezTo>
-                    <a:pt x="29" y="36"/>
-                    <a:pt x="36" y="28"/>
-                    <a:pt x="36" y="20"/>
-                  </a:cubicBezTo>
-                  <a:cubicBezTo>
-                    <a:pt x="36" y="11"/>
-                    <a:pt x="29" y="4"/>
-                    <a:pt x="20" y="4"/>
-                  </a:cubicBezTo>
-                  <a:close/>
-                </a:path>
-              </a:pathLst>
-            </a:custGeom>
-            <a:grpFill/>
-            <a:ln>
-              <a:noFill/>
-            </a:ln>
-            <a:extLst>
-              <a:ext uri="{91240B29-F687-4f45-9708-019B960494DF}">
-                <a14:hiddenLine xmlns:a14="http://schemas.microsoft.com/office/drawing/2010/main" xmlns="" w="9525">
-                  <a:solidFill>
-                    <a:srgbClr val="000000"/>
-                  </a:solidFill>
-                  <a:round/>
-                  <a:headEnd/>
-                  <a:tailEnd/>
-                </a14:hiddenLine>
-              </a:ext>
-            </a:extLst>
-          </p:spPr>
-        </p:sp>
-        <p:sp>
-          <p:nvSpPr>
-            <p:cNvPr id="49" name="Freeform 29"/>
-            <p:cNvSpPr/>
-            <p:nvPr>
-              <p:extLst>
-                <p:ext uri="{386F3935-93C4-4BCD-93E2-E3B085C9AB24}">
-                  <p16:designElem xmlns:p16="http://schemas.microsoft.com/office/powerpoint/2015/main" val="1"/>
-                </p:ext>
-              </p:extLst>
-            </p:nvPr>
-          </p:nvSpPr>
-          <p:spPr bwMode="auto">
-            <a:xfrm>
-              <a:off x="695325" y="4763"/>
-              <a:ext cx="309563" cy="1558925"/>
-            </a:xfrm>
-            <a:custGeom>
-              <a:avLst/>
-              <a:gdLst/>
-              <a:ahLst/>
-              <a:cxnLst/>
-              <a:rect l="0" t="0" r="r" b="b"/>
-              <a:pathLst>
-                <a:path w="195" h="982">
-                  <a:moveTo>
-                    <a:pt x="195" y="982"/>
-                  </a:moveTo>
-                  <a:lnTo>
-                    <a:pt x="177" y="982"/>
-                  </a:lnTo>
-                  <a:lnTo>
-                    <a:pt x="177" y="805"/>
-                  </a:lnTo>
-                  <a:lnTo>
-                    <a:pt x="0" y="629"/>
-                  </a:lnTo>
-                  <a:lnTo>
-                    <a:pt x="0" y="0"/>
-                  </a:lnTo>
-                  <a:lnTo>
-                    <a:pt x="18" y="0"/>
-                  </a:lnTo>
-                  <a:lnTo>
-                    <a:pt x="18" y="623"/>
-                  </a:lnTo>
-                  <a:lnTo>
-                    <a:pt x="195" y="796"/>
-                  </a:lnTo>
-                  <a:lnTo>
-                    <a:pt x="195" y="982"/>
-                  </a:lnTo>
-                  <a:close/>
-                </a:path>
-              </a:pathLst>
-            </a:custGeom>
-            <a:grpFill/>
-            <a:ln>
-              <a:noFill/>
-            </a:ln>
-            <a:extLst>
-              <a:ext uri="{91240B29-F687-4f45-9708-019B960494DF}">
-                <a14:hiddenLine xmlns:a14="http://schemas.microsoft.com/office/drawing/2010/main" xmlns="" w="9525">
-                  <a:solidFill>
-                    <a:srgbClr val="000000"/>
-                  </a:solidFill>
-                  <a:round/>
-                  <a:headEnd/>
-                  <a:tailEnd/>
-                </a14:hiddenLine>
-              </a:ext>
-            </a:extLst>
-          </p:spPr>
-        </p:sp>
-        <p:sp>
-          <p:nvSpPr>
-            <p:cNvPr id="50" name="Freeform 30"/>
-            <p:cNvSpPr>
-              <a:spLocks noEditPoints="1"/>
-            </p:cNvSpPr>
-            <p:nvPr>
-              <p:extLst>
-                <p:ext uri="{386F3935-93C4-4BCD-93E2-E3B085C9AB24}">
-                  <p16:designElem xmlns:p16="http://schemas.microsoft.com/office/powerpoint/2015/main" val="1"/>
-                </p:ext>
-              </p:extLst>
-            </p:nvPr>
-          </p:nvSpPr>
-          <p:spPr bwMode="auto">
-            <a:xfrm>
-              <a:off x="57150" y="4881563"/>
-              <a:ext cx="190500" cy="188913"/>
-            </a:xfrm>
-            <a:custGeom>
-              <a:avLst/>
-              <a:gdLst/>
-              <a:ahLst/>
-              <a:cxnLst/>
-              <a:rect l="0" t="0" r="r" b="b"/>
-              <a:pathLst>
-                <a:path w="40" h="40">
-                  <a:moveTo>
-                    <a:pt x="20" y="40"/>
-                  </a:moveTo>
-                  <a:cubicBezTo>
-                    <a:pt x="9" y="40"/>
-                    <a:pt x="0" y="31"/>
-                    <a:pt x="0" y="20"/>
-                  </a:cubicBezTo>
-                  <a:cubicBezTo>
-                    <a:pt x="0" y="9"/>
-                    <a:pt x="9" y="0"/>
-                    <a:pt x="20" y="0"/>
-                  </a:cubicBezTo>
-                  <a:cubicBezTo>
-                    <a:pt x="31" y="0"/>
-                    <a:pt x="40" y="9"/>
-                    <a:pt x="40" y="20"/>
-                  </a:cubicBezTo>
-                  <a:cubicBezTo>
-                    <a:pt x="40" y="31"/>
-                    <a:pt x="31" y="40"/>
-                    <a:pt x="20" y="40"/>
-                  </a:cubicBezTo>
-                  <a:close/>
-                  <a:moveTo>
-                    <a:pt x="20" y="4"/>
-                  </a:moveTo>
-                  <a:cubicBezTo>
-                    <a:pt x="12" y="4"/>
-                    <a:pt x="4" y="11"/>
-                    <a:pt x="4" y="20"/>
-                  </a:cubicBezTo>
-                  <a:cubicBezTo>
-                    <a:pt x="4" y="29"/>
-                    <a:pt x="12" y="36"/>
-                    <a:pt x="20" y="36"/>
-                  </a:cubicBezTo>
-                  <a:cubicBezTo>
-                    <a:pt x="29" y="36"/>
-                    <a:pt x="36" y="29"/>
-                    <a:pt x="36" y="20"/>
-                  </a:cubicBezTo>
-                  <a:cubicBezTo>
-                    <a:pt x="36" y="11"/>
-                    <a:pt x="29" y="4"/>
-                    <a:pt x="20" y="4"/>
-                  </a:cubicBezTo>
-                  <a:close/>
-                </a:path>
-              </a:pathLst>
-            </a:custGeom>
-            <a:grpFill/>
-            <a:ln>
-              <a:noFill/>
-            </a:ln>
-            <a:extLst>
-              <a:ext uri="{91240B29-F687-4f45-9708-019B960494DF}">
-                <a14:hiddenLine xmlns:a14="http://schemas.microsoft.com/office/drawing/2010/main" xmlns="" w="9525">
-                  <a:solidFill>
-                    <a:srgbClr val="000000"/>
-                  </a:solidFill>
-                  <a:round/>
-                  <a:headEnd/>
-                  <a:tailEnd/>
-                </a14:hiddenLine>
-              </a:ext>
-            </a:extLst>
-          </p:spPr>
-        </p:sp>
-        <p:sp>
-          <p:nvSpPr>
-            <p:cNvPr id="51" name="Freeform 31"/>
-            <p:cNvSpPr/>
-            <p:nvPr>
-              <p:extLst>
-                <p:ext uri="{386F3935-93C4-4BCD-93E2-E3B085C9AB24}">
-                  <p16:designElem xmlns:p16="http://schemas.microsoft.com/office/powerpoint/2015/main" val="1"/>
-                </p:ext>
-              </p:extLst>
-            </p:nvPr>
-          </p:nvSpPr>
-          <p:spPr bwMode="auto">
-            <a:xfrm>
-              <a:off x="138113" y="5060950"/>
-              <a:ext cx="304800" cy="1778000"/>
-            </a:xfrm>
-            <a:custGeom>
-              <a:avLst/>
-              <a:gdLst/>
-              <a:ahLst/>
-              <a:cxnLst/>
-              <a:rect l="0" t="0" r="r" b="b"/>
-              <a:pathLst>
-                <a:path w="192" h="1120">
-                  <a:moveTo>
-                    <a:pt x="192" y="1120"/>
-                  </a:moveTo>
-                  <a:lnTo>
-                    <a:pt x="177" y="1120"/>
-                  </a:lnTo>
-                  <a:lnTo>
-                    <a:pt x="177" y="360"/>
-                  </a:lnTo>
-                  <a:lnTo>
-                    <a:pt x="0" y="183"/>
-                  </a:lnTo>
-                  <a:lnTo>
-                    <a:pt x="0" y="0"/>
-                  </a:lnTo>
-                  <a:lnTo>
-                    <a:pt x="15" y="0"/>
-                  </a:lnTo>
-                  <a:lnTo>
-                    <a:pt x="15" y="177"/>
-                  </a:lnTo>
-                  <a:lnTo>
-                    <a:pt x="192" y="354"/>
-                  </a:lnTo>
-                  <a:lnTo>
-                    <a:pt x="192" y="1120"/>
-                  </a:lnTo>
-                  <a:close/>
-                </a:path>
-              </a:pathLst>
-            </a:custGeom>
-            <a:grpFill/>
-            <a:ln>
-              <a:noFill/>
-            </a:ln>
-            <a:extLst>
-              <a:ext uri="{91240B29-F687-4f45-9708-019B960494DF}">
-                <a14:hiddenLine xmlns:a14="http://schemas.microsoft.com/office/drawing/2010/main" xmlns="" w="9525">
-                  <a:solidFill>
-                    <a:srgbClr val="000000"/>
-                  </a:solidFill>
-                  <a:round/>
-                  <a:headEnd/>
-                  <a:tailEnd/>
-                </a14:hiddenLine>
-              </a:ext>
-            </a:extLst>
-          </p:spPr>
-        </p:sp>
-        <p:sp>
-          <p:nvSpPr>
-            <p:cNvPr id="52" name="Freeform 32"/>
-            <p:cNvSpPr>
-              <a:spLocks noEditPoints="1"/>
-            </p:cNvSpPr>
-            <p:nvPr>
-              <p:extLst>
-                <p:ext uri="{386F3935-93C4-4BCD-93E2-E3B085C9AB24}">
-                  <p16:designElem xmlns:p16="http://schemas.microsoft.com/office/powerpoint/2015/main" val="1"/>
-                </p:ext>
-              </p:extLst>
-            </p:nvPr>
-          </p:nvSpPr>
-          <p:spPr bwMode="auto">
-            <a:xfrm>
-              <a:off x="561975" y="6430963"/>
-              <a:ext cx="190500" cy="188913"/>
-            </a:xfrm>
-            <a:custGeom>
-              <a:avLst/>
-              <a:gdLst/>
-              <a:ahLst/>
-              <a:cxnLst/>
-              <a:rect l="0" t="0" r="r" b="b"/>
-              <a:pathLst>
-                <a:path w="40" h="40">
-                  <a:moveTo>
-                    <a:pt x="20" y="40"/>
-                  </a:moveTo>
-                  <a:cubicBezTo>
-                    <a:pt x="9" y="40"/>
-                    <a:pt x="0" y="31"/>
-                    <a:pt x="0" y="20"/>
-                  </a:cubicBezTo>
-                  <a:cubicBezTo>
-                    <a:pt x="0" y="9"/>
-                    <a:pt x="9" y="0"/>
-                    <a:pt x="20" y="0"/>
-                  </a:cubicBezTo>
-                  <a:cubicBezTo>
-                    <a:pt x="31" y="0"/>
-                    <a:pt x="40" y="9"/>
-                    <a:pt x="40" y="20"/>
-                  </a:cubicBezTo>
-                  <a:cubicBezTo>
-                    <a:pt x="40" y="31"/>
-                    <a:pt x="31" y="40"/>
-                    <a:pt x="20" y="40"/>
-                  </a:cubicBezTo>
-                  <a:close/>
-                  <a:moveTo>
-                    <a:pt x="20" y="4"/>
-                  </a:moveTo>
-                  <a:cubicBezTo>
-                    <a:pt x="12" y="4"/>
-                    <a:pt x="4" y="11"/>
-                    <a:pt x="4" y="20"/>
-                  </a:cubicBezTo>
-                  <a:cubicBezTo>
-                    <a:pt x="4" y="29"/>
-                    <a:pt x="12" y="36"/>
-                    <a:pt x="20" y="36"/>
-                  </a:cubicBezTo>
-                  <a:cubicBezTo>
-                    <a:pt x="29" y="36"/>
-                    <a:pt x="36" y="29"/>
-                    <a:pt x="36" y="20"/>
-                  </a:cubicBezTo>
-                  <a:cubicBezTo>
-                    <a:pt x="36" y="11"/>
-                    <a:pt x="29" y="4"/>
-                    <a:pt x="20" y="4"/>
-                  </a:cubicBezTo>
-                  <a:close/>
-                </a:path>
-              </a:pathLst>
-            </a:custGeom>
-            <a:grpFill/>
-            <a:ln>
-              <a:noFill/>
-            </a:ln>
-            <a:extLst>
-              <a:ext uri="{91240B29-F687-4f45-9708-019B960494DF}">
-                <a14:hiddenLine xmlns:a14="http://schemas.microsoft.com/office/drawing/2010/main" xmlns="" w="9525">
-                  <a:solidFill>
-                    <a:srgbClr val="000000"/>
-                  </a:solidFill>
-                  <a:round/>
-                  <a:headEnd/>
-                  <a:tailEnd/>
-                </a14:hiddenLine>
-              </a:ext>
-            </a:extLst>
-          </p:spPr>
-        </p:sp>
-        <p:sp>
-          <p:nvSpPr>
-            <p:cNvPr id="53" name="Rectangle 33"/>
-            <p:cNvSpPr>
-              <a:spLocks noChangeArrowheads="1"/>
-            </p:cNvSpPr>
-            <p:nvPr>
-              <p:extLst>
-                <p:ext uri="{386F3935-93C4-4BCD-93E2-E3B085C9AB24}">
-                  <p16:designElem xmlns:p16="http://schemas.microsoft.com/office/powerpoint/2015/main" val="1"/>
-                </p:ext>
-              </p:extLst>
-            </p:nvPr>
-          </p:nvSpPr>
-          <p:spPr bwMode="auto">
-            <a:xfrm>
-              <a:off x="642938" y="6610350"/>
-              <a:ext cx="23813" cy="242888"/>
-            </a:xfrm>
-            <a:prstGeom prst="rect">
-              <a:avLst/>
-            </a:prstGeom>
-            <a:grpFill/>
-            <a:ln>
-              <a:noFill/>
-            </a:ln>
-            <a:extLst>
-              <a:ext uri="{91240B29-F687-4f45-9708-019B960494DF}">
-                <a14:hiddenLine xmlns:a14="http://schemas.microsoft.com/office/drawing/2010/main" xmlns="" w="9525">
-                  <a:solidFill>
-                    <a:srgbClr val="000000"/>
-                  </a:solidFill>
-                  <a:miter lim="800000"/>
-                  <a:headEnd/>
-                  <a:tailEnd/>
-                </a14:hiddenLine>
-              </a:ext>
-            </a:extLst>
-          </p:spPr>
-        </p:sp>
-        <p:sp>
-          <p:nvSpPr>
-            <p:cNvPr id="54" name="Freeform 34"/>
-            <p:cNvSpPr>
-              <a:spLocks noEditPoints="1"/>
-            </p:cNvSpPr>
-            <p:nvPr>
-              <p:extLst>
-                <p:ext uri="{386F3935-93C4-4BCD-93E2-E3B085C9AB24}">
-                  <p16:designElem xmlns:p16="http://schemas.microsoft.com/office/powerpoint/2015/main" val="1"/>
-                </p:ext>
-              </p:extLst>
-            </p:nvPr>
-          </p:nvSpPr>
-          <p:spPr bwMode="auto">
-            <a:xfrm>
-              <a:off x="76200" y="6430963"/>
-              <a:ext cx="190500" cy="188913"/>
-            </a:xfrm>
-            <a:custGeom>
-              <a:avLst/>
-              <a:gdLst/>
-              <a:ahLst/>
-              <a:cxnLst/>
-              <a:rect l="0" t="0" r="r" b="b"/>
-              <a:pathLst>
-                <a:path w="40" h="40">
-                  <a:moveTo>
-                    <a:pt x="20" y="40"/>
-                  </a:moveTo>
-                  <a:cubicBezTo>
-                    <a:pt x="9" y="40"/>
-                    <a:pt x="0" y="31"/>
-                    <a:pt x="0" y="20"/>
-                  </a:cubicBezTo>
-                  <a:cubicBezTo>
-                    <a:pt x="0" y="9"/>
-                    <a:pt x="9" y="0"/>
-                    <a:pt x="20" y="0"/>
-                  </a:cubicBezTo>
-                  <a:cubicBezTo>
-                    <a:pt x="32" y="0"/>
-                    <a:pt x="40" y="9"/>
-                    <a:pt x="40" y="20"/>
-                  </a:cubicBezTo>
-                  <a:cubicBezTo>
-                    <a:pt x="40" y="31"/>
-                    <a:pt x="32" y="40"/>
-                    <a:pt x="20" y="40"/>
-                  </a:cubicBezTo>
-                  <a:close/>
-                  <a:moveTo>
-                    <a:pt x="20" y="4"/>
-                  </a:moveTo>
-                  <a:cubicBezTo>
-                    <a:pt x="12" y="4"/>
-                    <a:pt x="4" y="11"/>
-                    <a:pt x="4" y="20"/>
-                  </a:cubicBezTo>
-                  <a:cubicBezTo>
-                    <a:pt x="4" y="29"/>
-                    <a:pt x="12" y="36"/>
-                    <a:pt x="20" y="36"/>
-                  </a:cubicBezTo>
-                  <a:cubicBezTo>
-                    <a:pt x="29" y="36"/>
-                    <a:pt x="36" y="29"/>
-                    <a:pt x="36" y="20"/>
-                  </a:cubicBezTo>
-                  <a:cubicBezTo>
-                    <a:pt x="36" y="11"/>
-                    <a:pt x="29" y="4"/>
-                    <a:pt x="20" y="4"/>
-                  </a:cubicBezTo>
-                  <a:close/>
-                </a:path>
-              </a:pathLst>
-            </a:custGeom>
-            <a:grpFill/>
-            <a:ln>
-              <a:noFill/>
-            </a:ln>
-            <a:extLst>
-              <a:ext uri="{91240B29-F687-4f45-9708-019B960494DF}">
-                <a14:hiddenLine xmlns:a14="http://schemas.microsoft.com/office/drawing/2010/main" xmlns="" w="9525">
-                  <a:solidFill>
-                    <a:srgbClr val="000000"/>
-                  </a:solidFill>
-                  <a:round/>
-                  <a:headEnd/>
-                  <a:tailEnd/>
-                </a14:hiddenLine>
-              </a:ext>
-            </a:extLst>
-          </p:spPr>
-        </p:sp>
-        <p:sp>
-          <p:nvSpPr>
-            <p:cNvPr id="55" name="Freeform 35"/>
-            <p:cNvSpPr/>
-            <p:nvPr>
-              <p:extLst>
-                <p:ext uri="{386F3935-93C4-4BCD-93E2-E3B085C9AB24}">
-                  <p16:designElem xmlns:p16="http://schemas.microsoft.com/office/powerpoint/2015/main" val="1"/>
-                </p:ext>
-              </p:extLst>
-            </p:nvPr>
-          </p:nvSpPr>
-          <p:spPr bwMode="auto">
-            <a:xfrm>
-              <a:off x="0" y="5978525"/>
-              <a:ext cx="190500" cy="461963"/>
-            </a:xfrm>
-            <a:custGeom>
-              <a:avLst/>
-              <a:gdLst/>
-              <a:ahLst/>
-              <a:cxnLst/>
-              <a:rect l="0" t="0" r="r" b="b"/>
-              <a:pathLst>
-                <a:path w="120" h="291">
-                  <a:moveTo>
-                    <a:pt x="120" y="291"/>
-                  </a:moveTo>
-                  <a:lnTo>
-                    <a:pt x="105" y="291"/>
-                  </a:lnTo>
-                  <a:lnTo>
-                    <a:pt x="105" y="114"/>
-                  </a:lnTo>
-                  <a:lnTo>
-                    <a:pt x="0" y="9"/>
-                  </a:lnTo>
-                  <a:lnTo>
-                    <a:pt x="12" y="0"/>
-                  </a:lnTo>
-                  <a:lnTo>
-                    <a:pt x="120" y="108"/>
-                  </a:lnTo>
-                  <a:lnTo>
-                    <a:pt x="120" y="291"/>
-                  </a:lnTo>
-                  <a:close/>
-                </a:path>
-              </a:pathLst>
-            </a:custGeom>
-            <a:grpFill/>
-            <a:ln>
-              <a:noFill/>
-            </a:ln>
-            <a:extLst>
-              <a:ext uri="{91240B29-F687-4f45-9708-019B960494DF}">
-                <a14:hiddenLine xmlns:a14="http://schemas.microsoft.com/office/drawing/2010/main" xmlns="" w="9525">
-                  <a:solidFill>
-                    <a:srgbClr val="000000"/>
-                  </a:solidFill>
-                  <a:round/>
-                  <a:headEnd/>
-                  <a:tailEnd/>
-                </a14:hiddenLine>
-              </a:ext>
-            </a:extLst>
-          </p:spPr>
-        </p:sp>
-        <p:sp>
-          <p:nvSpPr>
-            <p:cNvPr id="56" name="Freeform 36"/>
-            <p:cNvSpPr/>
-            <p:nvPr>
-              <p:extLst>
-                <p:ext uri="{386F3935-93C4-4BCD-93E2-E3B085C9AB24}">
-                  <p16:designElem xmlns:p16="http://schemas.microsoft.com/office/powerpoint/2015/main" val="1"/>
-                </p:ext>
-              </p:extLst>
-            </p:nvPr>
-          </p:nvSpPr>
-          <p:spPr bwMode="auto">
-            <a:xfrm>
-              <a:off x="1014413" y="1801813"/>
-              <a:ext cx="214313" cy="755650"/>
-            </a:xfrm>
-            <a:custGeom>
-              <a:avLst/>
-              <a:gdLst/>
-              <a:ahLst/>
-              <a:cxnLst/>
-              <a:rect l="0" t="0" r="r" b="b"/>
-              <a:pathLst>
-                <a:path w="135" h="476">
-                  <a:moveTo>
-                    <a:pt x="12" y="476"/>
-                  </a:moveTo>
-                  <a:lnTo>
-                    <a:pt x="0" y="476"/>
-                  </a:lnTo>
-                  <a:lnTo>
-                    <a:pt x="0" y="128"/>
-                  </a:lnTo>
-                  <a:lnTo>
-                    <a:pt x="126" y="0"/>
-                  </a:lnTo>
-                  <a:lnTo>
-                    <a:pt x="135" y="9"/>
-                  </a:lnTo>
-                  <a:lnTo>
-                    <a:pt x="12" y="131"/>
-                  </a:lnTo>
-                  <a:lnTo>
-                    <a:pt x="12" y="476"/>
-                  </a:lnTo>
-                  <a:close/>
-                </a:path>
-              </a:pathLst>
-            </a:custGeom>
-            <a:grpFill/>
-            <a:ln>
-              <a:noFill/>
-            </a:ln>
-            <a:extLst>
-              <a:ext uri="{91240B29-F687-4f45-9708-019B960494DF}">
-                <a14:hiddenLine xmlns:a14="http://schemas.microsoft.com/office/drawing/2010/main" xmlns="" w="9525">
-                  <a:solidFill>
-                    <a:srgbClr val="000000"/>
-                  </a:solidFill>
-                  <a:round/>
-                  <a:headEnd/>
-                  <a:tailEnd/>
-                </a14:hiddenLine>
-              </a:ext>
-            </a:extLst>
-          </p:spPr>
-        </p:sp>
-        <p:sp>
-          <p:nvSpPr>
-            <p:cNvPr id="57" name="Freeform 37"/>
-            <p:cNvSpPr>
-              <a:spLocks noEditPoints="1"/>
-            </p:cNvSpPr>
-            <p:nvPr>
-              <p:extLst>
-                <p:ext uri="{386F3935-93C4-4BCD-93E2-E3B085C9AB24}">
-                  <p16:designElem xmlns:p16="http://schemas.microsoft.com/office/powerpoint/2015/main" val="1"/>
-                </p:ext>
-              </p:extLst>
-            </p:nvPr>
-          </p:nvSpPr>
-          <p:spPr bwMode="auto">
-            <a:xfrm>
-              <a:off x="938213" y="2547938"/>
-              <a:ext cx="166688" cy="160338"/>
-            </a:xfrm>
-            <a:custGeom>
-              <a:avLst/>
-              <a:gdLst/>
-              <a:ahLst/>
-              <a:cxnLst/>
-              <a:rect l="0" t="0" r="r" b="b"/>
-              <a:pathLst>
-                <a:path w="35" h="34">
-                  <a:moveTo>
-                    <a:pt x="18" y="34"/>
-                  </a:moveTo>
-                  <a:cubicBezTo>
-                    <a:pt x="8" y="34"/>
-                    <a:pt x="0" y="26"/>
-                    <a:pt x="0" y="17"/>
-                  </a:cubicBezTo>
-                  <a:cubicBezTo>
-                    <a:pt x="0" y="7"/>
-                    <a:pt x="8" y="0"/>
-                    <a:pt x="18" y="0"/>
-                  </a:cubicBezTo>
-                  <a:cubicBezTo>
-                    <a:pt x="27" y="0"/>
-                    <a:pt x="35" y="7"/>
-                    <a:pt x="35" y="17"/>
-                  </a:cubicBezTo>
-                  <a:cubicBezTo>
-                    <a:pt x="35" y="26"/>
-                    <a:pt x="27" y="34"/>
-                    <a:pt x="18" y="34"/>
-                  </a:cubicBezTo>
-                  <a:close/>
-                  <a:moveTo>
-                    <a:pt x="18" y="4"/>
-                  </a:moveTo>
-                  <a:cubicBezTo>
-                    <a:pt x="10" y="4"/>
-                    <a:pt x="4" y="10"/>
-                    <a:pt x="4" y="17"/>
-                  </a:cubicBezTo>
-                  <a:cubicBezTo>
-                    <a:pt x="4" y="24"/>
-                    <a:pt x="10" y="30"/>
-                    <a:pt x="18" y="30"/>
-                  </a:cubicBezTo>
-                  <a:cubicBezTo>
-                    <a:pt x="25" y="30"/>
-                    <a:pt x="31" y="24"/>
-                    <a:pt x="31" y="17"/>
-                  </a:cubicBezTo>
-                  <a:cubicBezTo>
-                    <a:pt x="31" y="10"/>
-                    <a:pt x="25" y="4"/>
-                    <a:pt x="18" y="4"/>
-                  </a:cubicBezTo>
-                  <a:close/>
-                </a:path>
-              </a:pathLst>
-            </a:custGeom>
-            <a:grpFill/>
-            <a:ln>
-              <a:noFill/>
-            </a:ln>
-            <a:extLst>
-              <a:ext uri="{91240B29-F687-4f45-9708-019B960494DF}">
-                <a14:hiddenLine xmlns:a14="http://schemas.microsoft.com/office/drawing/2010/main" xmlns="" w="9525">
-                  <a:solidFill>
-                    <a:srgbClr val="000000"/>
-                  </a:solidFill>
-                  <a:round/>
-                  <a:headEnd/>
-                  <a:tailEnd/>
-                </a14:hiddenLine>
-              </a:ext>
-            </a:extLst>
-          </p:spPr>
-        </p:sp>
-        <p:sp>
-          <p:nvSpPr>
-            <p:cNvPr id="58" name="Freeform 38"/>
-            <p:cNvSpPr/>
-            <p:nvPr>
-              <p:extLst>
-                <p:ext uri="{386F3935-93C4-4BCD-93E2-E3B085C9AB24}">
-                  <p16:designElem xmlns:p16="http://schemas.microsoft.com/office/powerpoint/2015/main" val="1"/>
-                </p:ext>
-              </p:extLst>
-            </p:nvPr>
-          </p:nvSpPr>
-          <p:spPr bwMode="auto">
-            <a:xfrm>
-              <a:off x="595313" y="4763"/>
-              <a:ext cx="638175" cy="4025900"/>
-            </a:xfrm>
-            <a:custGeom>
-              <a:avLst/>
-              <a:gdLst/>
-              <a:ahLst/>
-              <a:cxnLst/>
-              <a:rect l="0" t="0" r="r" b="b"/>
-              <a:pathLst>
-                <a:path w="402" h="2536">
-                  <a:moveTo>
-                    <a:pt x="402" y="2536"/>
-                  </a:moveTo>
-                  <a:lnTo>
-                    <a:pt x="387" y="2536"/>
-                  </a:lnTo>
-                  <a:lnTo>
-                    <a:pt x="387" y="2311"/>
-                  </a:lnTo>
-                  <a:lnTo>
-                    <a:pt x="0" y="1925"/>
-                  </a:lnTo>
-                  <a:lnTo>
-                    <a:pt x="0" y="0"/>
-                  </a:lnTo>
-                  <a:lnTo>
-                    <a:pt x="15" y="0"/>
-                  </a:lnTo>
-                  <a:lnTo>
-                    <a:pt x="15" y="1916"/>
-                  </a:lnTo>
-                  <a:lnTo>
-                    <a:pt x="402" y="2302"/>
-                  </a:lnTo>
-                  <a:lnTo>
-                    <a:pt x="402" y="2536"/>
-                  </a:lnTo>
-                  <a:close/>
-                </a:path>
-              </a:pathLst>
-            </a:custGeom>
-            <a:grpFill/>
-            <a:ln>
-              <a:noFill/>
-            </a:ln>
-            <a:extLst>
-              <a:ext uri="{91240B29-F687-4f45-9708-019B960494DF}">
-                <a14:hiddenLine xmlns:a14="http://schemas.microsoft.com/office/drawing/2010/main" xmlns="" w="9525">
-                  <a:solidFill>
-                    <a:srgbClr val="000000"/>
-                  </a:solidFill>
-                  <a:round/>
-                  <a:headEnd/>
-                  <a:tailEnd/>
-                </a14:hiddenLine>
-              </a:ext>
-            </a:extLst>
-          </p:spPr>
-        </p:sp>
-        <p:sp>
-          <p:nvSpPr>
-            <p:cNvPr id="59" name="Freeform 39"/>
-            <p:cNvSpPr/>
-            <p:nvPr>
-              <p:extLst>
-                <p:ext uri="{386F3935-93C4-4BCD-93E2-E3B085C9AB24}">
-                  <p16:designElem xmlns:p16="http://schemas.microsoft.com/office/powerpoint/2015/main" val="1"/>
-                </p:ext>
-              </p:extLst>
-            </p:nvPr>
-          </p:nvSpPr>
-          <p:spPr bwMode="auto">
-            <a:xfrm>
-              <a:off x="1223963" y="1382713"/>
-              <a:ext cx="142875" cy="476250"/>
-            </a:xfrm>
-            <a:custGeom>
-              <a:avLst/>
-              <a:gdLst/>
-              <a:ahLst/>
-              <a:cxnLst/>
-              <a:rect l="0" t="0" r="r" b="b"/>
-              <a:pathLst>
-                <a:path w="90" h="300">
-                  <a:moveTo>
-                    <a:pt x="90" y="300"/>
-                  </a:moveTo>
-                  <a:lnTo>
-                    <a:pt x="78" y="300"/>
-                  </a:lnTo>
-                  <a:lnTo>
-                    <a:pt x="78" y="84"/>
-                  </a:lnTo>
-                  <a:lnTo>
-                    <a:pt x="0" y="9"/>
-                  </a:lnTo>
-                  <a:lnTo>
-                    <a:pt x="9" y="0"/>
-                  </a:lnTo>
-                  <a:lnTo>
-                    <a:pt x="90" y="81"/>
-                  </a:lnTo>
-                  <a:lnTo>
-                    <a:pt x="90" y="300"/>
-                  </a:lnTo>
-                  <a:close/>
-                </a:path>
-              </a:pathLst>
-            </a:custGeom>
-            <a:grpFill/>
-            <a:ln>
-              <a:noFill/>
-            </a:ln>
-            <a:extLst>
-              <a:ext uri="{91240B29-F687-4f45-9708-019B960494DF}">
-                <a14:hiddenLine xmlns:a14="http://schemas.microsoft.com/office/drawing/2010/main" xmlns="" w="9525">
-                  <a:solidFill>
-                    <a:srgbClr val="000000"/>
-                  </a:solidFill>
-                  <a:round/>
-                  <a:headEnd/>
-                  <a:tailEnd/>
-                </a14:hiddenLine>
-              </a:ext>
-            </a:extLst>
-          </p:spPr>
-        </p:sp>
-        <p:sp>
-          <p:nvSpPr>
-            <p:cNvPr id="60" name="Freeform 40"/>
-            <p:cNvSpPr>
-              <a:spLocks noEditPoints="1"/>
-            </p:cNvSpPr>
-            <p:nvPr>
-              <p:extLst>
-                <p:ext uri="{386F3935-93C4-4BCD-93E2-E3B085C9AB24}">
-                  <p16:designElem xmlns:p16="http://schemas.microsoft.com/office/powerpoint/2015/main" val="1"/>
-                </p:ext>
-              </p:extLst>
-            </p:nvPr>
-          </p:nvSpPr>
-          <p:spPr bwMode="auto">
-            <a:xfrm>
-              <a:off x="1300163" y="1849438"/>
-              <a:ext cx="109538" cy="107950"/>
-            </a:xfrm>
-            <a:custGeom>
-              <a:avLst/>
-              <a:gdLst/>
-              <a:ahLst/>
-              <a:cxnLst/>
-              <a:rect l="0" t="0" r="r" b="b"/>
-              <a:pathLst>
-                <a:path w="23" h="23">
-                  <a:moveTo>
-                    <a:pt x="12" y="23"/>
-                  </a:moveTo>
-                  <a:cubicBezTo>
-                    <a:pt x="5" y="23"/>
-                    <a:pt x="0" y="18"/>
-                    <a:pt x="0" y="12"/>
-                  </a:cubicBezTo>
-                  <a:cubicBezTo>
-                    <a:pt x="0" y="5"/>
-                    <a:pt x="5" y="0"/>
-                    <a:pt x="12" y="0"/>
-                  </a:cubicBezTo>
-                  <a:cubicBezTo>
-                    <a:pt x="18" y="0"/>
-                    <a:pt x="23" y="5"/>
-                    <a:pt x="23" y="12"/>
-                  </a:cubicBezTo>
-                  <a:cubicBezTo>
-                    <a:pt x="23" y="18"/>
-                    <a:pt x="18" y="23"/>
-                    <a:pt x="12" y="23"/>
-                  </a:cubicBezTo>
-                  <a:close/>
-                  <a:moveTo>
-                    <a:pt x="12" y="4"/>
-                  </a:moveTo>
-                  <a:cubicBezTo>
-                    <a:pt x="8" y="4"/>
-                    <a:pt x="4" y="8"/>
-                    <a:pt x="4" y="12"/>
-                  </a:cubicBezTo>
-                  <a:cubicBezTo>
-                    <a:pt x="4" y="16"/>
-                    <a:pt x="8" y="19"/>
-                    <a:pt x="12" y="19"/>
-                  </a:cubicBezTo>
-                  <a:cubicBezTo>
-                    <a:pt x="16" y="19"/>
-                    <a:pt x="19" y="16"/>
-                    <a:pt x="19" y="12"/>
-                  </a:cubicBezTo>
-                  <a:cubicBezTo>
-                    <a:pt x="19" y="8"/>
-                    <a:pt x="16" y="4"/>
-                    <a:pt x="12" y="4"/>
-                  </a:cubicBezTo>
-                  <a:close/>
-                </a:path>
-              </a:pathLst>
-            </a:custGeom>
-            <a:grpFill/>
-            <a:ln>
-              <a:noFill/>
-            </a:ln>
-            <a:extLst>
-              <a:ext uri="{91240B29-F687-4f45-9708-019B960494DF}">
-                <a14:hiddenLine xmlns:a14="http://schemas.microsoft.com/office/drawing/2010/main" xmlns="" w="9525">
-                  <a:solidFill>
-                    <a:srgbClr val="000000"/>
-                  </a:solidFill>
-                  <a:round/>
-                  <a:headEnd/>
-                  <a:tailEnd/>
-                </a14:hiddenLine>
-              </a:ext>
-            </a:extLst>
-          </p:spPr>
-        </p:sp>
-        <p:sp>
-          <p:nvSpPr>
-            <p:cNvPr id="61" name="Freeform 41"/>
-            <p:cNvSpPr/>
-            <p:nvPr>
-              <p:extLst>
-                <p:ext uri="{386F3935-93C4-4BCD-93E2-E3B085C9AB24}">
-                  <p16:designElem xmlns:p16="http://schemas.microsoft.com/office/powerpoint/2015/main" val="1"/>
-                </p:ext>
-              </p:extLst>
-            </p:nvPr>
-          </p:nvSpPr>
-          <p:spPr bwMode="auto">
-            <a:xfrm>
-              <a:off x="280988" y="3417888"/>
-              <a:ext cx="142875" cy="474663"/>
-            </a:xfrm>
-            <a:custGeom>
-              <a:avLst/>
-              <a:gdLst/>
-              <a:ahLst/>
-              <a:cxnLst/>
-              <a:rect l="0" t="0" r="r" b="b"/>
-              <a:pathLst>
-                <a:path w="90" h="299">
-                  <a:moveTo>
-                    <a:pt x="12" y="299"/>
-                  </a:moveTo>
-                  <a:lnTo>
-                    <a:pt x="0" y="299"/>
-                  </a:lnTo>
-                  <a:lnTo>
-                    <a:pt x="0" y="80"/>
-                  </a:lnTo>
-                  <a:lnTo>
-                    <a:pt x="81" y="0"/>
-                  </a:lnTo>
-                  <a:lnTo>
-                    <a:pt x="90" y="8"/>
-                  </a:lnTo>
-                  <a:lnTo>
-                    <a:pt x="12" y="83"/>
-                  </a:lnTo>
-                  <a:lnTo>
-                    <a:pt x="12" y="299"/>
-                  </a:lnTo>
-                  <a:close/>
-                </a:path>
-              </a:pathLst>
-            </a:custGeom>
-            <a:grpFill/>
-            <a:ln>
-              <a:noFill/>
-            </a:ln>
-            <a:extLst>
-              <a:ext uri="{91240B29-F687-4f45-9708-019B960494DF}">
-                <a14:hiddenLine xmlns:a14="http://schemas.microsoft.com/office/drawing/2010/main" xmlns="" w="9525">
-                  <a:solidFill>
-                    <a:srgbClr val="000000"/>
-                  </a:solidFill>
-                  <a:round/>
-                  <a:headEnd/>
-                  <a:tailEnd/>
-                </a14:hiddenLine>
-              </a:ext>
-            </a:extLst>
-          </p:spPr>
-        </p:sp>
-        <p:sp>
-          <p:nvSpPr>
-            <p:cNvPr id="62" name="Freeform 42"/>
-            <p:cNvSpPr>
-              <a:spLocks noEditPoints="1"/>
-            </p:cNvSpPr>
-            <p:nvPr>
-              <p:extLst>
-                <p:ext uri="{386F3935-93C4-4BCD-93E2-E3B085C9AB24}">
-                  <p16:designElem xmlns:p16="http://schemas.microsoft.com/office/powerpoint/2015/main" val="1"/>
-                </p:ext>
-              </p:extLst>
-            </p:nvPr>
-          </p:nvSpPr>
-          <p:spPr bwMode="auto">
-            <a:xfrm>
-              <a:off x="238125" y="3883025"/>
-              <a:ext cx="109538" cy="109538"/>
-            </a:xfrm>
-            <a:custGeom>
-              <a:avLst/>
-              <a:gdLst/>
-              <a:ahLst/>
-              <a:cxnLst/>
-              <a:rect l="0" t="0" r="r" b="b"/>
-              <a:pathLst>
-                <a:path w="23" h="23">
-                  <a:moveTo>
-                    <a:pt x="11" y="23"/>
-                  </a:moveTo>
-                  <a:cubicBezTo>
-                    <a:pt x="5" y="23"/>
-                    <a:pt x="0" y="18"/>
-                    <a:pt x="0" y="12"/>
-                  </a:cubicBezTo>
-                  <a:cubicBezTo>
-                    <a:pt x="0" y="5"/>
-                    <a:pt x="5" y="0"/>
-                    <a:pt x="11" y="0"/>
-                  </a:cubicBezTo>
-                  <a:cubicBezTo>
-                    <a:pt x="17" y="0"/>
-                    <a:pt x="23" y="5"/>
-                    <a:pt x="23" y="12"/>
-                  </a:cubicBezTo>
-                  <a:cubicBezTo>
-                    <a:pt x="23" y="18"/>
-                    <a:pt x="17" y="23"/>
-                    <a:pt x="11" y="23"/>
-                  </a:cubicBezTo>
-                  <a:close/>
-                  <a:moveTo>
-                    <a:pt x="11" y="4"/>
-                  </a:moveTo>
-                  <a:cubicBezTo>
-                    <a:pt x="7" y="4"/>
-                    <a:pt x="4" y="8"/>
-                    <a:pt x="4" y="12"/>
-                  </a:cubicBezTo>
-                  <a:cubicBezTo>
-                    <a:pt x="4" y="16"/>
-                    <a:pt x="7" y="19"/>
-                    <a:pt x="11" y="19"/>
-                  </a:cubicBezTo>
-                  <a:cubicBezTo>
-                    <a:pt x="15" y="19"/>
-                    <a:pt x="19" y="16"/>
-                    <a:pt x="19" y="12"/>
-                  </a:cubicBezTo>
-                  <a:cubicBezTo>
-                    <a:pt x="19" y="8"/>
-                    <a:pt x="15" y="4"/>
-                    <a:pt x="11" y="4"/>
-                  </a:cubicBezTo>
-                  <a:close/>
-                </a:path>
-              </a:pathLst>
-            </a:custGeom>
-            <a:grpFill/>
-            <a:ln>
-              <a:noFill/>
-            </a:ln>
-            <a:extLst>
-              <a:ext uri="{91240B29-F687-4f45-9708-019B960494DF}">
-                <a14:hiddenLine xmlns:a14="http://schemas.microsoft.com/office/drawing/2010/main" xmlns="" w="9525">
-                  <a:solidFill>
-                    <a:srgbClr val="000000"/>
-                  </a:solidFill>
-                  <a:round/>
-                  <a:headEnd/>
-                  <a:tailEnd/>
-                </a14:hiddenLine>
-              </a:ext>
-            </a:extLst>
-          </p:spPr>
-        </p:sp>
-        <p:sp>
-          <p:nvSpPr>
-            <p:cNvPr id="63" name="Freeform 43"/>
-            <p:cNvSpPr/>
-            <p:nvPr>
-              <p:extLst>
-                <p:ext uri="{386F3935-93C4-4BCD-93E2-E3B085C9AB24}">
-                  <p16:designElem xmlns:p16="http://schemas.microsoft.com/office/powerpoint/2015/main" val="1"/>
-                </p:ext>
-              </p:extLst>
-            </p:nvPr>
-          </p:nvSpPr>
-          <p:spPr bwMode="auto">
-            <a:xfrm>
-              <a:off x="4763" y="2166938"/>
-              <a:ext cx="114300" cy="452438"/>
-            </a:xfrm>
-            <a:custGeom>
-              <a:avLst/>
-              <a:gdLst/>
-              <a:ahLst/>
-              <a:cxnLst/>
-              <a:rect l="0" t="0" r="r" b="b"/>
-              <a:pathLst>
-                <a:path w="72" h="285">
-                  <a:moveTo>
-                    <a:pt x="6" y="285"/>
-                  </a:moveTo>
-                  <a:lnTo>
-                    <a:pt x="0" y="276"/>
-                  </a:lnTo>
-                  <a:lnTo>
-                    <a:pt x="60" y="216"/>
-                  </a:lnTo>
-                  <a:lnTo>
-                    <a:pt x="60" y="0"/>
-                  </a:lnTo>
-                  <a:lnTo>
-                    <a:pt x="72" y="0"/>
-                  </a:lnTo>
-                  <a:lnTo>
-                    <a:pt x="72" y="222"/>
-                  </a:lnTo>
-                  <a:lnTo>
-                    <a:pt x="6" y="285"/>
-                  </a:lnTo>
-                  <a:close/>
-                </a:path>
-              </a:pathLst>
-            </a:custGeom>
-            <a:grpFill/>
-            <a:ln>
-              <a:noFill/>
-            </a:ln>
-            <a:extLst>
-              <a:ext uri="{91240B29-F687-4f45-9708-019B960494DF}">
-                <a14:hiddenLine xmlns:a14="http://schemas.microsoft.com/office/drawing/2010/main" xmlns="" w="9525">
-                  <a:solidFill>
-                    <a:srgbClr val="000000"/>
-                  </a:solidFill>
-                  <a:round/>
-                  <a:headEnd/>
-                  <a:tailEnd/>
-                </a14:hiddenLine>
-              </a:ext>
-            </a:extLst>
-          </p:spPr>
-        </p:sp>
-        <p:sp>
-          <p:nvSpPr>
-            <p:cNvPr id="64" name="Freeform 44"/>
-            <p:cNvSpPr>
-              <a:spLocks noEditPoints="1"/>
-            </p:cNvSpPr>
-            <p:nvPr>
-              <p:extLst>
-                <p:ext uri="{386F3935-93C4-4BCD-93E2-E3B085C9AB24}">
-                  <p16:designElem xmlns:p16="http://schemas.microsoft.com/office/powerpoint/2015/main" val="1"/>
-                </p:ext>
-              </p:extLst>
-            </p:nvPr>
-          </p:nvSpPr>
-          <p:spPr bwMode="auto">
-            <a:xfrm>
-              <a:off x="52388" y="2066925"/>
-              <a:ext cx="109538" cy="109538"/>
-            </a:xfrm>
-            <a:custGeom>
-              <a:avLst/>
-              <a:gdLst/>
-              <a:ahLst/>
-              <a:cxnLst/>
-              <a:rect l="0" t="0" r="r" b="b"/>
-              <a:pathLst>
-                <a:path w="23" h="23">
-                  <a:moveTo>
-                    <a:pt x="12" y="23"/>
-                  </a:moveTo>
-                  <a:cubicBezTo>
-                    <a:pt x="5" y="23"/>
-                    <a:pt x="0" y="18"/>
-                    <a:pt x="0" y="12"/>
-                  </a:cubicBezTo>
-                  <a:cubicBezTo>
-                    <a:pt x="0" y="5"/>
-                    <a:pt x="5" y="0"/>
-                    <a:pt x="12" y="0"/>
-                  </a:cubicBezTo>
-                  <a:cubicBezTo>
-                    <a:pt x="18" y="0"/>
-                    <a:pt x="23" y="5"/>
-                    <a:pt x="23" y="12"/>
-                  </a:cubicBezTo>
-                  <a:cubicBezTo>
-                    <a:pt x="23" y="18"/>
-                    <a:pt x="18" y="23"/>
-                    <a:pt x="12" y="23"/>
-                  </a:cubicBezTo>
-                  <a:close/>
-                  <a:moveTo>
-                    <a:pt x="12" y="4"/>
-                  </a:moveTo>
-                  <a:cubicBezTo>
-                    <a:pt x="8" y="4"/>
-                    <a:pt x="4" y="8"/>
-                    <a:pt x="4" y="12"/>
-                  </a:cubicBezTo>
-                  <a:cubicBezTo>
-                    <a:pt x="4" y="16"/>
-                    <a:pt x="8" y="19"/>
-                    <a:pt x="12" y="19"/>
-                  </a:cubicBezTo>
-                  <a:cubicBezTo>
-                    <a:pt x="16" y="19"/>
-                    <a:pt x="19" y="16"/>
-                    <a:pt x="19" y="12"/>
-                  </a:cubicBezTo>
-                  <a:cubicBezTo>
-                    <a:pt x="19" y="8"/>
-                    <a:pt x="16" y="4"/>
-                    <a:pt x="12" y="4"/>
-                  </a:cubicBezTo>
-                  <a:close/>
-                </a:path>
-              </a:pathLst>
-            </a:custGeom>
-            <a:grpFill/>
-            <a:ln>
-              <a:noFill/>
-            </a:ln>
-            <a:extLst>
-              <a:ext uri="{91240B29-F687-4f45-9708-019B960494DF}">
-                <a14:hiddenLine xmlns:a14="http://schemas.microsoft.com/office/drawing/2010/main" xmlns="" w="9525">
-                  <a:solidFill>
-                    <a:srgbClr val="000000"/>
-                  </a:solidFill>
-                  <a:round/>
-                  <a:headEnd/>
-                  <a:tailEnd/>
-                </a14:hiddenLine>
-              </a:ext>
-            </a:extLst>
-          </p:spPr>
-        </p:sp>
-        <p:sp>
-          <p:nvSpPr>
-            <p:cNvPr id="65" name="Rectangle 45"/>
-            <p:cNvSpPr>
-              <a:spLocks noChangeArrowheads="1"/>
-            </p:cNvSpPr>
-            <p:nvPr>
-              <p:extLst>
-                <p:ext uri="{386F3935-93C4-4BCD-93E2-E3B085C9AB24}">
-                  <p16:designElem xmlns:p16="http://schemas.microsoft.com/office/powerpoint/2015/main" val="1"/>
-                </p:ext>
-              </p:extLst>
-            </p:nvPr>
-          </p:nvSpPr>
-          <p:spPr bwMode="auto">
-            <a:xfrm>
-              <a:off x="1228725" y="4662488"/>
-              <a:ext cx="23813" cy="2181225"/>
-            </a:xfrm>
-            <a:prstGeom prst="rect">
-              <a:avLst/>
-            </a:prstGeom>
-            <a:grpFill/>
-            <a:ln>
-              <a:noFill/>
-            </a:ln>
-            <a:extLst>
-              <a:ext uri="{91240B29-F687-4f45-9708-019B960494DF}">
-                <a14:hiddenLine xmlns:a14="http://schemas.microsoft.com/office/drawing/2010/main" xmlns="" w="9525">
-                  <a:solidFill>
-                    <a:srgbClr val="000000"/>
-                  </a:solidFill>
-                  <a:miter lim="800000"/>
-                  <a:headEnd/>
-                  <a:tailEnd/>
-                </a14:hiddenLine>
-              </a:ext>
-            </a:extLst>
-          </p:spPr>
-        </p:sp>
-        <p:sp>
-          <p:nvSpPr>
-            <p:cNvPr id="66" name="Freeform 46"/>
-            <p:cNvSpPr/>
-            <p:nvPr>
-              <p:extLst>
-                <p:ext uri="{386F3935-93C4-4BCD-93E2-E3B085C9AB24}">
-                  <p16:designElem xmlns:p16="http://schemas.microsoft.com/office/powerpoint/2015/main" val="1"/>
-                </p:ext>
-              </p:extLst>
-            </p:nvPr>
-          </p:nvSpPr>
-          <p:spPr bwMode="auto">
-            <a:xfrm>
-              <a:off x="1319213" y="5041900"/>
-              <a:ext cx="371475" cy="1801813"/>
-            </a:xfrm>
-            <a:custGeom>
-              <a:avLst/>
-              <a:gdLst/>
-              <a:ahLst/>
-              <a:cxnLst/>
-              <a:rect l="0" t="0" r="r" b="b"/>
-              <a:pathLst>
-                <a:path w="234" h="1135">
-                  <a:moveTo>
-                    <a:pt x="15" y="1135"/>
-                  </a:moveTo>
-                  <a:lnTo>
-                    <a:pt x="0" y="1135"/>
-                  </a:lnTo>
-                  <a:lnTo>
-                    <a:pt x="0" y="515"/>
-                  </a:lnTo>
-                  <a:lnTo>
-                    <a:pt x="0" y="512"/>
-                  </a:lnTo>
-                  <a:lnTo>
-                    <a:pt x="219" y="0"/>
-                  </a:lnTo>
-                  <a:lnTo>
-                    <a:pt x="234" y="6"/>
-                  </a:lnTo>
-                  <a:lnTo>
-                    <a:pt x="15" y="518"/>
-                  </a:lnTo>
-                  <a:lnTo>
-                    <a:pt x="15" y="1135"/>
-                  </a:lnTo>
-                  <a:close/>
-                </a:path>
-              </a:pathLst>
-            </a:custGeom>
-            <a:grpFill/>
-            <a:ln>
-              <a:noFill/>
-            </a:ln>
-            <a:extLst>
-              <a:ext uri="{91240B29-F687-4f45-9708-019B960494DF}">
-                <a14:hiddenLine xmlns:a14="http://schemas.microsoft.com/office/drawing/2010/main" xmlns="" w="9525">
-                  <a:solidFill>
-                    <a:srgbClr val="000000"/>
-                  </a:solidFill>
-                  <a:round/>
-                  <a:headEnd/>
-                  <a:tailEnd/>
-                </a14:hiddenLine>
-              </a:ext>
-            </a:extLst>
-          </p:spPr>
-        </p:sp>
-        <p:sp>
-          <p:nvSpPr>
-            <p:cNvPr id="67" name="Freeform 47"/>
-            <p:cNvSpPr>
-              <a:spLocks noEditPoints="1"/>
-            </p:cNvSpPr>
-            <p:nvPr>
-              <p:extLst>
-                <p:ext uri="{386F3935-93C4-4BCD-93E2-E3B085C9AB24}">
-                  <p16:designElem xmlns:p16="http://schemas.microsoft.com/office/powerpoint/2015/main" val="1"/>
-                </p:ext>
-              </p:extLst>
-            </p:nvPr>
-          </p:nvSpPr>
-          <p:spPr bwMode="auto">
-            <a:xfrm>
-              <a:off x="1147763" y="4481513"/>
-              <a:ext cx="190500" cy="190500"/>
-            </a:xfrm>
-            <a:custGeom>
-              <a:avLst/>
-              <a:gdLst/>
-              <a:ahLst/>
-              <a:cxnLst/>
-              <a:rect l="0" t="0" r="r" b="b"/>
-              <a:pathLst>
-                <a:path w="40" h="40">
-                  <a:moveTo>
-                    <a:pt x="20" y="40"/>
-                  </a:moveTo>
-                  <a:cubicBezTo>
-                    <a:pt x="9" y="40"/>
-                    <a:pt x="0" y="31"/>
-                    <a:pt x="0" y="20"/>
-                  </a:cubicBezTo>
-                  <a:cubicBezTo>
-                    <a:pt x="0" y="9"/>
-                    <a:pt x="9" y="0"/>
-                    <a:pt x="20" y="0"/>
-                  </a:cubicBezTo>
-                  <a:cubicBezTo>
-                    <a:pt x="31" y="0"/>
-                    <a:pt x="40" y="9"/>
-                    <a:pt x="40" y="20"/>
-                  </a:cubicBezTo>
-                  <a:cubicBezTo>
-                    <a:pt x="40" y="31"/>
-                    <a:pt x="31" y="40"/>
-                    <a:pt x="20" y="40"/>
-                  </a:cubicBezTo>
-                  <a:close/>
-                  <a:moveTo>
-                    <a:pt x="20" y="4"/>
-                  </a:moveTo>
-                  <a:cubicBezTo>
-                    <a:pt x="11" y="4"/>
-                    <a:pt x="4" y="11"/>
-                    <a:pt x="4" y="20"/>
-                  </a:cubicBezTo>
-                  <a:cubicBezTo>
-                    <a:pt x="4" y="29"/>
-                    <a:pt x="11" y="36"/>
-                    <a:pt x="20" y="36"/>
-                  </a:cubicBezTo>
-                  <a:cubicBezTo>
-                    <a:pt x="28" y="36"/>
-                    <a:pt x="36" y="29"/>
-                    <a:pt x="36" y="20"/>
-                  </a:cubicBezTo>
-                  <a:cubicBezTo>
-                    <a:pt x="36" y="11"/>
-                    <a:pt x="28" y="4"/>
-                    <a:pt x="20" y="4"/>
-                  </a:cubicBezTo>
-                  <a:close/>
-                </a:path>
-              </a:pathLst>
-            </a:custGeom>
-            <a:grpFill/>
-            <a:ln>
-              <a:noFill/>
-            </a:ln>
-            <a:extLst>
-              <a:ext uri="{91240B29-F687-4f45-9708-019B960494DF}">
-                <a14:hiddenLine xmlns:a14="http://schemas.microsoft.com/office/drawing/2010/main" xmlns="" w="9525">
-                  <a:solidFill>
-                    <a:srgbClr val="000000"/>
-                  </a:solidFill>
-                  <a:round/>
-                  <a:headEnd/>
-                  <a:tailEnd/>
-                </a14:hiddenLine>
-              </a:ext>
-            </a:extLst>
-          </p:spPr>
-        </p:sp>
-        <p:sp>
-          <p:nvSpPr>
-            <p:cNvPr id="68" name="Freeform 48"/>
-            <p:cNvSpPr/>
-            <p:nvPr>
-              <p:extLst>
-                <p:ext uri="{386F3935-93C4-4BCD-93E2-E3B085C9AB24}">
-                  <p16:designElem xmlns:p16="http://schemas.microsoft.com/office/powerpoint/2015/main" val="1"/>
-                </p:ext>
-              </p:extLst>
-            </p:nvPr>
-          </p:nvSpPr>
-          <p:spPr bwMode="auto">
-            <a:xfrm>
-              <a:off x="819150" y="3983038"/>
-              <a:ext cx="347663" cy="2860675"/>
-            </a:xfrm>
-            <a:custGeom>
-              <a:avLst/>
-              <a:gdLst/>
-              <a:ahLst/>
-              <a:cxnLst/>
-              <a:rect l="0" t="0" r="r" b="b"/>
-              <a:pathLst>
-                <a:path w="219" h="1802">
-                  <a:moveTo>
-                    <a:pt x="219" y="1802"/>
-                  </a:moveTo>
-                  <a:lnTo>
-                    <a:pt x="201" y="1802"/>
-                  </a:lnTo>
-                  <a:lnTo>
-                    <a:pt x="201" y="1185"/>
-                  </a:lnTo>
-                  <a:lnTo>
-                    <a:pt x="0" y="3"/>
-                  </a:lnTo>
-                  <a:lnTo>
-                    <a:pt x="15" y="0"/>
-                  </a:lnTo>
-                  <a:lnTo>
-                    <a:pt x="219" y="1185"/>
-                  </a:lnTo>
-                  <a:lnTo>
-                    <a:pt x="219" y="1802"/>
-                  </a:lnTo>
-                  <a:close/>
-                </a:path>
-              </a:pathLst>
-            </a:custGeom>
-            <a:grpFill/>
-            <a:ln>
-              <a:noFill/>
-            </a:ln>
-            <a:extLst>
-              <a:ext uri="{91240B29-F687-4f45-9708-019B960494DF}">
-                <a14:hiddenLine xmlns:a14="http://schemas.microsoft.com/office/drawing/2010/main" xmlns="" w="9525">
-                  <a:solidFill>
-                    <a:srgbClr val="000000"/>
-                  </a:solidFill>
-                  <a:round/>
-                  <a:headEnd/>
-                  <a:tailEnd/>
-                </a14:hiddenLine>
-              </a:ext>
-            </a:extLst>
-          </p:spPr>
-        </p:sp>
-        <p:sp>
-          <p:nvSpPr>
-            <p:cNvPr id="69" name="Freeform 49"/>
-            <p:cNvSpPr>
-              <a:spLocks noEditPoints="1"/>
-            </p:cNvSpPr>
-            <p:nvPr>
-              <p:extLst>
-                <p:ext uri="{386F3935-93C4-4BCD-93E2-E3B085C9AB24}">
-                  <p16:designElem xmlns:p16="http://schemas.microsoft.com/office/powerpoint/2015/main" val="1"/>
-                </p:ext>
-              </p:extLst>
-            </p:nvPr>
-          </p:nvSpPr>
-          <p:spPr bwMode="auto">
-            <a:xfrm>
-              <a:off x="728663" y="3806825"/>
-              <a:ext cx="190500" cy="190500"/>
-            </a:xfrm>
-            <a:custGeom>
-              <a:avLst/>
-              <a:gdLst/>
-              <a:ahLst/>
-              <a:cxnLst/>
-              <a:rect l="0" t="0" r="r" b="b"/>
-              <a:pathLst>
-                <a:path w="40" h="40">
-                  <a:moveTo>
-                    <a:pt x="20" y="40"/>
-                  </a:moveTo>
-                  <a:cubicBezTo>
-                    <a:pt x="9" y="40"/>
-                    <a:pt x="0" y="31"/>
-                    <a:pt x="0" y="20"/>
-                  </a:cubicBezTo>
-                  <a:cubicBezTo>
-                    <a:pt x="0" y="9"/>
-                    <a:pt x="9" y="0"/>
-                    <a:pt x="20" y="0"/>
-                  </a:cubicBezTo>
-                  <a:cubicBezTo>
-                    <a:pt x="31" y="0"/>
-                    <a:pt x="40" y="9"/>
-                    <a:pt x="40" y="20"/>
-                  </a:cubicBezTo>
-                  <a:cubicBezTo>
-                    <a:pt x="40" y="31"/>
-                    <a:pt x="31" y="40"/>
-                    <a:pt x="20" y="40"/>
-                  </a:cubicBezTo>
-                  <a:close/>
-                  <a:moveTo>
-                    <a:pt x="20" y="4"/>
-                  </a:moveTo>
-                  <a:cubicBezTo>
-                    <a:pt x="11" y="4"/>
-                    <a:pt x="4" y="11"/>
-                    <a:pt x="4" y="20"/>
-                  </a:cubicBezTo>
-                  <a:cubicBezTo>
-                    <a:pt x="4" y="28"/>
-                    <a:pt x="11" y="36"/>
-                    <a:pt x="20" y="36"/>
-                  </a:cubicBezTo>
-                  <a:cubicBezTo>
-                    <a:pt x="29" y="36"/>
-                    <a:pt x="36" y="28"/>
-                    <a:pt x="36" y="20"/>
-                  </a:cubicBezTo>
-                  <a:cubicBezTo>
-                    <a:pt x="36" y="11"/>
-                    <a:pt x="29" y="4"/>
-                    <a:pt x="20" y="4"/>
-                  </a:cubicBezTo>
-                  <a:close/>
-                </a:path>
-              </a:pathLst>
-            </a:custGeom>
-            <a:grpFill/>
-            <a:ln>
-              <a:noFill/>
-            </a:ln>
-            <a:extLst>
-              <a:ext uri="{91240B29-F687-4f45-9708-019B960494DF}">
-                <a14:hiddenLine xmlns:a14="http://schemas.microsoft.com/office/drawing/2010/main" xmlns="" w="9525">
-                  <a:solidFill>
-                    <a:srgbClr val="000000"/>
-                  </a:solidFill>
-                  <a:round/>
-                  <a:headEnd/>
-                  <a:tailEnd/>
-                </a14:hiddenLine>
-              </a:ext>
-            </a:extLst>
-          </p:spPr>
-        </p:sp>
-        <p:sp>
-          <p:nvSpPr>
-            <p:cNvPr id="70" name="Freeform 50"/>
-            <p:cNvSpPr>
-              <a:spLocks noEditPoints="1"/>
-            </p:cNvSpPr>
-            <p:nvPr>
-              <p:extLst>
-                <p:ext uri="{386F3935-93C4-4BCD-93E2-E3B085C9AB24}">
-                  <p16:designElem xmlns:p16="http://schemas.microsoft.com/office/powerpoint/2015/main" val="1"/>
-                </p:ext>
-              </p:extLst>
-            </p:nvPr>
-          </p:nvSpPr>
-          <p:spPr bwMode="auto">
-            <a:xfrm>
-              <a:off x="1624013" y="4867275"/>
-              <a:ext cx="190500" cy="188913"/>
-            </a:xfrm>
-            <a:custGeom>
-              <a:avLst/>
-              <a:gdLst/>
-              <a:ahLst/>
-              <a:cxnLst/>
-              <a:rect l="0" t="0" r="r" b="b"/>
-              <a:pathLst>
-                <a:path w="40" h="40">
-                  <a:moveTo>
-                    <a:pt x="20" y="40"/>
-                  </a:moveTo>
-                  <a:cubicBezTo>
-                    <a:pt x="9" y="40"/>
-                    <a:pt x="0" y="31"/>
-                    <a:pt x="0" y="20"/>
-                  </a:cubicBezTo>
-                  <a:cubicBezTo>
-                    <a:pt x="0" y="9"/>
-                    <a:pt x="9" y="0"/>
-                    <a:pt x="20" y="0"/>
-                  </a:cubicBezTo>
-                  <a:cubicBezTo>
-                    <a:pt x="31" y="0"/>
-                    <a:pt x="40" y="9"/>
-                    <a:pt x="40" y="20"/>
-                  </a:cubicBezTo>
-                  <a:cubicBezTo>
-                    <a:pt x="40" y="31"/>
-                    <a:pt x="31" y="40"/>
-                    <a:pt x="20" y="40"/>
-                  </a:cubicBezTo>
-                  <a:close/>
-                  <a:moveTo>
-                    <a:pt x="20" y="4"/>
-                  </a:moveTo>
-                  <a:cubicBezTo>
-                    <a:pt x="11" y="4"/>
-                    <a:pt x="4" y="11"/>
-                    <a:pt x="4" y="20"/>
-                  </a:cubicBezTo>
-                  <a:cubicBezTo>
-                    <a:pt x="4" y="29"/>
-                    <a:pt x="11" y="36"/>
-                    <a:pt x="20" y="36"/>
-                  </a:cubicBezTo>
-                  <a:cubicBezTo>
-                    <a:pt x="28" y="36"/>
-                    <a:pt x="36" y="29"/>
-                    <a:pt x="36" y="20"/>
-                  </a:cubicBezTo>
-                  <a:cubicBezTo>
-                    <a:pt x="36" y="11"/>
-                    <a:pt x="28" y="4"/>
-                    <a:pt x="20" y="4"/>
-                  </a:cubicBezTo>
-                  <a:close/>
-                </a:path>
-              </a:pathLst>
-            </a:custGeom>
-            <a:grpFill/>
-            <a:ln>
-              <a:noFill/>
-            </a:ln>
-            <a:extLst>
-              <a:ext uri="{91240B29-F687-4f45-9708-019B960494DF}">
-                <a14:hiddenLine xmlns:a14="http://schemas.microsoft.com/office/drawing/2010/main" xmlns="" w="9525">
-                  <a:solidFill>
-                    <a:srgbClr val="000000"/>
-                  </a:solidFill>
-                  <a:round/>
-                  <a:headEnd/>
-                  <a:tailEnd/>
-                </a14:hiddenLine>
-              </a:ext>
-            </a:extLst>
-          </p:spPr>
-        </p:sp>
-        <p:sp>
-          <p:nvSpPr>
-            <p:cNvPr id="71" name="Freeform 51"/>
-            <p:cNvSpPr/>
-            <p:nvPr>
-              <p:extLst>
-                <p:ext uri="{386F3935-93C4-4BCD-93E2-E3B085C9AB24}">
-                  <p16:designElem xmlns:p16="http://schemas.microsoft.com/office/powerpoint/2015/main" val="1"/>
-                </p:ext>
-              </p:extLst>
-            </p:nvPr>
-          </p:nvSpPr>
-          <p:spPr bwMode="auto">
-            <a:xfrm>
-              <a:off x="1404938" y="5422900"/>
-              <a:ext cx="371475" cy="1425575"/>
-            </a:xfrm>
-            <a:custGeom>
-              <a:avLst/>
-              <a:gdLst/>
-              <a:ahLst/>
-              <a:cxnLst/>
-              <a:rect l="0" t="0" r="r" b="b"/>
-              <a:pathLst>
-                <a:path w="234" h="898">
-                  <a:moveTo>
-                    <a:pt x="18" y="898"/>
-                  </a:moveTo>
-                  <a:lnTo>
-                    <a:pt x="0" y="898"/>
-                  </a:lnTo>
-                  <a:lnTo>
-                    <a:pt x="0" y="515"/>
-                  </a:lnTo>
-                  <a:lnTo>
-                    <a:pt x="0" y="512"/>
-                  </a:lnTo>
-                  <a:lnTo>
-                    <a:pt x="222" y="0"/>
-                  </a:lnTo>
-                  <a:lnTo>
-                    <a:pt x="234" y="6"/>
-                  </a:lnTo>
-                  <a:lnTo>
-                    <a:pt x="18" y="518"/>
-                  </a:lnTo>
-                  <a:lnTo>
-                    <a:pt x="18" y="898"/>
-                  </a:lnTo>
-                  <a:close/>
-                </a:path>
-              </a:pathLst>
-            </a:custGeom>
-            <a:grpFill/>
-            <a:ln>
-              <a:noFill/>
-            </a:ln>
-            <a:extLst>
-              <a:ext uri="{91240B29-F687-4f45-9708-019B960494DF}">
-                <a14:hiddenLine xmlns:a14="http://schemas.microsoft.com/office/drawing/2010/main" xmlns="" w="9525">
-                  <a:solidFill>
-                    <a:srgbClr val="000000"/>
-                  </a:solidFill>
-                  <a:round/>
-                  <a:headEnd/>
-                  <a:tailEnd/>
-                </a14:hiddenLine>
-              </a:ext>
-            </a:extLst>
-          </p:spPr>
-        </p:sp>
-        <p:sp>
-          <p:nvSpPr>
-            <p:cNvPr id="72" name="Freeform 52"/>
-            <p:cNvSpPr/>
-            <p:nvPr>
-              <p:extLst>
-                <p:ext uri="{386F3935-93C4-4BCD-93E2-E3B085C9AB24}">
-                  <p16:designElem xmlns:p16="http://schemas.microsoft.com/office/powerpoint/2015/main" val="1"/>
-                </p:ext>
-              </p:extLst>
-            </p:nvPr>
-          </p:nvSpPr>
-          <p:spPr bwMode="auto">
-            <a:xfrm>
-              <a:off x="1666875" y="5945188"/>
-              <a:ext cx="152400" cy="912813"/>
-            </a:xfrm>
-            <a:custGeom>
-              <a:avLst/>
-              <a:gdLst/>
-              <a:ahLst/>
-              <a:cxnLst/>
-              <a:rect l="0" t="0" r="r" b="b"/>
-              <a:pathLst>
-                <a:path w="96" h="575">
-                  <a:moveTo>
-                    <a:pt x="15" y="575"/>
-                  </a:moveTo>
-                  <a:lnTo>
-                    <a:pt x="0" y="569"/>
-                  </a:lnTo>
-                  <a:lnTo>
-                    <a:pt x="81" y="383"/>
-                  </a:lnTo>
-                  <a:lnTo>
-                    <a:pt x="81" y="0"/>
-                  </a:lnTo>
-                  <a:lnTo>
-                    <a:pt x="96" y="0"/>
-                  </a:lnTo>
-                  <a:lnTo>
-                    <a:pt x="96" y="386"/>
-                  </a:lnTo>
-                  <a:lnTo>
-                    <a:pt x="15" y="575"/>
-                  </a:lnTo>
-                  <a:close/>
-                </a:path>
-              </a:pathLst>
-            </a:custGeom>
-            <a:grpFill/>
-            <a:ln>
-              <a:noFill/>
-            </a:ln>
-            <a:extLst>
-              <a:ext uri="{91240B29-F687-4f45-9708-019B960494DF}">
-                <a14:hiddenLine xmlns:a14="http://schemas.microsoft.com/office/drawing/2010/main" xmlns="" w="9525">
-                  <a:solidFill>
-                    <a:srgbClr val="000000"/>
-                  </a:solidFill>
-                  <a:round/>
-                  <a:headEnd/>
-                  <a:tailEnd/>
-                </a14:hiddenLine>
-              </a:ext>
-            </a:extLst>
-          </p:spPr>
-        </p:sp>
-        <p:sp>
-          <p:nvSpPr>
-            <p:cNvPr id="73" name="Freeform 53"/>
-            <p:cNvSpPr>
-              <a:spLocks noEditPoints="1"/>
-            </p:cNvSpPr>
-            <p:nvPr>
-              <p:extLst>
-                <p:ext uri="{386F3935-93C4-4BCD-93E2-E3B085C9AB24}">
-                  <p16:designElem xmlns:p16="http://schemas.microsoft.com/office/powerpoint/2015/main" val="1"/>
-                </p:ext>
-              </p:extLst>
-            </p:nvPr>
-          </p:nvSpPr>
-          <p:spPr bwMode="auto">
-            <a:xfrm>
-              <a:off x="1709738" y="5246688"/>
-              <a:ext cx="190500" cy="190500"/>
-            </a:xfrm>
-            <a:custGeom>
-              <a:avLst/>
-              <a:gdLst/>
-              <a:ahLst/>
-              <a:cxnLst/>
-              <a:rect l="0" t="0" r="r" b="b"/>
-              <a:pathLst>
-                <a:path w="40" h="40">
-                  <a:moveTo>
-                    <a:pt x="20" y="40"/>
-                  </a:moveTo>
-                  <a:cubicBezTo>
-                    <a:pt x="9" y="40"/>
-                    <a:pt x="0" y="31"/>
-                    <a:pt x="0" y="20"/>
-                  </a:cubicBezTo>
-                  <a:cubicBezTo>
-                    <a:pt x="0" y="9"/>
-                    <a:pt x="9" y="0"/>
-                    <a:pt x="20" y="0"/>
-                  </a:cubicBezTo>
-                  <a:cubicBezTo>
-                    <a:pt x="31" y="0"/>
-                    <a:pt x="40" y="9"/>
-                    <a:pt x="40" y="20"/>
-                  </a:cubicBezTo>
-                  <a:cubicBezTo>
-                    <a:pt x="40" y="31"/>
-                    <a:pt x="31" y="40"/>
-                    <a:pt x="20" y="40"/>
-                  </a:cubicBezTo>
-                  <a:close/>
-                  <a:moveTo>
-                    <a:pt x="20" y="4"/>
-                  </a:moveTo>
-                  <a:cubicBezTo>
-                    <a:pt x="11" y="4"/>
-                    <a:pt x="4" y="11"/>
-                    <a:pt x="4" y="20"/>
-                  </a:cubicBezTo>
-                  <a:cubicBezTo>
-                    <a:pt x="4" y="29"/>
-                    <a:pt x="11" y="36"/>
-                    <a:pt x="20" y="36"/>
-                  </a:cubicBezTo>
-                  <a:cubicBezTo>
-                    <a:pt x="29" y="36"/>
-                    <a:pt x="36" y="29"/>
-                    <a:pt x="36" y="20"/>
-                  </a:cubicBezTo>
-                  <a:cubicBezTo>
-                    <a:pt x="36" y="11"/>
-                    <a:pt x="29" y="4"/>
-                    <a:pt x="20" y="4"/>
-                  </a:cubicBezTo>
-                  <a:close/>
-                </a:path>
-              </a:pathLst>
-            </a:custGeom>
-            <a:grpFill/>
-            <a:ln>
-              <a:noFill/>
-            </a:ln>
-            <a:extLst>
-              <a:ext uri="{91240B29-F687-4f45-9708-019B960494DF}">
-                <a14:hiddenLine xmlns:a14="http://schemas.microsoft.com/office/drawing/2010/main" xmlns="" w="9525">
-                  <a:solidFill>
-                    <a:srgbClr val="000000"/>
-                  </a:solidFill>
-                  <a:round/>
-                  <a:headEnd/>
-                  <a:tailEnd/>
-                </a14:hiddenLine>
-              </a:ext>
-            </a:extLst>
-          </p:spPr>
-        </p:sp>
-        <p:sp>
-          <p:nvSpPr>
-            <p:cNvPr id="74" name="Freeform 54"/>
-            <p:cNvSpPr>
-              <a:spLocks noEditPoints="1"/>
-            </p:cNvSpPr>
-            <p:nvPr>
-              <p:extLst>
-                <p:ext uri="{386F3935-93C4-4BCD-93E2-E3B085C9AB24}">
-                  <p16:designElem xmlns:p16="http://schemas.microsoft.com/office/powerpoint/2015/main" val="1"/>
-                </p:ext>
-              </p:extLst>
-            </p:nvPr>
-          </p:nvSpPr>
-          <p:spPr bwMode="auto">
-            <a:xfrm>
-              <a:off x="1709738" y="5764213"/>
-              <a:ext cx="190500" cy="190500"/>
-            </a:xfrm>
-            <a:custGeom>
-              <a:avLst/>
-              <a:gdLst/>
-              <a:ahLst/>
-              <a:cxnLst/>
-              <a:rect l="0" t="0" r="r" b="b"/>
-              <a:pathLst>
-                <a:path w="40" h="40">
-                  <a:moveTo>
-                    <a:pt x="20" y="40"/>
-                  </a:moveTo>
-                  <a:cubicBezTo>
-                    <a:pt x="9" y="40"/>
-                    <a:pt x="0" y="31"/>
-                    <a:pt x="0" y="20"/>
-                  </a:cubicBezTo>
-                  <a:cubicBezTo>
-                    <a:pt x="0" y="9"/>
-                    <a:pt x="9" y="0"/>
-                    <a:pt x="20" y="0"/>
-                  </a:cubicBezTo>
-                  <a:cubicBezTo>
-                    <a:pt x="31" y="0"/>
-                    <a:pt x="40" y="9"/>
-                    <a:pt x="40" y="20"/>
-                  </a:cubicBezTo>
-                  <a:cubicBezTo>
-                    <a:pt x="40" y="31"/>
-                    <a:pt x="31" y="40"/>
-                    <a:pt x="20" y="40"/>
-                  </a:cubicBezTo>
-                  <a:close/>
-                  <a:moveTo>
-                    <a:pt x="20" y="4"/>
-                  </a:moveTo>
-                  <a:cubicBezTo>
-                    <a:pt x="11" y="4"/>
-                    <a:pt x="4" y="11"/>
-                    <a:pt x="4" y="20"/>
-                  </a:cubicBezTo>
-                  <a:cubicBezTo>
-                    <a:pt x="4" y="29"/>
-                    <a:pt x="11" y="36"/>
-                    <a:pt x="20" y="36"/>
-                  </a:cubicBezTo>
-                  <a:cubicBezTo>
-                    <a:pt x="29" y="36"/>
-                    <a:pt x="36" y="29"/>
-                    <a:pt x="36" y="20"/>
-                  </a:cubicBezTo>
-                  <a:cubicBezTo>
-                    <a:pt x="36" y="11"/>
-                    <a:pt x="29" y="4"/>
-                    <a:pt x="20" y="4"/>
-                  </a:cubicBezTo>
-                  <a:close/>
-                </a:path>
-              </a:pathLst>
-            </a:custGeom>
-            <a:grpFill/>
-            <a:ln>
-              <a:noFill/>
-            </a:ln>
-            <a:extLst>
-              <a:ext uri="{91240B29-F687-4f45-9708-019B960494DF}">
-                <a14:hiddenLine xmlns:a14="http://schemas.microsoft.com/office/drawing/2010/main" xmlns="" w="9525">
-                  <a:solidFill>
-                    <a:srgbClr val="000000"/>
-                  </a:solidFill>
-                  <a:round/>
-                  <a:headEnd/>
-                  <a:tailEnd/>
-                </a14:hiddenLine>
-              </a:ext>
-            </a:extLst>
-          </p:spPr>
-        </p:sp>
-        <p:sp>
-          <p:nvSpPr>
-            <p:cNvPr id="75" name="Freeform 55"/>
-            <p:cNvSpPr/>
-            <p:nvPr>
-              <p:extLst>
-                <p:ext uri="{386F3935-93C4-4BCD-93E2-E3B085C9AB24}">
-                  <p16:designElem xmlns:p16="http://schemas.microsoft.com/office/powerpoint/2015/main" val="1"/>
-                </p:ext>
-              </p:extLst>
-            </p:nvPr>
-          </p:nvSpPr>
-          <p:spPr bwMode="auto">
-            <a:xfrm>
-              <a:off x="1766888" y="6330950"/>
-              <a:ext cx="419100" cy="527050"/>
-            </a:xfrm>
-            <a:custGeom>
-              <a:avLst/>
-              <a:gdLst/>
-              <a:ahLst/>
-              <a:cxnLst/>
-              <a:rect l="0" t="0" r="r" b="b"/>
-              <a:pathLst>
-                <a:path w="264" h="332">
-                  <a:moveTo>
-                    <a:pt x="12" y="332"/>
-                  </a:moveTo>
-                  <a:lnTo>
-                    <a:pt x="0" y="326"/>
-                  </a:lnTo>
-                  <a:lnTo>
-                    <a:pt x="45" y="206"/>
-                  </a:lnTo>
-                  <a:lnTo>
-                    <a:pt x="255" y="0"/>
-                  </a:lnTo>
-                  <a:lnTo>
-                    <a:pt x="264" y="12"/>
-                  </a:lnTo>
-                  <a:lnTo>
-                    <a:pt x="60" y="215"/>
-                  </a:lnTo>
-                  <a:lnTo>
-                    <a:pt x="12" y="332"/>
-                  </a:lnTo>
-                  <a:close/>
-                </a:path>
-              </a:pathLst>
-            </a:custGeom>
-            <a:grpFill/>
-            <a:ln>
-              <a:noFill/>
-            </a:ln>
-            <a:extLst>
-              <a:ext uri="{91240B29-F687-4f45-9708-019B960494DF}">
-                <a14:hiddenLine xmlns:a14="http://schemas.microsoft.com/office/drawing/2010/main" xmlns="" w="9525">
-                  <a:solidFill>
-                    <a:srgbClr val="000000"/>
-                  </a:solidFill>
-                  <a:round/>
-                  <a:headEnd/>
-                  <a:tailEnd/>
-                </a14:hiddenLine>
-              </a:ext>
-            </a:extLst>
-          </p:spPr>
-        </p:sp>
-        <p:sp>
-          <p:nvSpPr>
-            <p:cNvPr id="76" name="Freeform 56"/>
-            <p:cNvSpPr>
-              <a:spLocks noEditPoints="1"/>
-            </p:cNvSpPr>
-            <p:nvPr>
-              <p:extLst>
-                <p:ext uri="{386F3935-93C4-4BCD-93E2-E3B085C9AB24}">
-                  <p16:designElem xmlns:p16="http://schemas.microsoft.com/office/powerpoint/2015/main" val="1"/>
-                </p:ext>
-              </p:extLst>
-            </p:nvPr>
-          </p:nvSpPr>
-          <p:spPr bwMode="auto">
-            <a:xfrm>
-              <a:off x="2147888" y="6221413"/>
-              <a:ext cx="157163" cy="147638"/>
-            </a:xfrm>
-            <a:custGeom>
-              <a:avLst/>
-              <a:gdLst/>
-              <a:ahLst/>
-              <a:cxnLst/>
-              <a:rect l="0" t="0" r="r" b="b"/>
-              <a:pathLst>
-                <a:path w="33" h="31">
-                  <a:moveTo>
-                    <a:pt x="16" y="31"/>
-                  </a:moveTo>
-                  <a:cubicBezTo>
-                    <a:pt x="12" y="31"/>
-                    <a:pt x="8" y="29"/>
-                    <a:pt x="5" y="26"/>
-                  </a:cubicBezTo>
-                  <a:cubicBezTo>
-                    <a:pt x="2" y="24"/>
-                    <a:pt x="0" y="20"/>
-                    <a:pt x="0" y="15"/>
-                  </a:cubicBezTo>
-                  <a:cubicBezTo>
-                    <a:pt x="0" y="11"/>
-                    <a:pt x="2" y="7"/>
-                    <a:pt x="5" y="4"/>
-                  </a:cubicBezTo>
-                  <a:cubicBezTo>
-                    <a:pt x="8" y="1"/>
-                    <a:pt x="12" y="0"/>
-                    <a:pt x="16" y="0"/>
-                  </a:cubicBezTo>
-                  <a:cubicBezTo>
-                    <a:pt x="20" y="0"/>
-                    <a:pt x="24" y="1"/>
-                    <a:pt x="27" y="4"/>
-                  </a:cubicBezTo>
-                  <a:cubicBezTo>
-                    <a:pt x="33" y="10"/>
-                    <a:pt x="33" y="20"/>
-                    <a:pt x="27" y="26"/>
-                  </a:cubicBezTo>
-                  <a:cubicBezTo>
-                    <a:pt x="24" y="29"/>
-                    <a:pt x="20" y="31"/>
-                    <a:pt x="16" y="31"/>
-                  </a:cubicBezTo>
-                  <a:close/>
-                  <a:moveTo>
-                    <a:pt x="16" y="4"/>
-                  </a:moveTo>
-                  <a:cubicBezTo>
-                    <a:pt x="13" y="4"/>
-                    <a:pt x="10" y="5"/>
-                    <a:pt x="8" y="7"/>
-                  </a:cubicBezTo>
-                  <a:cubicBezTo>
-                    <a:pt x="6" y="9"/>
-                    <a:pt x="4" y="12"/>
-                    <a:pt x="4" y="15"/>
-                  </a:cubicBezTo>
-                  <a:cubicBezTo>
-                    <a:pt x="4" y="19"/>
-                    <a:pt x="6" y="21"/>
-                    <a:pt x="8" y="24"/>
-                  </a:cubicBezTo>
-                  <a:cubicBezTo>
-                    <a:pt x="10" y="26"/>
-                    <a:pt x="13" y="27"/>
-                    <a:pt x="16" y="27"/>
-                  </a:cubicBezTo>
-                  <a:cubicBezTo>
-                    <a:pt x="19" y="27"/>
-                    <a:pt x="22" y="26"/>
-                    <a:pt x="24" y="24"/>
-                  </a:cubicBezTo>
-                  <a:cubicBezTo>
-                    <a:pt x="29" y="19"/>
-                    <a:pt x="29" y="12"/>
-                    <a:pt x="24" y="7"/>
-                  </a:cubicBezTo>
-                  <a:cubicBezTo>
-                    <a:pt x="22" y="5"/>
-                    <a:pt x="19" y="4"/>
-                    <a:pt x="16" y="4"/>
-                  </a:cubicBezTo>
-                  <a:close/>
-                </a:path>
-              </a:pathLst>
-            </a:custGeom>
-            <a:grpFill/>
-            <a:ln>
-              <a:noFill/>
-            </a:ln>
-            <a:extLst>
-              <a:ext uri="{91240B29-F687-4f45-9708-019B960494DF}">
-                <a14:hiddenLine xmlns:a14="http://schemas.microsoft.com/office/drawing/2010/main" xmlns="" w="9525">
-                  <a:solidFill>
-                    <a:srgbClr val="000000"/>
-                  </a:solidFill>
-                  <a:round/>
-                  <a:headEnd/>
-                  <a:tailEnd/>
-                </a14:hiddenLine>
-              </a:ext>
-            </a:extLst>
-          </p:spPr>
-        </p:sp>
-        <p:sp>
-          <p:nvSpPr>
-            <p:cNvPr id="77" name="Freeform 57"/>
-            <p:cNvSpPr/>
-            <p:nvPr>
-              <p:extLst>
-                <p:ext uri="{386F3935-93C4-4BCD-93E2-E3B085C9AB24}">
-                  <p16:designElem xmlns:p16="http://schemas.microsoft.com/office/powerpoint/2015/main" val="1"/>
-                </p:ext>
-              </p:extLst>
-            </p:nvPr>
-          </p:nvSpPr>
-          <p:spPr bwMode="auto">
-            <a:xfrm>
-              <a:off x="504825" y="9525"/>
-              <a:ext cx="233363" cy="5103813"/>
-            </a:xfrm>
-            <a:custGeom>
-              <a:avLst/>
-              <a:gdLst/>
-              <a:ahLst/>
-              <a:cxnLst/>
-              <a:rect l="0" t="0" r="r" b="b"/>
-              <a:pathLst>
-                <a:path w="147" h="3215">
-                  <a:moveTo>
-                    <a:pt x="132" y="3215"/>
-                  </a:moveTo>
-                  <a:lnTo>
-                    <a:pt x="129" y="2754"/>
-                  </a:lnTo>
-                  <a:lnTo>
-                    <a:pt x="0" y="1901"/>
-                  </a:lnTo>
-                  <a:lnTo>
-                    <a:pt x="0" y="0"/>
-                  </a:lnTo>
-                  <a:lnTo>
-                    <a:pt x="15" y="0"/>
-                  </a:lnTo>
-                  <a:lnTo>
-                    <a:pt x="15" y="1898"/>
-                  </a:lnTo>
-                  <a:lnTo>
-                    <a:pt x="144" y="2754"/>
-                  </a:lnTo>
-                  <a:lnTo>
-                    <a:pt x="147" y="3215"/>
-                  </a:lnTo>
-                  <a:lnTo>
-                    <a:pt x="132" y="3215"/>
-                  </a:lnTo>
-                  <a:close/>
-                </a:path>
-              </a:pathLst>
-            </a:custGeom>
-            <a:grpFill/>
-            <a:ln>
-              <a:noFill/>
-            </a:ln>
-            <a:extLst>
-              <a:ext uri="{91240B29-F687-4f45-9708-019B960494DF}">
-                <a14:hiddenLine xmlns:a14="http://schemas.microsoft.com/office/drawing/2010/main" xmlns="" w="9525">
-                  <a:solidFill>
-                    <a:srgbClr val="000000"/>
-                  </a:solidFill>
-                  <a:round/>
-                  <a:headEnd/>
-                  <a:tailEnd/>
-                </a14:hiddenLine>
-              </a:ext>
-            </a:extLst>
-          </p:spPr>
-        </p:sp>
-        <p:sp>
-          <p:nvSpPr>
-            <p:cNvPr id="78" name="Freeform 58"/>
-            <p:cNvSpPr>
-              <a:spLocks noEditPoints="1"/>
-            </p:cNvSpPr>
-            <p:nvPr>
-              <p:extLst>
-                <p:ext uri="{386F3935-93C4-4BCD-93E2-E3B085C9AB24}">
-                  <p16:designElem xmlns:p16="http://schemas.microsoft.com/office/powerpoint/2015/main" val="1"/>
-                </p:ext>
-              </p:extLst>
-            </p:nvPr>
-          </p:nvSpPr>
-          <p:spPr bwMode="auto">
-            <a:xfrm>
-              <a:off x="633413" y="5103813"/>
-              <a:ext cx="185738" cy="185738"/>
-            </a:xfrm>
-            <a:custGeom>
-              <a:avLst/>
-              <a:gdLst/>
-              <a:ahLst/>
-              <a:cxnLst/>
-              <a:rect l="0" t="0" r="r" b="b"/>
-              <a:pathLst>
-                <a:path w="39" h="39">
-                  <a:moveTo>
-                    <a:pt x="20" y="39"/>
-                  </a:moveTo>
-                  <a:cubicBezTo>
-                    <a:pt x="9" y="39"/>
-                    <a:pt x="0" y="30"/>
-                    <a:pt x="0" y="19"/>
-                  </a:cubicBezTo>
-                  <a:cubicBezTo>
-                    <a:pt x="0" y="9"/>
-                    <a:pt x="9" y="0"/>
-                    <a:pt x="20" y="0"/>
-                  </a:cubicBezTo>
-                  <a:cubicBezTo>
-                    <a:pt x="30" y="0"/>
-                    <a:pt x="39" y="9"/>
-                    <a:pt x="39" y="19"/>
-                  </a:cubicBezTo>
-                  <a:cubicBezTo>
-                    <a:pt x="39" y="30"/>
-                    <a:pt x="30" y="39"/>
-                    <a:pt x="20" y="39"/>
-                  </a:cubicBezTo>
-                  <a:close/>
-                  <a:moveTo>
-                    <a:pt x="20" y="4"/>
-                  </a:moveTo>
-                  <a:cubicBezTo>
-                    <a:pt x="11" y="4"/>
-                    <a:pt x="4" y="11"/>
-                    <a:pt x="4" y="19"/>
-                  </a:cubicBezTo>
-                  <a:cubicBezTo>
-                    <a:pt x="4" y="28"/>
-                    <a:pt x="11" y="35"/>
-                    <a:pt x="20" y="35"/>
-                  </a:cubicBezTo>
-                  <a:cubicBezTo>
-                    <a:pt x="28" y="35"/>
-                    <a:pt x="35" y="28"/>
-                    <a:pt x="35" y="19"/>
-                  </a:cubicBezTo>
-                  <a:cubicBezTo>
-                    <a:pt x="35" y="11"/>
-                    <a:pt x="28" y="4"/>
-                    <a:pt x="20" y="4"/>
-                  </a:cubicBezTo>
-                  <a:close/>
-                </a:path>
-              </a:pathLst>
-            </a:custGeom>
-            <a:grpFill/>
-            <a:ln>
-              <a:noFill/>
-            </a:ln>
-            <a:extLst>
-              <a:ext uri="{91240B29-F687-4f45-9708-019B960494DF}">
-                <a14:hiddenLine xmlns:a14="http://schemas.microsoft.com/office/drawing/2010/main" xmlns="" w="9525">
-                  <a:solidFill>
-                    <a:srgbClr val="000000"/>
-                  </a:solidFill>
-                  <a:round/>
-                  <a:headEnd/>
-                  <a:tailEnd/>
-                </a14:hiddenLine>
-              </a:ext>
-            </a:extLst>
-          </p:spPr>
-        </p:sp>
-      </p:grpSp>
       <p:sp>
         <p:nvSpPr>
           <p:cNvPr id="2" name="Title 1"/>
@@ -18596,7 +13269,7 @@
                 <a:ea typeface="Lucida Console" charset="0"/>
                 <a:cs typeface="Lucida Console" charset="0"/>
               </a:rPr>
-              <a:t>name</a:t>
+              <a:t>Name</a:t>
             </a:r>
             <a:r>
               <a:rPr lang="en-US" sz="2400" i="1" dirty="0">
@@ -18609,7 +13282,7 @@
             <a:r>
               <a:rPr lang="en-US" sz="2400" i="1" dirty="0">
                 <a:solidFill>
-                  <a:srgbClr val="FF0000"/>
+                  <a:schemeClr val="accent3"/>
                 </a:solidFill>
                 <a:latin typeface="Lucida Console" charset="0"/>
                 <a:ea typeface="Lucida Console" charset="0"/>
@@ -18634,7 +13307,7 @@
                 <a:ea typeface="Lucida Console" charset="0"/>
                 <a:cs typeface="Lucida Console" charset="0"/>
               </a:rPr>
-              <a:t>value</a:t>
+              <a:t>Value</a:t>
             </a:r>
             <a:r>
               <a:rPr lang="en-US" sz="2400" i="1" dirty="0">
@@ -18647,7 +13320,7 @@
             <a:r>
               <a:rPr lang="en-US" sz="2400" i="1" dirty="0">
                 <a:solidFill>
-                  <a:srgbClr val="FF0000"/>
+                  <a:schemeClr val="accent3"/>
                 </a:solidFill>
                 <a:latin typeface="Lucida Console" charset="0"/>
                 <a:ea typeface="Lucida Console" charset="0"/>
@@ -18868,15 +13541,7 @@
             <a:pPr algn="ctr"/>
             <a:r>
               <a:rPr lang="en-US" sz="1400" dirty="0"/>
-              <a:t>Look at </a:t>
-            </a:r>
-            <a:r>
-              <a:rPr lang="en-US" sz="1400" dirty="0" err="1"/>
-              <a:t>Shiney</a:t>
-            </a:r>
-            <a:r>
-              <a:rPr lang="en-US" sz="1400" dirty="0"/>
-              <a:t> New Laptop</a:t>
+              <a:t>Look at Shiny New Laptop</a:t>
             </a:r>
           </a:p>
         </p:txBody>
@@ -18919,15 +13584,7 @@
             <a:pPr algn="ctr"/>
             <a:r>
               <a:rPr lang="en-US" sz="1400" dirty="0"/>
-              <a:t>Do with </a:t>
-            </a:r>
-            <a:r>
-              <a:rPr lang="en-US" sz="1400" dirty="0" err="1"/>
-              <a:t>Shiney</a:t>
-            </a:r>
-            <a:r>
-              <a:rPr lang="en-US" sz="1400" dirty="0"/>
-              <a:t> New Laptop</a:t>
+              <a:t>Do with Shiny New Laptop</a:t>
             </a:r>
           </a:p>
         </p:txBody>
@@ -21169,7 +15826,7 @@
           <a:p>
             <a:r>
               <a:rPr lang="en-US" dirty="0"/>
-              <a:t>It’s like saving your file.. Again</a:t>
+              <a:t>It’s like saving your file.. or pieces of your file, </a:t>
             </a:r>
           </a:p>
           <a:p>
@@ -21271,7 +15928,7 @@
           <a:p>
             <a:r>
               <a:rPr lang="en-US" dirty="0"/>
-              <a:t>All history retained with each copy (clone)</a:t>
+              <a:t>All history retained with each copy</a:t>
             </a:r>
           </a:p>
           <a:p>
@@ -21358,167 +16015,43 @@
           <a:lstStyle/>
           <a:p>
             <a:r>
+              <a:rPr lang="en-US" dirty="0"/>
+              <a:t>Lab: Install </a:t>
+            </a:r>
+            <a:r>
               <a:rPr lang="en-US" dirty="0" err="1"/>
               <a:t>Git</a:t>
             </a:r>
-            <a:r>
-              <a:rPr lang="en-US" dirty="0"/>
-              <a:t> != GitHub</a:t>
-            </a:r>
-          </a:p>
-        </p:txBody>
-      </p:sp>
-      <p:sp>
-        <p:nvSpPr>
-          <p:cNvPr id="3" name="Content Placeholder 2"/>
+            <a:endParaRPr lang="en-US" dirty="0"/>
+          </a:p>
+        </p:txBody>
+      </p:sp>
+      <p:sp>
+        <p:nvSpPr>
+          <p:cNvPr id="3" name="Text Placeholder 2"/>
           <p:cNvSpPr>
             <a:spLocks noGrp="1"/>
           </p:cNvSpPr>
           <p:nvPr>
-            <p:ph sz="half" idx="1"/>
+            <p:ph type="body" idx="1"/>
           </p:nvPr>
         </p:nvSpPr>
         <p:spPr/>
         <p:txBody>
-          <a:bodyPr>
-            <a:normAutofit lnSpcReduction="10000"/>
-          </a:bodyPr>
+          <a:bodyPr/>
           <a:lstStyle/>
           <a:p>
             <a:r>
-              <a:rPr lang="en-US" dirty="0" err="1"/>
-              <a:t>git</a:t>
-            </a:r>
-            <a:r>
               <a:rPr lang="en-US" dirty="0"/>
-              <a:t> is a distributed version control system</a:t>
-            </a:r>
-          </a:p>
-          <a:p>
-            <a:r>
-              <a:rPr lang="en-US" dirty="0" err="1"/>
-              <a:t>git</a:t>
-            </a:r>
-            <a:r>
-              <a:rPr lang="en-US" dirty="0"/>
-              <a:t> runs locally on your system</a:t>
-            </a:r>
-          </a:p>
-          <a:p>
-            <a:r>
-              <a:rPr lang="en-US" dirty="0" err="1"/>
-              <a:t>git</a:t>
-            </a:r>
-            <a:r>
-              <a:rPr lang="en-US" dirty="0"/>
-              <a:t> tracks changes of your project</a:t>
-            </a:r>
-          </a:p>
-          <a:p>
-            <a:r>
-              <a:rPr lang="en-US" dirty="0" err="1"/>
-              <a:t>git</a:t>
-            </a:r>
-            <a:r>
-              <a:rPr lang="en-US" dirty="0"/>
-              <a:t> does not require a remote node</a:t>
-            </a:r>
-          </a:p>
-          <a:p>
-            <a:r>
-              <a:rPr lang="en-US" dirty="0"/>
-              <a:t>There is </a:t>
-            </a:r>
-            <a:r>
-              <a:rPr lang="en-US" dirty="0" err="1"/>
-              <a:t>git</a:t>
-            </a:r>
-            <a:r>
-              <a:rPr lang="en-US" dirty="0"/>
-              <a:t> without </a:t>
-            </a:r>
-            <a:r>
-              <a:rPr lang="en-US" dirty="0" err="1"/>
-              <a:t>Github</a:t>
-            </a:r>
-            <a:endParaRPr lang="en-US" dirty="0"/>
-          </a:p>
-        </p:txBody>
-      </p:sp>
-      <p:sp>
-        <p:nvSpPr>
-          <p:cNvPr id="4" name="Content Placeholder 3"/>
-          <p:cNvSpPr>
-            <a:spLocks noGrp="1"/>
-          </p:cNvSpPr>
-          <p:nvPr>
-            <p:ph sz="half" idx="2"/>
-          </p:nvPr>
-        </p:nvSpPr>
-        <p:spPr/>
-        <p:txBody>
-          <a:bodyPr>
-            <a:normAutofit lnSpcReduction="10000"/>
-          </a:bodyPr>
-          <a:lstStyle/>
-          <a:p>
-            <a:r>
-              <a:rPr lang="en-US" dirty="0" err="1"/>
-              <a:t>Github</a:t>
-            </a:r>
-            <a:r>
-              <a:rPr lang="en-US" dirty="0"/>
-              <a:t> is a SaaS platform based on </a:t>
-            </a:r>
-            <a:r>
-              <a:rPr lang="en-US" dirty="0" err="1"/>
-              <a:t>git</a:t>
-            </a:r>
-            <a:endParaRPr lang="en-US" dirty="0"/>
-          </a:p>
-          <a:p>
-            <a:r>
-              <a:rPr lang="en-US" dirty="0"/>
-              <a:t>Provides a remote repository for your code</a:t>
-            </a:r>
-          </a:p>
-          <a:p>
-            <a:r>
-              <a:rPr lang="en-US" dirty="0"/>
-              <a:t>Allows collaboration on projects</a:t>
-            </a:r>
-          </a:p>
-          <a:p>
-            <a:r>
-              <a:rPr lang="en-US" dirty="0"/>
-              <a:t>Tracks issues, forks, followers</a:t>
-            </a:r>
-          </a:p>
-          <a:p>
-            <a:r>
-              <a:rPr lang="en-US" dirty="0"/>
-              <a:t>There is no </a:t>
-            </a:r>
-            <a:r>
-              <a:rPr lang="en-US" dirty="0" err="1"/>
-              <a:t>Github</a:t>
-            </a:r>
-            <a:r>
-              <a:rPr lang="en-US" dirty="0"/>
-              <a:t> without </a:t>
-            </a:r>
-            <a:r>
-              <a:rPr lang="en-US" dirty="0" err="1"/>
-              <a:t>git</a:t>
-            </a:r>
-            <a:endParaRPr lang="en-US" dirty="0"/>
+              <a:t>You’re using Chocolatey right?</a:t>
+            </a:r>
           </a:p>
         </p:txBody>
       </p:sp>
     </p:spTree>
     <p:extLst>
       <p:ext uri="{BB962C8B-B14F-4D97-AF65-F5344CB8AC3E}">
-        <p14:creationId xmlns:p14="http://schemas.microsoft.com/office/powerpoint/2010/main" val="175258742"/>
+        <p14:creationId xmlns:p14="http://schemas.microsoft.com/office/powerpoint/2010/main" val="3629297533"/>
       </p:ext>
     </p:extLst>
   </p:cSld>
@@ -21566,7 +16099,7 @@
             </a:r>
             <a:r>
               <a:rPr lang="en-US" dirty="0"/>
-              <a:t> Commands</a:t>
+              <a:t> != GitHub</a:t>
             </a:r>
           </a:p>
         </p:txBody>
@@ -21578,474 +16111,150 @@
             <a:spLocks noGrp="1"/>
           </p:cNvSpPr>
           <p:nvPr>
-            <p:ph idx="1"/>
+            <p:ph sz="half" idx="1"/>
           </p:nvPr>
         </p:nvSpPr>
-        <p:spPr>
-          <a:xfrm>
-            <a:off x="1141412" y="2249487"/>
-            <a:ext cx="9905999" cy="716890"/>
-          </a:xfrm>
-        </p:spPr>
+        <p:spPr/>
         <p:txBody>
           <a:bodyPr>
-            <a:normAutofit/>
+            <a:normAutofit lnSpcReduction="10000"/>
           </a:bodyPr>
           <a:lstStyle/>
           <a:p>
-            <a:pPr marL="0" indent="0">
-              <a:buNone/>
-            </a:pPr>
-            <a:r>
-              <a:rPr lang="en-US" dirty="0"/>
-              <a:t>Command line </a:t>
-            </a:r>
             <a:r>
               <a:rPr lang="en-US" dirty="0" err="1"/>
               <a:t>git</a:t>
             </a:r>
             <a:r>
               <a:rPr lang="en-US" dirty="0"/>
-              <a:t> can be pretty cryptic to the uninitiated</a:t>
-            </a:r>
-          </a:p>
-          <a:p>
-            <a:pPr marL="457200" lvl="1" indent="0">
-              <a:buNone/>
-            </a:pPr>
+              <a:t> is a distributed version control system</a:t>
+            </a:r>
+          </a:p>
+          <a:p>
+            <a:r>
+              <a:rPr lang="en-US" dirty="0" err="1"/>
+              <a:t>git</a:t>
+            </a:r>
+            <a:r>
+              <a:rPr lang="en-US" dirty="0"/>
+              <a:t> runs locally on your system</a:t>
+            </a:r>
+          </a:p>
+          <a:p>
+            <a:r>
+              <a:rPr lang="en-US" dirty="0" err="1"/>
+              <a:t>git</a:t>
+            </a:r>
+            <a:r>
+              <a:rPr lang="en-US" dirty="0"/>
+              <a:t> tracks changes of your project</a:t>
+            </a:r>
+          </a:p>
+          <a:p>
+            <a:r>
+              <a:rPr lang="en-US" dirty="0" err="1"/>
+              <a:t>git</a:t>
+            </a:r>
+            <a:r>
+              <a:rPr lang="en-US" dirty="0"/>
+              <a:t> does not require a remote node</a:t>
+            </a:r>
+          </a:p>
+          <a:p>
+            <a:r>
+              <a:rPr lang="en-US" dirty="0"/>
+              <a:t>There is </a:t>
+            </a:r>
+            <a:r>
+              <a:rPr lang="en-US" dirty="0" err="1"/>
+              <a:t>git</a:t>
+            </a:r>
+            <a:r>
+              <a:rPr lang="en-US" dirty="0"/>
+              <a:t> without </a:t>
+            </a:r>
+            <a:r>
+              <a:rPr lang="en-US" dirty="0" err="1"/>
+              <a:t>Github</a:t>
+            </a:r>
             <a:endParaRPr lang="en-US" dirty="0"/>
           </a:p>
         </p:txBody>
       </p:sp>
       <p:sp>
         <p:nvSpPr>
-          <p:cNvPr id="4" name="TextBox 3"/>
-          <p:cNvSpPr txBox="1"/>
-          <p:nvPr/>
-        </p:nvSpPr>
-        <p:spPr>
-          <a:xfrm>
-            <a:off x="6149424" y="5304684"/>
-            <a:ext cx="3261060" cy="523220"/>
-          </a:xfrm>
-          <a:prstGeom prst="rect">
-            <a:avLst/>
-          </a:prstGeom>
-          <a:noFill/>
-        </p:spPr>
-        <p:txBody>
-          <a:bodyPr wrap="square" rtlCol="0">
-            <a:spAutoFit/>
+          <p:cNvPr id="4" name="Content Placeholder 3"/>
+          <p:cNvSpPr>
+            <a:spLocks noGrp="1"/>
+          </p:cNvSpPr>
+          <p:nvPr>
+            <p:ph sz="half" idx="2"/>
+          </p:nvPr>
+        </p:nvSpPr>
+        <p:spPr/>
+        <p:txBody>
+          <a:bodyPr>
+            <a:normAutofit lnSpcReduction="10000"/>
           </a:bodyPr>
           <a:lstStyle/>
           <a:p>
-            <a:pPr lvl="1"/>
-            <a:r>
-              <a:rPr lang="en-US" sz="2800" dirty="0" err="1">
-                <a:solidFill>
-                  <a:schemeClr val="tx1">
-                    <a:lumMod val="75000"/>
-                  </a:schemeClr>
-                </a:solidFill>
-                <a:latin typeface="Lucida Console" panose="020B0609040504020204" pitchFamily="49" charset="0"/>
-              </a:rPr>
+            <a:r>
+              <a:rPr lang="en-US" dirty="0" err="1"/>
+              <a:t>Github</a:t>
+            </a:r>
+            <a:r>
+              <a:rPr lang="en-US" dirty="0"/>
+              <a:t> is a SaaS platform based on </a:t>
+            </a:r>
+            <a:r>
+              <a:rPr lang="en-US" dirty="0" err="1"/>
               <a:t>git</a:t>
             </a:r>
-            <a:r>
-              <a:rPr lang="en-US" sz="2800" dirty="0">
-                <a:solidFill>
-                  <a:schemeClr val="tx1">
-                    <a:lumMod val="75000"/>
-                  </a:schemeClr>
-                </a:solidFill>
-                <a:latin typeface="Lucida Console" panose="020B0609040504020204" pitchFamily="49" charset="0"/>
-              </a:rPr>
-              <a:t> </a:t>
-            </a:r>
-            <a:r>
-              <a:rPr lang="en-US" sz="2800" dirty="0" err="1">
-                <a:solidFill>
-                  <a:schemeClr val="tx1">
-                    <a:lumMod val="75000"/>
-                  </a:schemeClr>
-                </a:solidFill>
-                <a:latin typeface="Lucida Console" panose="020B0609040504020204" pitchFamily="49" charset="0"/>
-              </a:rPr>
-              <a:t>init</a:t>
-            </a:r>
-            <a:endParaRPr lang="en-US" sz="2800" dirty="0">
-              <a:solidFill>
-                <a:schemeClr val="tx1">
-                  <a:lumMod val="75000"/>
-                </a:schemeClr>
-              </a:solidFill>
-              <a:latin typeface="Lucida Console" panose="020B0609040504020204" pitchFamily="49" charset="0"/>
-            </a:endParaRPr>
-          </a:p>
-        </p:txBody>
-      </p:sp>
-      <p:sp>
-        <p:nvSpPr>
-          <p:cNvPr id="5" name="TextBox 4"/>
-          <p:cNvSpPr txBox="1"/>
-          <p:nvPr/>
-        </p:nvSpPr>
-        <p:spPr>
-          <a:xfrm>
-            <a:off x="7751213" y="2982615"/>
-            <a:ext cx="3261060" cy="523220"/>
-          </a:xfrm>
-          <a:prstGeom prst="rect">
-            <a:avLst/>
-          </a:prstGeom>
-          <a:noFill/>
-        </p:spPr>
-        <p:txBody>
-          <a:bodyPr wrap="square" rtlCol="0">
-            <a:spAutoFit/>
-          </a:bodyPr>
-          <a:lstStyle/>
-          <a:p>
-            <a:pPr lvl="1"/>
-            <a:r>
-              <a:rPr lang="en-US" sz="2800" dirty="0" err="1">
-                <a:solidFill>
-                  <a:schemeClr val="tx1">
-                    <a:lumMod val="75000"/>
-                  </a:schemeClr>
-                </a:solidFill>
-                <a:latin typeface="Lucida Console" panose="020B0609040504020204" pitchFamily="49" charset="0"/>
-              </a:rPr>
+            <a:endParaRPr lang="en-US" dirty="0"/>
+          </a:p>
+          <a:p>
+            <a:r>
+              <a:rPr lang="en-US" dirty="0"/>
+              <a:t>Provides a remote repository for your code</a:t>
+            </a:r>
+          </a:p>
+          <a:p>
+            <a:r>
+              <a:rPr lang="en-US" dirty="0"/>
+              <a:t>Allows collaboration on projects</a:t>
+            </a:r>
+          </a:p>
+          <a:p>
+            <a:r>
+              <a:rPr lang="en-US" dirty="0"/>
+              <a:t>Tracks issues, forks, followers</a:t>
+            </a:r>
+          </a:p>
+          <a:p>
+            <a:r>
+              <a:rPr lang="en-US" dirty="0"/>
+              <a:t>There is no </a:t>
+            </a:r>
+            <a:r>
+              <a:rPr lang="en-US" dirty="0" err="1"/>
+              <a:t>Github</a:t>
+            </a:r>
+            <a:r>
+              <a:rPr lang="en-US" dirty="0"/>
+              <a:t> without </a:t>
+            </a:r>
+            <a:r>
+              <a:rPr lang="en-US" dirty="0" err="1"/>
               <a:t>git</a:t>
             </a:r>
-            <a:r>
-              <a:rPr lang="en-US" sz="2800" dirty="0">
-                <a:solidFill>
-                  <a:schemeClr val="tx1">
-                    <a:lumMod val="75000"/>
-                  </a:schemeClr>
-                </a:solidFill>
-                <a:latin typeface="Lucida Console" panose="020B0609040504020204" pitchFamily="49" charset="0"/>
-              </a:rPr>
-              <a:t> add</a:t>
-            </a:r>
-          </a:p>
-        </p:txBody>
-      </p:sp>
-      <p:sp>
-        <p:nvSpPr>
-          <p:cNvPr id="6" name="TextBox 5"/>
-          <p:cNvSpPr txBox="1"/>
-          <p:nvPr/>
-        </p:nvSpPr>
-        <p:spPr>
-          <a:xfrm>
-            <a:off x="2417514" y="3074580"/>
-            <a:ext cx="3261060" cy="523220"/>
-          </a:xfrm>
-          <a:prstGeom prst="rect">
-            <a:avLst/>
-          </a:prstGeom>
-          <a:noFill/>
-        </p:spPr>
-        <p:txBody>
-          <a:bodyPr wrap="square" rtlCol="0">
-            <a:spAutoFit/>
-          </a:bodyPr>
-          <a:lstStyle/>
-          <a:p>
-            <a:pPr lvl="1"/>
-            <a:r>
-              <a:rPr lang="en-US" sz="2800" dirty="0" err="1">
-                <a:solidFill>
-                  <a:schemeClr val="tx1">
-                    <a:lumMod val="75000"/>
-                  </a:schemeClr>
-                </a:solidFill>
-                <a:latin typeface="Lucida Console" panose="020B0609040504020204" pitchFamily="49" charset="0"/>
-              </a:rPr>
-              <a:t>git</a:t>
-            </a:r>
-            <a:r>
-              <a:rPr lang="en-US" sz="2800" dirty="0">
-                <a:solidFill>
-                  <a:schemeClr val="tx1">
-                    <a:lumMod val="75000"/>
-                  </a:schemeClr>
-                </a:solidFill>
-                <a:latin typeface="Lucida Console" panose="020B0609040504020204" pitchFamily="49" charset="0"/>
-              </a:rPr>
-              <a:t> status</a:t>
-            </a:r>
-          </a:p>
-        </p:txBody>
-      </p:sp>
-      <p:sp>
-        <p:nvSpPr>
-          <p:cNvPr id="7" name="TextBox 6"/>
-          <p:cNvSpPr txBox="1"/>
-          <p:nvPr/>
-        </p:nvSpPr>
-        <p:spPr>
-          <a:xfrm>
-            <a:off x="911501" y="5516079"/>
-            <a:ext cx="3730788" cy="523220"/>
-          </a:xfrm>
-          <a:prstGeom prst="rect">
-            <a:avLst/>
-          </a:prstGeom>
-          <a:noFill/>
-        </p:spPr>
-        <p:txBody>
-          <a:bodyPr wrap="square" rtlCol="0">
-            <a:spAutoFit/>
-          </a:bodyPr>
-          <a:lstStyle/>
-          <a:p>
-            <a:pPr lvl="1"/>
-            <a:r>
-              <a:rPr lang="en-US" sz="2800" dirty="0" err="1">
-                <a:solidFill>
-                  <a:schemeClr val="tx1">
-                    <a:lumMod val="75000"/>
-                  </a:schemeClr>
-                </a:solidFill>
-                <a:latin typeface="Lucida Console" panose="020B0609040504020204" pitchFamily="49" charset="0"/>
-              </a:rPr>
-              <a:t>git</a:t>
-            </a:r>
-            <a:r>
-              <a:rPr lang="en-US" sz="2800" dirty="0">
-                <a:solidFill>
-                  <a:schemeClr val="tx1">
-                    <a:lumMod val="75000"/>
-                  </a:schemeClr>
-                </a:solidFill>
-                <a:latin typeface="Lucida Console" panose="020B0609040504020204" pitchFamily="49" charset="0"/>
-              </a:rPr>
-              <a:t> </a:t>
-            </a:r>
-            <a:r>
-              <a:rPr lang="en-US" sz="2800" dirty="0" err="1">
-                <a:solidFill>
-                  <a:schemeClr val="tx1">
-                    <a:lumMod val="75000"/>
-                  </a:schemeClr>
-                </a:solidFill>
-                <a:latin typeface="Lucida Console" panose="020B0609040504020204" pitchFamily="49" charset="0"/>
-              </a:rPr>
-              <a:t>wut</a:t>
-            </a:r>
-            <a:r>
-              <a:rPr lang="en-US" sz="2800" dirty="0">
-                <a:solidFill>
-                  <a:schemeClr val="tx1">
-                    <a:lumMod val="75000"/>
-                  </a:schemeClr>
-                </a:solidFill>
-                <a:latin typeface="Lucida Console" panose="020B0609040504020204" pitchFamily="49" charset="0"/>
-              </a:rPr>
-              <a:t>???????</a:t>
-            </a:r>
-          </a:p>
-        </p:txBody>
-      </p:sp>
-      <p:sp>
-        <p:nvSpPr>
-          <p:cNvPr id="8" name="TextBox 7"/>
-          <p:cNvSpPr txBox="1"/>
-          <p:nvPr/>
-        </p:nvSpPr>
-        <p:spPr>
-          <a:xfrm>
-            <a:off x="5044589" y="3552867"/>
-            <a:ext cx="3261060" cy="523220"/>
-          </a:xfrm>
-          <a:prstGeom prst="rect">
-            <a:avLst/>
-          </a:prstGeom>
-          <a:noFill/>
-        </p:spPr>
-        <p:txBody>
-          <a:bodyPr wrap="square" rtlCol="0">
-            <a:spAutoFit/>
-          </a:bodyPr>
-          <a:lstStyle/>
-          <a:p>
-            <a:pPr lvl="1"/>
-            <a:r>
-              <a:rPr lang="en-US" sz="2800" dirty="0" err="1">
-                <a:solidFill>
-                  <a:schemeClr val="tx1">
-                    <a:lumMod val="75000"/>
-                  </a:schemeClr>
-                </a:solidFill>
-                <a:latin typeface="Lucida Console" panose="020B0609040504020204" pitchFamily="49" charset="0"/>
-              </a:rPr>
-              <a:t>git</a:t>
-            </a:r>
-            <a:r>
-              <a:rPr lang="en-US" sz="2800" dirty="0">
-                <a:solidFill>
-                  <a:schemeClr val="tx1">
-                    <a:lumMod val="75000"/>
-                  </a:schemeClr>
-                </a:solidFill>
-                <a:latin typeface="Lucida Console" panose="020B0609040504020204" pitchFamily="49" charset="0"/>
-              </a:rPr>
-              <a:t> push</a:t>
-            </a:r>
-          </a:p>
-        </p:txBody>
-      </p:sp>
-      <p:sp>
-        <p:nvSpPr>
-          <p:cNvPr id="9" name="TextBox 8"/>
-          <p:cNvSpPr txBox="1"/>
-          <p:nvPr/>
-        </p:nvSpPr>
-        <p:spPr>
-          <a:xfrm>
-            <a:off x="3880253" y="4422156"/>
-            <a:ext cx="3261060" cy="523220"/>
-          </a:xfrm>
-          <a:prstGeom prst="rect">
-            <a:avLst/>
-          </a:prstGeom>
-          <a:noFill/>
-        </p:spPr>
-        <p:txBody>
-          <a:bodyPr wrap="square" rtlCol="0">
-            <a:spAutoFit/>
-          </a:bodyPr>
-          <a:lstStyle/>
-          <a:p>
-            <a:pPr lvl="1"/>
-            <a:r>
-              <a:rPr lang="en-US" sz="2800" dirty="0" err="1">
-                <a:solidFill>
-                  <a:schemeClr val="tx1">
-                    <a:lumMod val="75000"/>
-                  </a:schemeClr>
-                </a:solidFill>
-                <a:latin typeface="Lucida Console" panose="020B0609040504020204" pitchFamily="49" charset="0"/>
-              </a:rPr>
-              <a:t>git</a:t>
-            </a:r>
-            <a:r>
-              <a:rPr lang="en-US" sz="2800" dirty="0">
-                <a:solidFill>
-                  <a:schemeClr val="tx1">
-                    <a:lumMod val="75000"/>
-                  </a:schemeClr>
-                </a:solidFill>
-                <a:latin typeface="Lucida Console" panose="020B0609040504020204" pitchFamily="49" charset="0"/>
-              </a:rPr>
-              <a:t> commit</a:t>
-            </a:r>
-          </a:p>
-        </p:txBody>
-      </p:sp>
-      <p:sp>
-        <p:nvSpPr>
-          <p:cNvPr id="10" name="TextBox 9"/>
-          <p:cNvSpPr txBox="1"/>
-          <p:nvPr/>
-        </p:nvSpPr>
-        <p:spPr>
-          <a:xfrm>
-            <a:off x="1466538" y="4241621"/>
-            <a:ext cx="3261060" cy="523220"/>
-          </a:xfrm>
-          <a:prstGeom prst="rect">
-            <a:avLst/>
-          </a:prstGeom>
-          <a:noFill/>
-        </p:spPr>
-        <p:txBody>
-          <a:bodyPr wrap="square" rtlCol="0">
-            <a:spAutoFit/>
-          </a:bodyPr>
-          <a:lstStyle/>
-          <a:p>
-            <a:pPr lvl="1"/>
-            <a:r>
-              <a:rPr lang="en-US" sz="2800" dirty="0" err="1">
-                <a:solidFill>
-                  <a:schemeClr val="tx1">
-                    <a:lumMod val="75000"/>
-                  </a:schemeClr>
-                </a:solidFill>
-                <a:latin typeface="Lucida Console" panose="020B0609040504020204" pitchFamily="49" charset="0"/>
-              </a:rPr>
-              <a:t>git</a:t>
-            </a:r>
-            <a:r>
-              <a:rPr lang="en-US" sz="2800" dirty="0">
-                <a:solidFill>
-                  <a:schemeClr val="tx1">
-                    <a:lumMod val="75000"/>
-                  </a:schemeClr>
-                </a:solidFill>
-                <a:latin typeface="Lucida Console" panose="020B0609040504020204" pitchFamily="49" charset="0"/>
-              </a:rPr>
-              <a:t> pull</a:t>
-            </a:r>
-          </a:p>
-        </p:txBody>
-      </p:sp>
-      <p:sp>
-        <p:nvSpPr>
-          <p:cNvPr id="11" name="TextBox 10"/>
-          <p:cNvSpPr txBox="1"/>
-          <p:nvPr/>
-        </p:nvSpPr>
-        <p:spPr>
-          <a:xfrm>
-            <a:off x="7458605" y="4549766"/>
-            <a:ext cx="3261060" cy="523220"/>
-          </a:xfrm>
-          <a:prstGeom prst="rect">
-            <a:avLst/>
-          </a:prstGeom>
-          <a:noFill/>
-        </p:spPr>
-        <p:txBody>
-          <a:bodyPr wrap="square" rtlCol="0">
-            <a:spAutoFit/>
-          </a:bodyPr>
-          <a:lstStyle/>
-          <a:p>
-            <a:pPr lvl="1"/>
-            <a:r>
-              <a:rPr lang="en-US" sz="2800" dirty="0" err="1">
-                <a:solidFill>
-                  <a:schemeClr val="tx1">
-                    <a:lumMod val="75000"/>
-                  </a:schemeClr>
-                </a:solidFill>
-                <a:latin typeface="Lucida Console" panose="020B0609040504020204" pitchFamily="49" charset="0"/>
-              </a:rPr>
-              <a:t>git</a:t>
-            </a:r>
-            <a:r>
-              <a:rPr lang="en-US" sz="2800" dirty="0">
-                <a:solidFill>
-                  <a:schemeClr val="tx1">
-                    <a:lumMod val="75000"/>
-                  </a:schemeClr>
-                </a:solidFill>
-                <a:latin typeface="Lucida Console" panose="020B0609040504020204" pitchFamily="49" charset="0"/>
-              </a:rPr>
-              <a:t> clone</a:t>
-            </a:r>
+            <a:endParaRPr lang="en-US" dirty="0"/>
           </a:p>
         </p:txBody>
       </p:sp>
     </p:spTree>
     <p:extLst>
       <p:ext uri="{BB962C8B-B14F-4D97-AF65-F5344CB8AC3E}">
-        <p14:creationId xmlns:p14="http://schemas.microsoft.com/office/powerpoint/2010/main" val="1657674654"/>
+        <p14:creationId xmlns:p14="http://schemas.microsoft.com/office/powerpoint/2010/main" val="175258742"/>
       </p:ext>
     </p:extLst>
   </p:cSld>
@@ -22108,7 +16317,12 @@
             <p:ph idx="1"/>
           </p:nvPr>
         </p:nvSpPr>
-        <p:spPr/>
+        <p:spPr>
+          <a:xfrm>
+            <a:off x="1141412" y="2249487"/>
+            <a:ext cx="9905999" cy="716890"/>
+          </a:xfrm>
+        </p:spPr>
         <p:txBody>
           <a:bodyPr>
             <a:normAutofit/>
@@ -22119,61 +16333,447 @@
               <a:buNone/>
             </a:pPr>
             <a:r>
+              <a:rPr lang="en-US" dirty="0"/>
+              <a:t>Command line </a:t>
+            </a:r>
+            <a:r>
               <a:rPr lang="en-US" dirty="0" err="1"/>
               <a:t>git</a:t>
             </a:r>
             <a:r>
               <a:rPr lang="en-US" dirty="0"/>
-              <a:t> commands with a local emphasis</a:t>
-            </a:r>
-          </a:p>
+              <a:t> can be pretty cryptic to the uninitiated</a:t>
+            </a:r>
+          </a:p>
+          <a:p>
+            <a:pPr marL="457200" lvl="1" indent="0">
+              <a:buNone/>
+            </a:pPr>
+            <a:endParaRPr lang="en-US" dirty="0"/>
+          </a:p>
+        </p:txBody>
+      </p:sp>
+      <p:sp>
+        <p:nvSpPr>
+          <p:cNvPr id="4" name="TextBox 3"/>
+          <p:cNvSpPr txBox="1"/>
+          <p:nvPr/>
+        </p:nvSpPr>
+        <p:spPr>
+          <a:xfrm>
+            <a:off x="6149424" y="5304684"/>
+            <a:ext cx="3261060" cy="523220"/>
+          </a:xfrm>
+          <a:prstGeom prst="rect">
+            <a:avLst/>
+          </a:prstGeom>
+          <a:noFill/>
+        </p:spPr>
+        <p:txBody>
+          <a:bodyPr wrap="square" rtlCol="0">
+            <a:spAutoFit/>
+          </a:bodyPr>
+          <a:lstStyle/>
           <a:p>
             <a:pPr lvl="1"/>
             <a:r>
-              <a:rPr lang="en-US" dirty="0" err="1"/>
+              <a:rPr lang="en-US" sz="2800" dirty="0" err="1">
+                <a:solidFill>
+                  <a:schemeClr val="tx1">
+                    <a:lumMod val="75000"/>
+                  </a:schemeClr>
+                </a:solidFill>
+                <a:latin typeface="Lucida Console" panose="020B0609040504020204" pitchFamily="49" charset="0"/>
+              </a:rPr>
               <a:t>git</a:t>
             </a:r>
             <a:r>
-              <a:rPr lang="en-US" dirty="0"/>
+              <a:rPr lang="en-US" sz="2800" dirty="0">
+                <a:solidFill>
+                  <a:schemeClr val="tx1">
+                    <a:lumMod val="75000"/>
+                  </a:schemeClr>
+                </a:solidFill>
+                <a:latin typeface="Lucida Console" panose="020B0609040504020204" pitchFamily="49" charset="0"/>
+              </a:rPr>
               <a:t> </a:t>
             </a:r>
             <a:r>
-              <a:rPr lang="en-US" dirty="0" err="1"/>
+              <a:rPr lang="en-US" sz="2800" dirty="0" err="1">
+                <a:solidFill>
+                  <a:schemeClr val="tx1">
+                    <a:lumMod val="75000"/>
+                  </a:schemeClr>
+                </a:solidFill>
+                <a:latin typeface="Lucida Console" panose="020B0609040504020204" pitchFamily="49" charset="0"/>
+              </a:rPr>
               <a:t>init</a:t>
             </a:r>
-            <a:endParaRPr lang="en-US" dirty="0"/>
-          </a:p>
+            <a:endParaRPr lang="en-US" sz="2800" dirty="0">
+              <a:solidFill>
+                <a:schemeClr val="tx1">
+                  <a:lumMod val="75000"/>
+                </a:schemeClr>
+              </a:solidFill>
+              <a:latin typeface="Lucida Console" panose="020B0609040504020204" pitchFamily="49" charset="0"/>
+            </a:endParaRPr>
+          </a:p>
+        </p:txBody>
+      </p:sp>
+      <p:sp>
+        <p:nvSpPr>
+          <p:cNvPr id="5" name="TextBox 4"/>
+          <p:cNvSpPr txBox="1"/>
+          <p:nvPr/>
+        </p:nvSpPr>
+        <p:spPr>
+          <a:xfrm>
+            <a:off x="7751213" y="2982615"/>
+            <a:ext cx="3261060" cy="523220"/>
+          </a:xfrm>
+          <a:prstGeom prst="rect">
+            <a:avLst/>
+          </a:prstGeom>
+          <a:noFill/>
+        </p:spPr>
+        <p:txBody>
+          <a:bodyPr wrap="square" rtlCol="0">
+            <a:spAutoFit/>
+          </a:bodyPr>
+          <a:lstStyle/>
           <a:p>
             <a:pPr lvl="1"/>
             <a:r>
-              <a:rPr lang="en-US" dirty="0" err="1"/>
+              <a:rPr lang="en-US" sz="2800" dirty="0" err="1">
+                <a:solidFill>
+                  <a:schemeClr val="tx1">
+                    <a:lumMod val="75000"/>
+                  </a:schemeClr>
+                </a:solidFill>
+                <a:latin typeface="Lucida Console" panose="020B0609040504020204" pitchFamily="49" charset="0"/>
+              </a:rPr>
               <a:t>git</a:t>
             </a:r>
             <a:r>
-              <a:rPr lang="en-US" dirty="0"/>
+              <a:rPr lang="en-US" sz="2800" dirty="0">
+                <a:solidFill>
+                  <a:schemeClr val="tx1">
+                    <a:lumMod val="75000"/>
+                  </a:schemeClr>
+                </a:solidFill>
+                <a:latin typeface="Lucida Console" panose="020B0609040504020204" pitchFamily="49" charset="0"/>
+              </a:rPr>
+              <a:t> add</a:t>
+            </a:r>
+          </a:p>
+        </p:txBody>
+      </p:sp>
+      <p:sp>
+        <p:nvSpPr>
+          <p:cNvPr id="6" name="TextBox 5"/>
+          <p:cNvSpPr txBox="1"/>
+          <p:nvPr/>
+        </p:nvSpPr>
+        <p:spPr>
+          <a:xfrm>
+            <a:off x="2417514" y="3074580"/>
+            <a:ext cx="3261060" cy="523220"/>
+          </a:xfrm>
+          <a:prstGeom prst="rect">
+            <a:avLst/>
+          </a:prstGeom>
+          <a:noFill/>
+        </p:spPr>
+        <p:txBody>
+          <a:bodyPr wrap="square" rtlCol="0">
+            <a:spAutoFit/>
+          </a:bodyPr>
+          <a:lstStyle/>
+          <a:p>
+            <a:pPr lvl="1"/>
+            <a:r>
+              <a:rPr lang="en-US" sz="2800" dirty="0" err="1">
+                <a:solidFill>
+                  <a:schemeClr val="tx1">
+                    <a:lumMod val="75000"/>
+                  </a:schemeClr>
+                </a:solidFill>
+                <a:latin typeface="Lucida Console" panose="020B0609040504020204" pitchFamily="49" charset="0"/>
+              </a:rPr>
+              <a:t>git</a:t>
+            </a:r>
+            <a:r>
+              <a:rPr lang="en-US" sz="2800" dirty="0">
+                <a:solidFill>
+                  <a:schemeClr val="tx1">
+                    <a:lumMod val="75000"/>
+                  </a:schemeClr>
+                </a:solidFill>
+                <a:latin typeface="Lucida Console" panose="020B0609040504020204" pitchFamily="49" charset="0"/>
+              </a:rPr>
               <a:t> status</a:t>
             </a:r>
           </a:p>
+        </p:txBody>
+      </p:sp>
+      <p:sp>
+        <p:nvSpPr>
+          <p:cNvPr id="7" name="TextBox 6"/>
+          <p:cNvSpPr txBox="1"/>
+          <p:nvPr/>
+        </p:nvSpPr>
+        <p:spPr>
+          <a:xfrm>
+            <a:off x="911501" y="5516079"/>
+            <a:ext cx="3730788" cy="523220"/>
+          </a:xfrm>
+          <a:prstGeom prst="rect">
+            <a:avLst/>
+          </a:prstGeom>
+          <a:noFill/>
+        </p:spPr>
+        <p:txBody>
+          <a:bodyPr wrap="square" rtlCol="0">
+            <a:spAutoFit/>
+          </a:bodyPr>
+          <a:lstStyle/>
           <a:p>
             <a:pPr lvl="1"/>
             <a:r>
-              <a:rPr lang="en-US" dirty="0" err="1"/>
+              <a:rPr lang="en-US" sz="2800" dirty="0" err="1">
+                <a:solidFill>
+                  <a:schemeClr val="tx1">
+                    <a:lumMod val="75000"/>
+                  </a:schemeClr>
+                </a:solidFill>
+                <a:latin typeface="Lucida Console" panose="020B0609040504020204" pitchFamily="49" charset="0"/>
+              </a:rPr>
               <a:t>git</a:t>
             </a:r>
             <a:r>
-              <a:rPr lang="en-US" dirty="0"/>
-              <a:t> add</a:t>
-            </a:r>
-          </a:p>
+              <a:rPr lang="en-US" sz="2800" dirty="0">
+                <a:solidFill>
+                  <a:schemeClr val="tx1">
+                    <a:lumMod val="75000"/>
+                  </a:schemeClr>
+                </a:solidFill>
+                <a:latin typeface="Lucida Console" panose="020B0609040504020204" pitchFamily="49" charset="0"/>
+              </a:rPr>
+              <a:t> </a:t>
+            </a:r>
+            <a:r>
+              <a:rPr lang="en-US" sz="2800" dirty="0" err="1">
+                <a:solidFill>
+                  <a:schemeClr val="tx1">
+                    <a:lumMod val="75000"/>
+                  </a:schemeClr>
+                </a:solidFill>
+                <a:latin typeface="Lucida Console" panose="020B0609040504020204" pitchFamily="49" charset="0"/>
+              </a:rPr>
+              <a:t>wut</a:t>
+            </a:r>
+            <a:r>
+              <a:rPr lang="en-US" sz="2800" dirty="0">
+                <a:solidFill>
+                  <a:schemeClr val="tx1">
+                    <a:lumMod val="75000"/>
+                  </a:schemeClr>
+                </a:solidFill>
+                <a:latin typeface="Lucida Console" panose="020B0609040504020204" pitchFamily="49" charset="0"/>
+              </a:rPr>
+              <a:t>???????</a:t>
+            </a:r>
+          </a:p>
+        </p:txBody>
+      </p:sp>
+      <p:sp>
+        <p:nvSpPr>
+          <p:cNvPr id="8" name="TextBox 7"/>
+          <p:cNvSpPr txBox="1"/>
+          <p:nvPr/>
+        </p:nvSpPr>
+        <p:spPr>
+          <a:xfrm>
+            <a:off x="5044589" y="3552867"/>
+            <a:ext cx="3261060" cy="523220"/>
+          </a:xfrm>
+          <a:prstGeom prst="rect">
+            <a:avLst/>
+          </a:prstGeom>
+          <a:noFill/>
+        </p:spPr>
+        <p:txBody>
+          <a:bodyPr wrap="square" rtlCol="0">
+            <a:spAutoFit/>
+          </a:bodyPr>
+          <a:lstStyle/>
           <a:p>
             <a:pPr lvl="1"/>
             <a:r>
-              <a:rPr lang="en-US" dirty="0" err="1"/>
+              <a:rPr lang="en-US" sz="2800" dirty="0" err="1">
+                <a:solidFill>
+                  <a:schemeClr val="tx1">
+                    <a:lumMod val="75000"/>
+                  </a:schemeClr>
+                </a:solidFill>
+                <a:latin typeface="Lucida Console" panose="020B0609040504020204" pitchFamily="49" charset="0"/>
+              </a:rPr>
               <a:t>git</a:t>
             </a:r>
             <a:r>
-              <a:rPr lang="en-US" dirty="0"/>
+              <a:rPr lang="en-US" sz="2800" dirty="0">
+                <a:solidFill>
+                  <a:schemeClr val="tx1">
+                    <a:lumMod val="75000"/>
+                  </a:schemeClr>
+                </a:solidFill>
+                <a:latin typeface="Lucida Console" panose="020B0609040504020204" pitchFamily="49" charset="0"/>
+              </a:rPr>
+              <a:t> push</a:t>
+            </a:r>
+          </a:p>
+        </p:txBody>
+      </p:sp>
+      <p:sp>
+        <p:nvSpPr>
+          <p:cNvPr id="9" name="TextBox 8"/>
+          <p:cNvSpPr txBox="1"/>
+          <p:nvPr/>
+        </p:nvSpPr>
+        <p:spPr>
+          <a:xfrm>
+            <a:off x="3880253" y="4422156"/>
+            <a:ext cx="3261060" cy="523220"/>
+          </a:xfrm>
+          <a:prstGeom prst="rect">
+            <a:avLst/>
+          </a:prstGeom>
+          <a:noFill/>
+        </p:spPr>
+        <p:txBody>
+          <a:bodyPr wrap="square" rtlCol="0">
+            <a:spAutoFit/>
+          </a:bodyPr>
+          <a:lstStyle/>
+          <a:p>
+            <a:pPr lvl="1"/>
+            <a:r>
+              <a:rPr lang="en-US" sz="2800" dirty="0" err="1">
+                <a:solidFill>
+                  <a:schemeClr val="tx1">
+                    <a:lumMod val="75000"/>
+                  </a:schemeClr>
+                </a:solidFill>
+                <a:latin typeface="Lucida Console" panose="020B0609040504020204" pitchFamily="49" charset="0"/>
+              </a:rPr>
+              <a:t>git</a:t>
+            </a:r>
+            <a:r>
+              <a:rPr lang="en-US" sz="2800" dirty="0">
+                <a:solidFill>
+                  <a:schemeClr val="tx1">
+                    <a:lumMod val="75000"/>
+                  </a:schemeClr>
+                </a:solidFill>
+                <a:latin typeface="Lucida Console" panose="020B0609040504020204" pitchFamily="49" charset="0"/>
+              </a:rPr>
               <a:t> commit</a:t>
+            </a:r>
+          </a:p>
+        </p:txBody>
+      </p:sp>
+      <p:sp>
+        <p:nvSpPr>
+          <p:cNvPr id="10" name="TextBox 9"/>
+          <p:cNvSpPr txBox="1"/>
+          <p:nvPr/>
+        </p:nvSpPr>
+        <p:spPr>
+          <a:xfrm>
+            <a:off x="1466538" y="4241621"/>
+            <a:ext cx="3261060" cy="523220"/>
+          </a:xfrm>
+          <a:prstGeom prst="rect">
+            <a:avLst/>
+          </a:prstGeom>
+          <a:noFill/>
+        </p:spPr>
+        <p:txBody>
+          <a:bodyPr wrap="square" rtlCol="0">
+            <a:spAutoFit/>
+          </a:bodyPr>
+          <a:lstStyle/>
+          <a:p>
+            <a:pPr lvl="1"/>
+            <a:r>
+              <a:rPr lang="en-US" sz="2800" dirty="0" err="1">
+                <a:solidFill>
+                  <a:schemeClr val="tx1">
+                    <a:lumMod val="75000"/>
+                  </a:schemeClr>
+                </a:solidFill>
+                <a:latin typeface="Lucida Console" panose="020B0609040504020204" pitchFamily="49" charset="0"/>
+              </a:rPr>
+              <a:t>git</a:t>
+            </a:r>
+            <a:r>
+              <a:rPr lang="en-US" sz="2800" dirty="0">
+                <a:solidFill>
+                  <a:schemeClr val="tx1">
+                    <a:lumMod val="75000"/>
+                  </a:schemeClr>
+                </a:solidFill>
+                <a:latin typeface="Lucida Console" panose="020B0609040504020204" pitchFamily="49" charset="0"/>
+              </a:rPr>
+              <a:t> pull</a:t>
+            </a:r>
+          </a:p>
+        </p:txBody>
+      </p:sp>
+      <p:sp>
+        <p:nvSpPr>
+          <p:cNvPr id="11" name="TextBox 10"/>
+          <p:cNvSpPr txBox="1"/>
+          <p:nvPr/>
+        </p:nvSpPr>
+        <p:spPr>
+          <a:xfrm>
+            <a:off x="7458605" y="4549766"/>
+            <a:ext cx="3261060" cy="523220"/>
+          </a:xfrm>
+          <a:prstGeom prst="rect">
+            <a:avLst/>
+          </a:prstGeom>
+          <a:noFill/>
+        </p:spPr>
+        <p:txBody>
+          <a:bodyPr wrap="square" rtlCol="0">
+            <a:spAutoFit/>
+          </a:bodyPr>
+          <a:lstStyle/>
+          <a:p>
+            <a:pPr lvl="1"/>
+            <a:r>
+              <a:rPr lang="en-US" sz="2800" dirty="0" err="1">
+                <a:solidFill>
+                  <a:schemeClr val="tx1">
+                    <a:lumMod val="75000"/>
+                  </a:schemeClr>
+                </a:solidFill>
+                <a:latin typeface="Lucida Console" panose="020B0609040504020204" pitchFamily="49" charset="0"/>
+              </a:rPr>
+              <a:t>git</a:t>
+            </a:r>
+            <a:r>
+              <a:rPr lang="en-US" sz="2800" dirty="0">
+                <a:solidFill>
+                  <a:schemeClr val="tx1">
+                    <a:lumMod val="75000"/>
+                  </a:schemeClr>
+                </a:solidFill>
+                <a:latin typeface="Lucida Console" panose="020B0609040504020204" pitchFamily="49" charset="0"/>
+              </a:rPr>
+              <a:t> clone</a:t>
             </a:r>
           </a:p>
         </p:txBody>
@@ -22181,7 +16781,7 @@
     </p:spTree>
     <p:extLst>
       <p:ext uri="{BB962C8B-B14F-4D97-AF65-F5344CB8AC3E}">
-        <p14:creationId xmlns:p14="http://schemas.microsoft.com/office/powerpoint/2010/main" val="1281918402"/>
+        <p14:creationId xmlns:p14="http://schemas.microsoft.com/office/powerpoint/2010/main" val="1657674654"/>
       </p:ext>
     </p:extLst>
   </p:cSld>
@@ -22260,6 +16860,142 @@
             </a:r>
             <a:r>
               <a:rPr lang="en-US" dirty="0"/>
+              <a:t> commands with a local emphasis</a:t>
+            </a:r>
+          </a:p>
+          <a:p>
+            <a:pPr lvl="1"/>
+            <a:r>
+              <a:rPr lang="en-US" dirty="0" err="1"/>
+              <a:t>git</a:t>
+            </a:r>
+            <a:r>
+              <a:rPr lang="en-US" dirty="0"/>
+              <a:t> </a:t>
+            </a:r>
+            <a:r>
+              <a:rPr lang="en-US" dirty="0" err="1"/>
+              <a:t>init</a:t>
+            </a:r>
+            <a:endParaRPr lang="en-US" dirty="0"/>
+          </a:p>
+          <a:p>
+            <a:pPr lvl="1"/>
+            <a:r>
+              <a:rPr lang="en-US" dirty="0" err="1"/>
+              <a:t>git</a:t>
+            </a:r>
+            <a:r>
+              <a:rPr lang="en-US" dirty="0"/>
+              <a:t> status</a:t>
+            </a:r>
+          </a:p>
+          <a:p>
+            <a:pPr lvl="1"/>
+            <a:r>
+              <a:rPr lang="en-US" dirty="0" err="1"/>
+              <a:t>git</a:t>
+            </a:r>
+            <a:r>
+              <a:rPr lang="en-US" dirty="0"/>
+              <a:t> add</a:t>
+            </a:r>
+          </a:p>
+          <a:p>
+            <a:pPr lvl="1"/>
+            <a:r>
+              <a:rPr lang="en-US" dirty="0" err="1"/>
+              <a:t>git</a:t>
+            </a:r>
+            <a:r>
+              <a:rPr lang="en-US" dirty="0"/>
+              <a:t> commit</a:t>
+            </a:r>
+          </a:p>
+        </p:txBody>
+      </p:sp>
+    </p:spTree>
+    <p:extLst>
+      <p:ext uri="{BB962C8B-B14F-4D97-AF65-F5344CB8AC3E}">
+        <p14:creationId xmlns:p14="http://schemas.microsoft.com/office/powerpoint/2010/main" val="1281918402"/>
+      </p:ext>
+    </p:extLst>
+  </p:cSld>
+  <p:clrMapOvr>
+    <a:masterClrMapping/>
+  </p:clrMapOvr>
+</p:sld>
+</file>
+
+<file path=ppt/slides/slide26.xml><?xml version="1.0" encoding="utf-8"?>
+<p:sld xmlns:a="http://schemas.openxmlformats.org/drawingml/2006/main" xmlns:r="http://schemas.openxmlformats.org/officeDocument/2006/relationships" xmlns:p="http://schemas.openxmlformats.org/presentationml/2006/main">
+  <p:cSld>
+    <p:spTree>
+      <p:nvGrpSpPr>
+        <p:cNvPr id="1" name=""/>
+        <p:cNvGrpSpPr/>
+        <p:nvPr/>
+      </p:nvGrpSpPr>
+      <p:grpSpPr>
+        <a:xfrm>
+          <a:off x="0" y="0"/>
+          <a:ext cx="0" cy="0"/>
+          <a:chOff x="0" y="0"/>
+          <a:chExt cx="0" cy="0"/>
+        </a:xfrm>
+      </p:grpSpPr>
+      <p:sp>
+        <p:nvSpPr>
+          <p:cNvPr id="2" name="Title 1"/>
+          <p:cNvSpPr>
+            <a:spLocks noGrp="1"/>
+          </p:cNvSpPr>
+          <p:nvPr>
+            <p:ph type="title"/>
+          </p:nvPr>
+        </p:nvSpPr>
+        <p:spPr/>
+        <p:txBody>
+          <a:bodyPr/>
+          <a:lstStyle/>
+          <a:p>
+            <a:r>
+              <a:rPr lang="en-US" dirty="0" err="1"/>
+              <a:t>Git</a:t>
+            </a:r>
+            <a:r>
+              <a:rPr lang="en-US" dirty="0"/>
+              <a:t> Commands</a:t>
+            </a:r>
+          </a:p>
+        </p:txBody>
+      </p:sp>
+      <p:sp>
+        <p:nvSpPr>
+          <p:cNvPr id="3" name="Content Placeholder 2"/>
+          <p:cNvSpPr>
+            <a:spLocks noGrp="1"/>
+          </p:cNvSpPr>
+          <p:nvPr>
+            <p:ph idx="1"/>
+          </p:nvPr>
+        </p:nvSpPr>
+        <p:spPr/>
+        <p:txBody>
+          <a:bodyPr>
+            <a:normAutofit/>
+          </a:bodyPr>
+          <a:lstStyle/>
+          <a:p>
+            <a:pPr marL="0" indent="0">
+              <a:buNone/>
+            </a:pPr>
+            <a:r>
+              <a:rPr lang="en-US" dirty="0" err="1"/>
+              <a:t>git</a:t>
+            </a:r>
+            <a:r>
+              <a:rPr lang="en-US" dirty="0"/>
               <a:t> commands with a remote emphasis</a:t>
             </a:r>
           </a:p>
@@ -22322,7 +17058,7 @@
 </p:sld>
 </file>
 
-<file path=ppt/slides/slide26.xml><?xml version="1.0" encoding="utf-8"?>
+<file path=ppt/slides/slide27.xml><?xml version="1.0" encoding="utf-8"?>
 <p:sld xmlns:a="http://schemas.openxmlformats.org/drawingml/2006/main" xmlns:r="http://schemas.openxmlformats.org/officeDocument/2006/relationships" xmlns:p="http://schemas.openxmlformats.org/presentationml/2006/main">
   <p:cSld>
     <p:spTree>
@@ -22930,7 +17666,7 @@
 </p:sld>
 </file>
 
-<file path=ppt/slides/slide27.xml><?xml version="1.0" encoding="utf-8"?>
+<file path=ppt/slides/slide28.xml><?xml version="1.0" encoding="utf-8"?>
 <p:sld xmlns:a="http://schemas.openxmlformats.org/drawingml/2006/main" xmlns:r="http://schemas.openxmlformats.org/officeDocument/2006/relationships" xmlns:p="http://schemas.openxmlformats.org/presentationml/2006/main">
   <p:cSld>
     <p:spTree>
@@ -22949,6 +17685,111 @@
       </p:grpSpPr>
       <p:sp>
         <p:nvSpPr>
+          <p:cNvPr id="4" name="Title 3"/>
+          <p:cNvSpPr>
+            <a:spLocks noGrp="1"/>
+          </p:cNvSpPr>
+          <p:nvPr>
+            <p:ph type="title"/>
+          </p:nvPr>
+        </p:nvSpPr>
+        <p:spPr/>
+        <p:txBody>
+          <a:bodyPr/>
+          <a:lstStyle/>
+          <a:p>
+            <a:r>
+              <a:rPr lang="en-US" dirty="0"/>
+              <a:t>Agenda</a:t>
+            </a:r>
+          </a:p>
+        </p:txBody>
+      </p:sp>
+      <p:sp>
+        <p:nvSpPr>
+          <p:cNvPr id="6" name="Content Placeholder 5"/>
+          <p:cNvSpPr>
+            <a:spLocks noGrp="1"/>
+          </p:cNvSpPr>
+          <p:nvPr>
+            <p:ph idx="1"/>
+          </p:nvPr>
+        </p:nvSpPr>
+        <p:spPr/>
+        <p:txBody>
+          <a:bodyPr>
+            <a:normAutofit/>
+          </a:bodyPr>
+          <a:lstStyle/>
+          <a:p>
+            <a:r>
+              <a:rPr lang="en-US" strike="sngStrike" dirty="0"/>
+              <a:t>Infrastructure as Code</a:t>
+            </a:r>
+          </a:p>
+          <a:p>
+            <a:r>
+              <a:rPr lang="en-US" strike="sngStrike" dirty="0"/>
+              <a:t>Tools of the Trade</a:t>
+            </a:r>
+          </a:p>
+          <a:p>
+            <a:r>
+              <a:rPr lang="en-US" strike="sngStrike" dirty="0"/>
+              <a:t>PowerShell, not </a:t>
+            </a:r>
+            <a:r>
+              <a:rPr lang="en-US" strike="sngStrike" dirty="0" err="1"/>
+              <a:t>PowerScript</a:t>
+            </a:r>
+            <a:endParaRPr lang="en-US" strike="sngStrike" dirty="0"/>
+          </a:p>
+          <a:p>
+            <a:r>
+              <a:rPr lang="en-US" strike="sngStrike" dirty="0"/>
+              <a:t>Version Control 101</a:t>
+            </a:r>
+          </a:p>
+          <a:p>
+            <a:r>
+              <a:rPr lang="en-US" dirty="0"/>
+              <a:t>Reusable Code</a:t>
+            </a:r>
+          </a:p>
+        </p:txBody>
+      </p:sp>
+    </p:spTree>
+    <p:extLst>
+      <p:ext uri="{BB962C8B-B14F-4D97-AF65-F5344CB8AC3E}">
+        <p14:creationId xmlns:p14="http://schemas.microsoft.com/office/powerpoint/2010/main" val="1171719258"/>
+      </p:ext>
+    </p:extLst>
+  </p:cSld>
+  <p:clrMapOvr>
+    <a:masterClrMapping/>
+  </p:clrMapOvr>
+</p:sld>
+</file>
+
+<file path=ppt/slides/slide29.xml><?xml version="1.0" encoding="utf-8"?>
+<p:sld xmlns:a="http://schemas.openxmlformats.org/drawingml/2006/main" xmlns:r="http://schemas.openxmlformats.org/officeDocument/2006/relationships" xmlns:p="http://schemas.openxmlformats.org/presentationml/2006/main">
+  <p:cSld>
+    <p:spTree>
+      <p:nvGrpSpPr>
+        <p:cNvPr id="1" name=""/>
+        <p:cNvGrpSpPr/>
+        <p:nvPr/>
+      </p:nvGrpSpPr>
+      <p:grpSpPr>
+        <a:xfrm>
+          <a:off x="0" y="0"/>
+          <a:ext cx="0" cy="0"/>
+          <a:chOff x="0" y="0"/>
+          <a:chExt cx="0" cy="0"/>
+        </a:xfrm>
+      </p:grpSpPr>
+      <p:sp>
+        <p:nvSpPr>
           <p:cNvPr id="2" name="Title 1"/>
           <p:cNvSpPr>
             <a:spLocks noGrp="1"/>
@@ -22964,19 +17805,19 @@
           <a:p>
             <a:r>
               <a:rPr lang="en-US" dirty="0"/>
-              <a:t>Would you like to know more?</a:t>
-            </a:r>
-          </a:p>
-        </p:txBody>
-      </p:sp>
-      <p:sp>
-        <p:nvSpPr>
-          <p:cNvPr id="3" name="Content Placeholder 2"/>
+              <a:t>Reusable Code</a:t>
+            </a:r>
+          </a:p>
+        </p:txBody>
+      </p:sp>
+      <p:sp>
+        <p:nvSpPr>
+          <p:cNvPr id="3" name="Text Placeholder 2"/>
           <p:cNvSpPr>
             <a:spLocks noGrp="1"/>
           </p:cNvSpPr>
           <p:nvPr>
-            <p:ph idx="1"/>
+            <p:ph type="body" idx="1"/>
           </p:nvPr>
         </p:nvSpPr>
         <p:spPr/>
@@ -22985,40 +17826,16 @@
           <a:lstStyle/>
           <a:p>
             <a:r>
-              <a:rPr lang="en-US" dirty="0">
-                <a:hlinkClick r:id="rId2"/>
-              </a:rPr>
-              <a:t>https://github.com/ryandcoates/PowerShellResources</a:t>
-            </a:r>
-            <a:endParaRPr lang="en-US" dirty="0"/>
-          </a:p>
-          <a:p>
-            <a:r>
-              <a:rPr lang="en-US" dirty="0">
-                <a:hlinkClick r:id="rId3"/>
-              </a:rPr>
-              <a:t>http://powershell.org</a:t>
-            </a:r>
-            <a:endParaRPr lang="en-US" dirty="0"/>
-          </a:p>
-          <a:p>
-            <a:r>
-              <a:rPr lang="en-US" dirty="0">
-                <a:hlinkClick r:id="rId4"/>
-              </a:rPr>
-              <a:t>http://mva.microsoft.com</a:t>
-            </a:r>
-            <a:endParaRPr lang="en-US" dirty="0"/>
-          </a:p>
-          <a:p>
-            <a:endParaRPr lang="en-US" dirty="0"/>
+              <a:rPr lang="en-US" dirty="0"/>
+              <a:t>PowerShell Advanced Functions (but not that advanced)</a:t>
+            </a:r>
           </a:p>
         </p:txBody>
       </p:sp>
     </p:spTree>
     <p:extLst>
       <p:ext uri="{BB962C8B-B14F-4D97-AF65-F5344CB8AC3E}">
-        <p14:creationId xmlns:p14="http://schemas.microsoft.com/office/powerpoint/2010/main" val="1561072439"/>
+        <p14:creationId xmlns:p14="http://schemas.microsoft.com/office/powerpoint/2010/main" val="555950492"/>
       </p:ext>
     </p:extLst>
   </p:cSld>
@@ -23095,6 +17912,119 @@
     <p:extLst>
       <p:ext uri="{BB962C8B-B14F-4D97-AF65-F5344CB8AC3E}">
         <p14:creationId xmlns:p14="http://schemas.microsoft.com/office/powerpoint/2010/main" val="192953840"/>
+      </p:ext>
+    </p:extLst>
+  </p:cSld>
+  <p:clrMapOvr>
+    <a:masterClrMapping/>
+  </p:clrMapOvr>
+</p:sld>
+</file>
+
+<file path=ppt/slides/slide30.xml><?xml version="1.0" encoding="utf-8"?>
+<p:sld xmlns:a="http://schemas.openxmlformats.org/drawingml/2006/main" xmlns:r="http://schemas.openxmlformats.org/officeDocument/2006/relationships" xmlns:p="http://schemas.openxmlformats.org/presentationml/2006/main">
+  <p:cSld>
+    <p:spTree>
+      <p:nvGrpSpPr>
+        <p:cNvPr id="1" name=""/>
+        <p:cNvGrpSpPr/>
+        <p:nvPr/>
+      </p:nvGrpSpPr>
+      <p:grpSpPr>
+        <a:xfrm>
+          <a:off x="0" y="0"/>
+          <a:ext cx="0" cy="0"/>
+          <a:chOff x="0" y="0"/>
+          <a:chExt cx="0" cy="0"/>
+        </a:xfrm>
+      </p:grpSpPr>
+      <p:sp>
+        <p:nvSpPr>
+          <p:cNvPr id="2" name="Title 1"/>
+          <p:cNvSpPr>
+            <a:spLocks noGrp="1"/>
+          </p:cNvSpPr>
+          <p:nvPr>
+            <p:ph type="title"/>
+          </p:nvPr>
+        </p:nvSpPr>
+        <p:spPr/>
+        <p:txBody>
+          <a:bodyPr/>
+          <a:lstStyle/>
+          <a:p>
+            <a:r>
+              <a:rPr lang="en-US" dirty="0"/>
+              <a:t>Would you like to know more?</a:t>
+            </a:r>
+          </a:p>
+        </p:txBody>
+      </p:sp>
+      <p:sp>
+        <p:nvSpPr>
+          <p:cNvPr id="3" name="Content Placeholder 2"/>
+          <p:cNvSpPr>
+            <a:spLocks noGrp="1"/>
+          </p:cNvSpPr>
+          <p:nvPr>
+            <p:ph idx="1"/>
+          </p:nvPr>
+        </p:nvSpPr>
+        <p:spPr/>
+        <p:txBody>
+          <a:bodyPr/>
+          <a:lstStyle/>
+          <a:p>
+            <a:r>
+              <a:rPr lang="en-US" dirty="0">
+                <a:hlinkClick r:id="rId2"/>
+              </a:rPr>
+              <a:t>https://github.com/ryandcoates/PowerShellResources</a:t>
+            </a:r>
+            <a:endParaRPr lang="en-US" dirty="0"/>
+          </a:p>
+          <a:p>
+            <a:r>
+              <a:rPr lang="en-US" dirty="0">
+                <a:hlinkClick r:id="rId3"/>
+              </a:rPr>
+              <a:t>http://powershell.org</a:t>
+            </a:r>
+            <a:endParaRPr lang="en-US" dirty="0"/>
+          </a:p>
+          <a:p>
+            <a:r>
+              <a:rPr lang="en-US" dirty="0">
+                <a:hlinkClick r:id="rId4"/>
+              </a:rPr>
+              <a:t>http://mva.microsoft.com</a:t>
+            </a:r>
+            <a:endParaRPr lang="en-US" dirty="0"/>
+          </a:p>
+          <a:p>
+            <a:r>
+              <a:rPr lang="en-US" dirty="0">
+                <a:hlinkClick r:id="rId5"/>
+              </a:rPr>
+              <a:t>https://git-scm.com/book/en/v2</a:t>
+            </a:r>
+            <a:endParaRPr lang="en-US" dirty="0"/>
+          </a:p>
+          <a:p>
+            <a:pPr marL="0" indent="0">
+              <a:buNone/>
+            </a:pPr>
+            <a:endParaRPr lang="en-US" dirty="0"/>
+          </a:p>
+          <a:p>
+            <a:endParaRPr lang="en-US" dirty="0"/>
+          </a:p>
+        </p:txBody>
+      </p:sp>
+    </p:spTree>
+    <p:extLst>
+      <p:ext uri="{BB962C8B-B14F-4D97-AF65-F5344CB8AC3E}">
+        <p14:creationId xmlns:p14="http://schemas.microsoft.com/office/powerpoint/2010/main" val="1561072439"/>
       </p:ext>
     </p:extLst>
   </p:cSld>
@@ -23882,7 +18812,7 @@
 <file path=ppt/theme/theme1.xml><?xml version="1.0" encoding="utf-8"?>
 <a:theme xmlns:a="http://schemas.openxmlformats.org/drawingml/2006/main" name="Circuit">
   <a:themeElements>
-    <a:clrScheme name="Blue">
+    <a:clrScheme name="Circuit">
       <a:dk1>
         <a:sysClr val="windowText" lastClr="000000"/>
       </a:dk1>
@@ -23890,34 +18820,34 @@
         <a:sysClr val="window" lastClr="FFFFFF"/>
       </a:lt1>
       <a:dk2>
-        <a:srgbClr val="17406D"/>
+        <a:srgbClr val="252C36"/>
       </a:dk2>
       <a:lt2>
-        <a:srgbClr val="DBEFF9"/>
+        <a:srgbClr val="7C96A3"/>
       </a:lt2>
       <a:accent1>
-        <a:srgbClr val="0F6FC6"/>
+        <a:srgbClr val="4FD093"/>
       </a:accent1>
       <a:accent2>
-        <a:srgbClr val="009DD9"/>
+        <a:srgbClr val="54BCDF"/>
       </a:accent2>
       <a:accent3>
-        <a:srgbClr val="0BD0D9"/>
+        <a:srgbClr val="A262D0"/>
       </a:accent3>
       <a:accent4>
-        <a:srgbClr val="10CF9B"/>
+        <a:srgbClr val="D7537B"/>
       </a:accent4>
       <a:accent5>
-        <a:srgbClr val="7CCA62"/>
+        <a:srgbClr val="E78045"/>
       </a:accent5>
       <a:accent6>
-        <a:srgbClr val="A5C249"/>
+        <a:srgbClr val="84C350"/>
       </a:accent6>
       <a:hlink>
-        <a:srgbClr val="F49100"/>
+        <a:srgbClr val="22FFFF"/>
       </a:hlink>
       <a:folHlink>
-        <a:srgbClr val="85DFD0"/>
+        <a:srgbClr val="9BF3FD"/>
       </a:folHlink>
     </a:clrScheme>
     <a:fontScheme name="Circuit">
@@ -24084,7 +19014,7 @@
                 <a:tint val="98000"/>
                 <a:hueMod val="94000"/>
                 <a:satMod val="148000"/>
-                <a:lumMod val="150000"/>
+                <a:lumMod val="140000"/>
               </a:schemeClr>
             </a:gs>
             <a:gs pos="100000">
@@ -24092,7 +19022,7 @@
                 <a:shade val="92000"/>
                 <a:hueMod val="104000"/>
                 <a:satMod val="140000"/>
-                <a:lumMod val="68000"/>
+                <a:lumMod val="48000"/>
               </a:schemeClr>
             </a:gs>
           </a:gsLst>
@@ -24102,16 +19032,16 @@
           <a:blip xmlns:r="http://schemas.openxmlformats.org/officeDocument/2006/relationships" r:embed="rId1">
             <a:duotone>
               <a:schemeClr val="phClr">
-                <a:shade val="88000"/>
+                <a:shade val="48000"/>
                 <a:hueMod val="106000"/>
                 <a:satMod val="140000"/>
-                <a:lumMod val="54000"/>
+                <a:lumMod val="42000"/>
               </a:schemeClr>
               <a:schemeClr val="phClr">
                 <a:tint val="98000"/>
-                <a:hueMod val="90000"/>
-                <a:satMod val="150000"/>
-                <a:lumMod val="160000"/>
+                <a:hueMod val="92000"/>
+                <a:satMod val="220000"/>
+                <a:lumMod val="90000"/>
               </a:schemeClr>
             </a:duotone>
           </a:blip>
@@ -24124,7 +19054,7 @@
   <a:extraClrSchemeLst/>
   <a:extLst>
     <a:ext uri="{05A4C25C-085E-4340-85A3-A5531E510DB2}">
-      <thm15:themeFamily xmlns:thm15="http://schemas.microsoft.com/office/thememl/2012/main" name="Circuit" id="{0AC2F7E7-15F5-431C-B2A2-456FE929F56C}" vid="{0911B802-464C-4241-8DD9-B60FF88E379F}"/>
+      <thm15:themeFamily xmlns:thm15="http://schemas.microsoft.com/office/thememl/2012/main" name="Circuit" id="{0AC2F7E7-15F5-431C-B2A2-456FE929F56C}" vid="{142578CA-DEC9-49C3-80AF-C113973CC9A9}"/>
     </a:ext>
   </a:extLst>
 </a:theme>
